--- a/3 am/بناء المشاريع 3/2 الرسم بالقلم/cours 15/عرض الدرس.pptx
+++ b/3 am/بناء المشاريع 3/2 الرسم بالقلم/cours 15/عرض الدرس.pptx
@@ -11,6 +11,8 @@
     <p:sldId id="270" r:id="rId5"/>
     <p:sldId id="260" r:id="rId6"/>
     <p:sldId id="269" r:id="rId7"/>
+    <p:sldId id="272" r:id="rId8"/>
+    <p:sldId id="273" r:id="rId9"/>
   </p:sldIdLst>
   <p:sldSz cx="12192000" cy="6858000"/>
   <p:notesSz cx="6858000" cy="9144000"/>
@@ -248,7 +250,7 @@
           <a:p>
             <a:fld id="{33E46DBA-FA3B-4C5F-B700-4671668DAB72}" type="datetimeFigureOut">
               <a:rPr lang="fr-FR" smtClean="0"/>
-              <a:t>18/02/2025</a:t>
+              <a:t>19/04/2025</a:t>
             </a:fld>
             <a:endParaRPr lang="fr-FR"/>
           </a:p>
@@ -418,7 +420,7 @@
           <a:p>
             <a:fld id="{33E46DBA-FA3B-4C5F-B700-4671668DAB72}" type="datetimeFigureOut">
               <a:rPr lang="fr-FR" smtClean="0"/>
-              <a:t>18/02/2025</a:t>
+              <a:t>19/04/2025</a:t>
             </a:fld>
             <a:endParaRPr lang="fr-FR"/>
           </a:p>
@@ -598,7 +600,7 @@
           <a:p>
             <a:fld id="{33E46DBA-FA3B-4C5F-B700-4671668DAB72}" type="datetimeFigureOut">
               <a:rPr lang="fr-FR" smtClean="0"/>
-              <a:t>18/02/2025</a:t>
+              <a:t>19/04/2025</a:t>
             </a:fld>
             <a:endParaRPr lang="fr-FR"/>
           </a:p>
@@ -768,7 +770,7 @@
           <a:p>
             <a:fld id="{33E46DBA-FA3B-4C5F-B700-4671668DAB72}" type="datetimeFigureOut">
               <a:rPr lang="fr-FR" smtClean="0"/>
-              <a:t>18/02/2025</a:t>
+              <a:t>19/04/2025</a:t>
             </a:fld>
             <a:endParaRPr lang="fr-FR"/>
           </a:p>
@@ -1014,7 +1016,7 @@
           <a:p>
             <a:fld id="{33E46DBA-FA3B-4C5F-B700-4671668DAB72}" type="datetimeFigureOut">
               <a:rPr lang="fr-FR" smtClean="0"/>
-              <a:t>18/02/2025</a:t>
+              <a:t>19/04/2025</a:t>
             </a:fld>
             <a:endParaRPr lang="fr-FR"/>
           </a:p>
@@ -1246,7 +1248,7 @@
           <a:p>
             <a:fld id="{33E46DBA-FA3B-4C5F-B700-4671668DAB72}" type="datetimeFigureOut">
               <a:rPr lang="fr-FR" smtClean="0"/>
-              <a:t>18/02/2025</a:t>
+              <a:t>19/04/2025</a:t>
             </a:fld>
             <a:endParaRPr lang="fr-FR"/>
           </a:p>
@@ -1613,7 +1615,7 @@
           <a:p>
             <a:fld id="{33E46DBA-FA3B-4C5F-B700-4671668DAB72}" type="datetimeFigureOut">
               <a:rPr lang="fr-FR" smtClean="0"/>
-              <a:t>18/02/2025</a:t>
+              <a:t>19/04/2025</a:t>
             </a:fld>
             <a:endParaRPr lang="fr-FR"/>
           </a:p>
@@ -1731,7 +1733,7 @@
           <a:p>
             <a:fld id="{33E46DBA-FA3B-4C5F-B700-4671668DAB72}" type="datetimeFigureOut">
               <a:rPr lang="fr-FR" smtClean="0"/>
-              <a:t>18/02/2025</a:t>
+              <a:t>19/04/2025</a:t>
             </a:fld>
             <a:endParaRPr lang="fr-FR"/>
           </a:p>
@@ -1826,7 +1828,7 @@
           <a:p>
             <a:fld id="{33E46DBA-FA3B-4C5F-B700-4671668DAB72}" type="datetimeFigureOut">
               <a:rPr lang="fr-FR" smtClean="0"/>
-              <a:t>18/02/2025</a:t>
+              <a:t>19/04/2025</a:t>
             </a:fld>
             <a:endParaRPr lang="fr-FR"/>
           </a:p>
@@ -2103,7 +2105,7 @@
           <a:p>
             <a:fld id="{33E46DBA-FA3B-4C5F-B700-4671668DAB72}" type="datetimeFigureOut">
               <a:rPr lang="fr-FR" smtClean="0"/>
-              <a:t>18/02/2025</a:t>
+              <a:t>19/04/2025</a:t>
             </a:fld>
             <a:endParaRPr lang="fr-FR"/>
           </a:p>
@@ -2356,7 +2358,7 @@
           <a:p>
             <a:fld id="{33E46DBA-FA3B-4C5F-B700-4671668DAB72}" type="datetimeFigureOut">
               <a:rPr lang="fr-FR" smtClean="0"/>
-              <a:t>18/02/2025</a:t>
+              <a:t>19/04/2025</a:t>
             </a:fld>
             <a:endParaRPr lang="fr-FR"/>
           </a:p>
@@ -2569,7 +2571,7 @@
           <a:p>
             <a:fld id="{33E46DBA-FA3B-4C5F-B700-4671668DAB72}" type="datetimeFigureOut">
               <a:rPr lang="fr-FR" smtClean="0"/>
-              <a:t>18/02/2025</a:t>
+              <a:t>19/04/2025</a:t>
             </a:fld>
             <a:endParaRPr lang="fr-FR"/>
           </a:p>
@@ -3018,7 +3020,7 @@
           <p:cNvPr id="6" name="Rectangle : coins arrondis 12">
             <a:extLst>
               <a:ext uri="{FF2B5EF4-FFF2-40B4-BE49-F238E27FC236}">
-                <a16:creationId xmlns:a16="http://schemas.microsoft.com/office/drawing/2014/main" xmlns="" id="{2A52F28A-4066-7F20-F61B-78B99AF33888}"/>
+                <a16:creationId xmlns="" xmlns:a16="http://schemas.microsoft.com/office/drawing/2014/main" id="{2A52F28A-4066-7F20-F61B-78B99AF33888}"/>
               </a:ext>
             </a:extLst>
           </p:cNvPr>
@@ -3027,7 +3029,7 @@
         </p:nvSpPr>
         <p:spPr>
           <a:xfrm>
-            <a:off x="624114" y="1565753"/>
+            <a:off x="624114" y="1077237"/>
             <a:ext cx="11567886" cy="2182317"/>
           </a:xfrm>
           <a:prstGeom prst="roundRect">
@@ -3058,35 +3060,30 @@
           <a:p>
             <a:pPr marL="571500" indent="-571500" algn="r" rtl="1">
               <a:buFont typeface="Wingdings" panose="05000000000000000000" pitchFamily="2" charset="2"/>
-              <a:buChar char="ü"/>
+              <a:buChar char="Ø"/>
             </a:pPr>
             <a:r>
-              <a:rPr lang="ar-DZ" sz="4000" dirty="0">
-                <a:cs typeface="+mj-cs"/>
-              </a:rPr>
-              <a:t>ما هي طريقة إدراج صوت و فيديو ؟</a:t>
+              <a:rPr lang="ar-DZ" sz="4000" dirty="0"/>
+              <a:t>كيف يمكن إضافة الأصوات في برنامج </a:t>
+            </a:r>
+            <a:r>
+              <a:rPr lang="ar-DZ" sz="4000" dirty="0" err="1"/>
+              <a:t>سكراتش</a:t>
+            </a:r>
+            <a:r>
+              <a:rPr lang="ar-DZ" sz="4000" dirty="0"/>
+              <a:t> ؟ </a:t>
             </a:r>
           </a:p>
           <a:p>
             <a:pPr marL="571500" indent="-571500" algn="r" rtl="1">
               <a:buFont typeface="Wingdings" panose="05000000000000000000" pitchFamily="2" charset="2"/>
-              <a:buChar char="ü"/>
+              <a:buChar char="Ø"/>
             </a:pPr>
             <a:r>
-              <a:rPr lang="ar-DZ" sz="4000" dirty="0" smtClean="0">
-                <a:cs typeface="+mj-cs"/>
-              </a:rPr>
-              <a:t>ما </a:t>
-            </a:r>
-            <a:r>
-              <a:rPr lang="ar-DZ" sz="4000" dirty="0">
-                <a:cs typeface="+mj-cs"/>
-              </a:rPr>
-              <a:t>هي المصادر التي يمكننا إضافة من خلالها صوت أو فيديو ؟</a:t>
-            </a:r>
-            <a:endParaRPr lang="fr-FR" sz="4000" dirty="0">
-              <a:cs typeface="+mj-cs"/>
-            </a:endParaRPr>
+              <a:rPr lang="ar-DZ" sz="4000" dirty="0"/>
+              <a:t>ما أنواع لبنات الصوت ؟ </a:t>
+            </a:r>
           </a:p>
         </p:txBody>
       </p:sp>
@@ -3190,7 +3187,7 @@
           <p:cNvPr id="6" name="Rectangle : coins arrondis 12">
             <a:extLst>
               <a:ext uri="{FF2B5EF4-FFF2-40B4-BE49-F238E27FC236}">
-                <a16:creationId xmlns:a16="http://schemas.microsoft.com/office/drawing/2014/main" xmlns="" id="{2A52F28A-4066-7F20-F61B-78B99AF33888}"/>
+                <a16:creationId xmlns="" xmlns:a16="http://schemas.microsoft.com/office/drawing/2014/main" id="{2A52F28A-4066-7F20-F61B-78B99AF33888}"/>
               </a:ext>
             </a:extLst>
           </p:cNvPr>
@@ -3199,8 +3196,8 @@
         </p:nvSpPr>
         <p:spPr>
           <a:xfrm>
-            <a:off x="316230" y="1478071"/>
-            <a:ext cx="11567886" cy="3071665"/>
+            <a:off x="316230" y="1077237"/>
+            <a:ext cx="11567886" cy="914400"/>
           </a:xfrm>
           <a:prstGeom prst="roundRect">
             <a:avLst/>
@@ -3228,110 +3225,371 @@
           <a:bodyPr rtlCol="0" anchor="ctr"/>
           <a:lstStyle/>
           <a:p>
-            <a:pPr marL="685800" indent="-685800" algn="r" rtl="1">
-              <a:buFont typeface="Wingdings" panose="05000000000000000000" pitchFamily="2" charset="2"/>
-              <a:buChar char="Ø"/>
+            <a:pPr algn="r" rtl="1"/>
+            <a:r>
+              <a:rPr lang="ar-DZ" sz="4000" dirty="0" smtClean="0"/>
+              <a:t>عرض </a:t>
+            </a:r>
+            <a:r>
+              <a:rPr lang="ar-DZ" sz="4000" dirty="0"/>
+              <a:t>المشاريع التالية :</a:t>
+            </a:r>
+          </a:p>
+        </p:txBody>
+      </p:sp>
+      <p:pic>
+        <p:nvPicPr>
+          <p:cNvPr id="1027" name="Image 4"/>
+          <p:cNvPicPr>
+            <a:picLocks noChangeAspect="1" noChangeArrowheads="1"/>
+          </p:cNvPicPr>
+          <p:nvPr/>
+        </p:nvPicPr>
+        <p:blipFill>
+          <a:blip r:embed="rId2">
+            <a:extLst>
+              <a:ext uri="{28A0092B-C50C-407E-A947-70E740481C1C}">
+                <a14:useLocalDpi xmlns:a14="http://schemas.microsoft.com/office/drawing/2010/main" val="0"/>
+              </a:ext>
+            </a:extLst>
+          </a:blip>
+          <a:srcRect/>
+          <a:stretch>
+            <a:fillRect/>
+          </a:stretch>
+        </p:blipFill>
+        <p:spPr bwMode="auto">
+          <a:xfrm>
+            <a:off x="7415128" y="1916864"/>
+            <a:ext cx="2229745" cy="1922194"/>
+          </a:xfrm>
+          <a:prstGeom prst="rect">
+            <a:avLst/>
+          </a:prstGeom>
+          <a:noFill/>
+          <a:extLst>
+            <a:ext uri="{909E8E84-426E-40DD-AFC4-6F175D3DCCD1}">
+              <a14:hiddenFill xmlns:a14="http://schemas.microsoft.com/office/drawing/2010/main">
+                <a:solidFill>
+                  <a:srgbClr val="FFFFFF"/>
+                </a:solidFill>
+              </a14:hiddenFill>
+            </a:ext>
+          </a:extLst>
+        </p:spPr>
+      </p:pic>
+      <p:pic>
+        <p:nvPicPr>
+          <p:cNvPr id="1026" name="Image 29"/>
+          <p:cNvPicPr>
+            <a:picLocks noChangeAspect="1" noChangeArrowheads="1"/>
+          </p:cNvPicPr>
+          <p:nvPr/>
+        </p:nvPicPr>
+        <p:blipFill>
+          <a:blip r:embed="rId3">
+            <a:extLst>
+              <a:ext uri="{28A0092B-C50C-407E-A947-70E740481C1C}">
+                <a14:useLocalDpi xmlns:a14="http://schemas.microsoft.com/office/drawing/2010/main" val="0"/>
+              </a:ext>
+            </a:extLst>
+          </a:blip>
+          <a:srcRect t="3734"/>
+          <a:stretch>
+            <a:fillRect/>
+          </a:stretch>
+        </p:blipFill>
+        <p:spPr bwMode="auto">
+          <a:xfrm>
+            <a:off x="4696838" y="1846678"/>
+            <a:ext cx="2229745" cy="2012690"/>
+          </a:xfrm>
+          <a:prstGeom prst="rect">
+            <a:avLst/>
+          </a:prstGeom>
+          <a:noFill/>
+          <a:extLst>
+            <a:ext uri="{909E8E84-426E-40DD-AFC4-6F175D3DCCD1}">
+              <a14:hiddenFill xmlns:a14="http://schemas.microsoft.com/office/drawing/2010/main">
+                <a:solidFill>
+                  <a:srgbClr val="FFFFFF"/>
+                </a:solidFill>
+              </a14:hiddenFill>
+            </a:ext>
+          </a:extLst>
+        </p:spPr>
+      </p:pic>
+      <p:pic>
+        <p:nvPicPr>
+          <p:cNvPr id="1025" name="Image 32"/>
+          <p:cNvPicPr>
+            <a:picLocks noChangeAspect="1" noChangeArrowheads="1"/>
+          </p:cNvPicPr>
+          <p:nvPr/>
+        </p:nvPicPr>
+        <p:blipFill>
+          <a:blip r:embed="rId4">
+            <a:extLst>
+              <a:ext uri="{28A0092B-C50C-407E-A947-70E740481C1C}">
+                <a14:useLocalDpi xmlns:a14="http://schemas.microsoft.com/office/drawing/2010/main" val="0"/>
+              </a:ext>
+            </a:extLst>
+          </a:blip>
+          <a:srcRect/>
+          <a:stretch>
+            <a:fillRect/>
+          </a:stretch>
+        </p:blipFill>
+        <p:spPr bwMode="auto">
+          <a:xfrm>
+            <a:off x="2163564" y="1787814"/>
+            <a:ext cx="2040840" cy="2124140"/>
+          </a:xfrm>
+          <a:prstGeom prst="rect">
+            <a:avLst/>
+          </a:prstGeom>
+          <a:noFill/>
+          <a:extLst>
+            <a:ext uri="{909E8E84-426E-40DD-AFC4-6F175D3DCCD1}">
+              <a14:hiddenFill xmlns:a14="http://schemas.microsoft.com/office/drawing/2010/main">
+                <a:solidFill>
+                  <a:srgbClr val="FFFFFF"/>
+                </a:solidFill>
+              </a14:hiddenFill>
+            </a:ext>
+          </a:extLst>
+        </p:spPr>
+      </p:pic>
+      <p:pic>
+        <p:nvPicPr>
+          <p:cNvPr id="5" name="Image 4"/>
+          <p:cNvPicPr>
+            <a:picLocks noChangeAspect="1"/>
+          </p:cNvPicPr>
+          <p:nvPr/>
+        </p:nvPicPr>
+        <p:blipFill>
+          <a:blip r:embed="rId5">
+            <a:extLst>
+              <a:ext uri="{28A0092B-C50C-407E-A947-70E740481C1C}">
+                <a14:useLocalDpi xmlns:a14="http://schemas.microsoft.com/office/drawing/2010/main" val="0"/>
+              </a:ext>
+            </a:extLst>
+          </a:blip>
+          <a:stretch>
+            <a:fillRect/>
+          </a:stretch>
+        </p:blipFill>
+        <p:spPr>
+          <a:xfrm>
+            <a:off x="10053287" y="1846011"/>
+            <a:ext cx="1696729" cy="2013357"/>
+          </a:xfrm>
+          <a:prstGeom prst="rect">
+            <a:avLst/>
+          </a:prstGeom>
+        </p:spPr>
+      </p:pic>
+      <p:sp>
+        <p:nvSpPr>
+          <p:cNvPr id="7" name="Rectangle 6"/>
+          <p:cNvSpPr/>
+          <p:nvPr/>
+        </p:nvSpPr>
+        <p:spPr>
+          <a:xfrm>
+            <a:off x="5962389" y="4157932"/>
+            <a:ext cx="5812376" cy="619272"/>
+          </a:xfrm>
+          <a:prstGeom prst="rect">
+            <a:avLst/>
+          </a:prstGeom>
+        </p:spPr>
+        <p:txBody>
+          <a:bodyPr wrap="square">
+            <a:spAutoFit/>
+          </a:bodyPr>
+          <a:lstStyle/>
+          <a:p>
+            <a:pPr lvl="0" algn="r" rtl="1">
+              <a:lnSpc>
+                <a:spcPct val="107000"/>
+              </a:lnSpc>
+              <a:spcAft>
+                <a:spcPts val="800"/>
+              </a:spcAft>
             </a:pPr>
             <a:r>
-              <a:rPr lang="ar-DZ" sz="4000" dirty="0">
+              <a:rPr lang="ar-DZ" sz="3200" dirty="0">
                 <a:cs typeface="+mj-cs"/>
               </a:rPr>
-              <a:t>عرض </a:t>
-            </a:r>
-            <a:r>
-              <a:rPr lang="ar-DZ" sz="4000" dirty="0" smtClean="0">
+              <a:t>من يمكن له شرح ما تقوم به هذه المشاريع ؟ </a:t>
+            </a:r>
+            <a:endParaRPr lang="fr-FR" sz="2400" dirty="0">
+              <a:latin typeface="Calibri" panose="020F0502020204030204" pitchFamily="34" charset="0"/>
+              <a:ea typeface="Calibri" panose="020F0502020204030204" pitchFamily="34" charset="0"/>
+              <a:cs typeface="+mj-cs"/>
+            </a:endParaRPr>
+          </a:p>
+        </p:txBody>
+      </p:sp>
+      <p:sp>
+        <p:nvSpPr>
+          <p:cNvPr id="8" name="Rectangle 7"/>
+          <p:cNvSpPr/>
+          <p:nvPr/>
+        </p:nvSpPr>
+        <p:spPr>
+          <a:xfrm>
+            <a:off x="7162493" y="4818159"/>
+            <a:ext cx="4609878" cy="584775"/>
+          </a:xfrm>
+          <a:prstGeom prst="rect">
+            <a:avLst/>
+          </a:prstGeom>
+        </p:spPr>
+        <p:txBody>
+          <a:bodyPr wrap="square">
+            <a:spAutoFit/>
+          </a:bodyPr>
+          <a:lstStyle/>
+          <a:p>
+            <a:pPr lvl="0" algn="r" rtl="1" eaLnBrk="0" fontAlgn="base" hangingPunct="0">
+              <a:spcBef>
+                <a:spcPct val="0"/>
+              </a:spcBef>
+              <a:spcAft>
+                <a:spcPct val="0"/>
+              </a:spcAft>
+            </a:pPr>
+            <a:r>
+              <a:rPr lang="ar-DZ" sz="3200" dirty="0">
+                <a:solidFill>
+                  <a:srgbClr val="000000"/>
+                </a:solidFill>
+                <a:latin typeface="Times New Roman" panose="02020603050405020304" pitchFamily="18" charset="0"/>
+                <a:ea typeface="Calibri" panose="020F0502020204030204" pitchFamily="34" charset="0"/>
                 <a:cs typeface="+mj-cs"/>
               </a:rPr>
-              <a:t>ملف</a:t>
-            </a:r>
-            <a:r>
-              <a:rPr lang="fr-FR" sz="4000" dirty="0" smtClean="0">
+              <a:t>ما هي اللبنات التي تسمح لنا </a:t>
+            </a:r>
+            <a:r>
+              <a:rPr lang="ar-DZ" sz="3200" dirty="0" smtClean="0">
+                <a:solidFill>
+                  <a:srgbClr val="000000"/>
+                </a:solidFill>
+                <a:latin typeface="Times New Roman" panose="02020603050405020304" pitchFamily="18" charset="0"/>
+                <a:ea typeface="Calibri" panose="020F0502020204030204" pitchFamily="34" charset="0"/>
                 <a:cs typeface="+mj-cs"/>
               </a:rPr>
-              <a:t>PowerPoint </a:t>
-            </a:r>
-            <a:r>
-              <a:rPr lang="ar-DZ" sz="4000" dirty="0" smtClean="0">
+              <a:t>بذ</a:t>
+            </a:r>
+            <a:r>
+              <a:rPr lang="ar-DZ" sz="3200" dirty="0" smtClean="0">
                 <a:cs typeface="+mj-cs"/>
               </a:rPr>
-              <a:t> يحتوي </a:t>
-            </a:r>
-            <a:r>
-              <a:rPr lang="ar-DZ" sz="4000" dirty="0">
+              <a:t>لك ؟</a:t>
+            </a:r>
+            <a:endParaRPr lang="fr-FR" sz="3200" dirty="0">
+              <a:latin typeface="Arial" panose="020B0604020202020204" pitchFamily="34" charset="0"/>
+              <a:cs typeface="+mj-cs"/>
+            </a:endParaRPr>
+          </a:p>
+        </p:txBody>
+      </p:sp>
+      <p:sp>
+        <p:nvSpPr>
+          <p:cNvPr id="11" name="Rectangle 10"/>
+          <p:cNvSpPr/>
+          <p:nvPr/>
+        </p:nvSpPr>
+        <p:spPr>
+          <a:xfrm>
+            <a:off x="975126" y="4119704"/>
+            <a:ext cx="4987263" cy="593304"/>
+          </a:xfrm>
+          <a:prstGeom prst="rect">
+            <a:avLst/>
+          </a:prstGeom>
+        </p:spPr>
+        <p:txBody>
+          <a:bodyPr wrap="none">
+            <a:spAutoFit/>
+          </a:bodyPr>
+          <a:lstStyle/>
+          <a:p>
+            <a:pPr lvl="0" algn="r" rtl="1">
+              <a:lnSpc>
+                <a:spcPct val="107000"/>
+              </a:lnSpc>
+              <a:spcAft>
+                <a:spcPts val="800"/>
+              </a:spcAft>
+            </a:pPr>
+            <a:r>
+              <a:rPr lang="ar-DZ" sz="3200" dirty="0">
+                <a:solidFill>
+                  <a:srgbClr val="00B0F0"/>
+                </a:solidFill>
                 <a:cs typeface="+mj-cs"/>
               </a:rPr>
-              <a:t>على عدة شرائح مع تأثيرات انتقالية</a:t>
-            </a:r>
-          </a:p>
-          <a:p>
-            <a:pPr marL="685800" indent="-685800" algn="r" rtl="1">
-              <a:buFont typeface="Wingdings" panose="05000000000000000000" pitchFamily="2" charset="2"/>
-              <a:buChar char="Ø"/>
+              <a:t>(رسم منزل رسم زخارف رسم نجمة)</a:t>
+            </a:r>
+            <a:endParaRPr lang="fr-FR" sz="2400" dirty="0">
+              <a:solidFill>
+                <a:srgbClr val="00B0F0"/>
+              </a:solidFill>
+              <a:latin typeface="Calibri" panose="020F0502020204030204" pitchFamily="34" charset="0"/>
+              <a:ea typeface="Calibri" panose="020F0502020204030204" pitchFamily="34" charset="0"/>
+              <a:cs typeface="+mj-cs"/>
+            </a:endParaRPr>
+          </a:p>
+        </p:txBody>
+      </p:sp>
+      <p:sp>
+        <p:nvSpPr>
+          <p:cNvPr id="16" name="Rectangle 15"/>
+          <p:cNvSpPr/>
+          <p:nvPr/>
+        </p:nvSpPr>
+        <p:spPr>
+          <a:xfrm>
+            <a:off x="5442150" y="4779116"/>
+            <a:ext cx="1720343" cy="593304"/>
+          </a:xfrm>
+          <a:prstGeom prst="rect">
+            <a:avLst/>
+          </a:prstGeom>
+        </p:spPr>
+        <p:txBody>
+          <a:bodyPr wrap="none">
+            <a:spAutoFit/>
+          </a:bodyPr>
+          <a:lstStyle/>
+          <a:p>
+            <a:pPr lvl="0" algn="r" rtl="1">
+              <a:lnSpc>
+                <a:spcPct val="107000"/>
+              </a:lnSpc>
+              <a:spcAft>
+                <a:spcPts val="800"/>
+              </a:spcAft>
             </a:pPr>
             <a:r>
-              <a:rPr lang="ar-DZ" sz="4000" dirty="0" smtClean="0">
+              <a:rPr lang="ar-DZ" sz="3200" dirty="0" smtClean="0">
+                <a:solidFill>
+                  <a:srgbClr val="00B0F0"/>
+                </a:solidFill>
                 <a:cs typeface="+mj-cs"/>
               </a:rPr>
-              <a:t>ما </a:t>
-            </a:r>
-            <a:r>
-              <a:rPr lang="ar-DZ" sz="4000" dirty="0">
-                <a:cs typeface="+mj-cs"/>
-              </a:rPr>
-              <a:t>الذي </a:t>
-            </a:r>
-            <a:r>
-              <a:rPr lang="ar-DZ" sz="4000" dirty="0" smtClean="0">
-                <a:cs typeface="+mj-cs"/>
-              </a:rPr>
-              <a:t>أثار انتباهك أثناء العرض ؟</a:t>
-            </a:r>
-            <a:endParaRPr lang="ar-DZ" sz="4000" dirty="0">
-              <a:cs typeface="+mj-cs"/>
-            </a:endParaRPr>
-          </a:p>
-          <a:p>
-            <a:pPr marL="685800" indent="-685800" algn="r" rtl="1">
-              <a:buFont typeface="Wingdings" panose="05000000000000000000" pitchFamily="2" charset="2"/>
-              <a:buChar char="Ø"/>
-            </a:pPr>
-            <a:r>
-              <a:rPr lang="ar-DZ" sz="4000" dirty="0" smtClean="0">
-                <a:cs typeface="+mj-cs"/>
-              </a:rPr>
-              <a:t>كيف </a:t>
-            </a:r>
-            <a:r>
-              <a:rPr lang="ar-DZ" sz="4000" dirty="0">
-                <a:cs typeface="+mj-cs"/>
-              </a:rPr>
-              <a:t>يمكننا </a:t>
-            </a:r>
-            <a:r>
-              <a:rPr lang="ar-DZ" sz="4000" dirty="0" err="1">
-                <a:cs typeface="+mj-cs"/>
-              </a:rPr>
-              <a:t>الإنتقال</a:t>
-            </a:r>
-            <a:r>
-              <a:rPr lang="ar-DZ" sz="4000" dirty="0">
-                <a:cs typeface="+mj-cs"/>
-              </a:rPr>
-              <a:t> من شريحة لأخرى بطريقة شيقة و جذابة و ملفتة </a:t>
-            </a:r>
-            <a:r>
-              <a:rPr lang="ar-DZ" sz="4000" dirty="0" err="1">
-                <a:cs typeface="+mj-cs"/>
-              </a:rPr>
-              <a:t>للإنتباه</a:t>
-            </a:r>
-            <a:r>
-              <a:rPr lang="ar-DZ" sz="4000" dirty="0">
-                <a:cs typeface="+mj-cs"/>
-              </a:rPr>
-              <a:t> ؟</a:t>
-            </a:r>
-            <a:endParaRPr lang="ar-DZ" sz="4000" dirty="0">
+              <a:t>(لبنات القلم)</a:t>
+            </a:r>
+            <a:endParaRPr lang="fr-FR" sz="2400" dirty="0">
+              <a:solidFill>
+                <a:srgbClr val="00B0F0"/>
+              </a:solidFill>
+              <a:latin typeface="Calibri" panose="020F0502020204030204" pitchFamily="34" charset="0"/>
+              <a:ea typeface="Calibri" panose="020F0502020204030204" pitchFamily="34" charset="0"/>
               <a:cs typeface="+mj-cs"/>
             </a:endParaRPr>
           </a:p>
@@ -3353,9 +3611,234 @@
   <p:timing>
     <p:tnLst>
       <p:par>
-        <p:cTn id="1" dur="indefinite" restart="never" nodeType="tmRoot"/>
+        <p:cTn id="1" dur="indefinite" restart="never" nodeType="tmRoot">
+          <p:childTnLst>
+            <p:seq concurrent="1" nextAc="seek">
+              <p:cTn id="2" dur="indefinite" nodeType="mainSeq">
+                <p:childTnLst>
+                  <p:par>
+                    <p:cTn id="3" fill="hold">
+                      <p:stCondLst>
+                        <p:cond delay="indefinite"/>
+                      </p:stCondLst>
+                      <p:childTnLst>
+                        <p:par>
+                          <p:cTn id="4" fill="hold">
+                            <p:stCondLst>
+                              <p:cond delay="0"/>
+                            </p:stCondLst>
+                            <p:childTnLst>
+                              <p:par>
+                                <p:cTn id="5" presetID="42" presetClass="entr" presetSubtype="0" fill="hold" grpId="0" nodeType="clickEffect">
+                                  <p:stCondLst>
+                                    <p:cond delay="0"/>
+                                  </p:stCondLst>
+                                  <p:childTnLst>
+                                    <p:set>
+                                      <p:cBhvr>
+                                        <p:cTn id="6" dur="1" fill="hold">
+                                          <p:stCondLst>
+                                            <p:cond delay="0"/>
+                                          </p:stCondLst>
+                                        </p:cTn>
+                                        <p:tgtEl>
+                                          <p:spTgt spid="11"/>
+                                        </p:tgtEl>
+                                        <p:attrNameLst>
+                                          <p:attrName>style.visibility</p:attrName>
+                                        </p:attrNameLst>
+                                      </p:cBhvr>
+                                      <p:to>
+                                        <p:strVal val="visible"/>
+                                      </p:to>
+                                    </p:set>
+                                    <p:animEffect transition="in" filter="fade">
+                                      <p:cBhvr>
+                                        <p:cTn id="7" dur="1000"/>
+                                        <p:tgtEl>
+                                          <p:spTgt spid="11"/>
+                                        </p:tgtEl>
+                                      </p:cBhvr>
+                                    </p:animEffect>
+                                    <p:anim calcmode="lin" valueType="num">
+                                      <p:cBhvr>
+                                        <p:cTn id="8" dur="1000" fill="hold"/>
+                                        <p:tgtEl>
+                                          <p:spTgt spid="11"/>
+                                        </p:tgtEl>
+                                        <p:attrNameLst>
+                                          <p:attrName>ppt_x</p:attrName>
+                                        </p:attrNameLst>
+                                      </p:cBhvr>
+                                      <p:tavLst>
+                                        <p:tav tm="0">
+                                          <p:val>
+                                            <p:strVal val="#ppt_x"/>
+                                          </p:val>
+                                        </p:tav>
+                                        <p:tav tm="100000">
+                                          <p:val>
+                                            <p:strVal val="#ppt_x"/>
+                                          </p:val>
+                                        </p:tav>
+                                      </p:tavLst>
+                                    </p:anim>
+                                    <p:anim calcmode="lin" valueType="num">
+                                      <p:cBhvr>
+                                        <p:cTn id="9" dur="1000" fill="hold"/>
+                                        <p:tgtEl>
+                                          <p:spTgt spid="11"/>
+                                        </p:tgtEl>
+                                        <p:attrNameLst>
+                                          <p:attrName>ppt_y</p:attrName>
+                                        </p:attrNameLst>
+                                      </p:cBhvr>
+                                      <p:tavLst>
+                                        <p:tav tm="0">
+                                          <p:val>
+                                            <p:strVal val="#ppt_y+.1"/>
+                                          </p:val>
+                                        </p:tav>
+                                        <p:tav tm="100000">
+                                          <p:val>
+                                            <p:strVal val="#ppt_y"/>
+                                          </p:val>
+                                        </p:tav>
+                                      </p:tavLst>
+                                    </p:anim>
+                                  </p:childTnLst>
+                                </p:cTn>
+                              </p:par>
+                            </p:childTnLst>
+                          </p:cTn>
+                        </p:par>
+                      </p:childTnLst>
+                    </p:cTn>
+                  </p:par>
+                  <p:par>
+                    <p:cTn id="10" fill="hold">
+                      <p:stCondLst>
+                        <p:cond delay="indefinite"/>
+                      </p:stCondLst>
+                      <p:childTnLst>
+                        <p:par>
+                          <p:cTn id="11" fill="hold">
+                            <p:stCondLst>
+                              <p:cond delay="0"/>
+                            </p:stCondLst>
+                            <p:childTnLst>
+                              <p:par>
+                                <p:cTn id="12" presetID="42" presetClass="entr" presetSubtype="0" fill="hold" grpId="0" nodeType="clickEffect">
+                                  <p:stCondLst>
+                                    <p:cond delay="0"/>
+                                  </p:stCondLst>
+                                  <p:childTnLst>
+                                    <p:set>
+                                      <p:cBhvr>
+                                        <p:cTn id="13" dur="1" fill="hold">
+                                          <p:stCondLst>
+                                            <p:cond delay="0"/>
+                                          </p:stCondLst>
+                                        </p:cTn>
+                                        <p:tgtEl>
+                                          <p:spTgt spid="16"/>
+                                        </p:tgtEl>
+                                        <p:attrNameLst>
+                                          <p:attrName>style.visibility</p:attrName>
+                                        </p:attrNameLst>
+                                      </p:cBhvr>
+                                      <p:to>
+                                        <p:strVal val="visible"/>
+                                      </p:to>
+                                    </p:set>
+                                    <p:animEffect transition="in" filter="fade">
+                                      <p:cBhvr>
+                                        <p:cTn id="14" dur="1000"/>
+                                        <p:tgtEl>
+                                          <p:spTgt spid="16"/>
+                                        </p:tgtEl>
+                                      </p:cBhvr>
+                                    </p:animEffect>
+                                    <p:anim calcmode="lin" valueType="num">
+                                      <p:cBhvr>
+                                        <p:cTn id="15" dur="1000" fill="hold"/>
+                                        <p:tgtEl>
+                                          <p:spTgt spid="16"/>
+                                        </p:tgtEl>
+                                        <p:attrNameLst>
+                                          <p:attrName>ppt_x</p:attrName>
+                                        </p:attrNameLst>
+                                      </p:cBhvr>
+                                      <p:tavLst>
+                                        <p:tav tm="0">
+                                          <p:val>
+                                            <p:strVal val="#ppt_x"/>
+                                          </p:val>
+                                        </p:tav>
+                                        <p:tav tm="100000">
+                                          <p:val>
+                                            <p:strVal val="#ppt_x"/>
+                                          </p:val>
+                                        </p:tav>
+                                      </p:tavLst>
+                                    </p:anim>
+                                    <p:anim calcmode="lin" valueType="num">
+                                      <p:cBhvr>
+                                        <p:cTn id="16" dur="1000" fill="hold"/>
+                                        <p:tgtEl>
+                                          <p:spTgt spid="16"/>
+                                        </p:tgtEl>
+                                        <p:attrNameLst>
+                                          <p:attrName>ppt_y</p:attrName>
+                                        </p:attrNameLst>
+                                      </p:cBhvr>
+                                      <p:tavLst>
+                                        <p:tav tm="0">
+                                          <p:val>
+                                            <p:strVal val="#ppt_y+.1"/>
+                                          </p:val>
+                                        </p:tav>
+                                        <p:tav tm="100000">
+                                          <p:val>
+                                            <p:strVal val="#ppt_y"/>
+                                          </p:val>
+                                        </p:tav>
+                                      </p:tavLst>
+                                    </p:anim>
+                                  </p:childTnLst>
+                                </p:cTn>
+                              </p:par>
+                            </p:childTnLst>
+                          </p:cTn>
+                        </p:par>
+                      </p:childTnLst>
+                    </p:cTn>
+                  </p:par>
+                </p:childTnLst>
+              </p:cTn>
+              <p:prevCondLst>
+                <p:cond evt="onPrev" delay="0">
+                  <p:tgtEl>
+                    <p:sldTgt/>
+                  </p:tgtEl>
+                </p:cond>
+              </p:prevCondLst>
+              <p:nextCondLst>
+                <p:cond evt="onNext" delay="0">
+                  <p:tgtEl>
+                    <p:sldTgt/>
+                  </p:tgtEl>
+                </p:cond>
+              </p:nextCondLst>
+            </p:seq>
+          </p:childTnLst>
+        </p:cTn>
       </p:par>
     </p:tnLst>
+    <p:bldLst>
+      <p:bldP spid="11" grpId="0"/>
+      <p:bldP spid="16" grpId="0"/>
+    </p:bldLst>
   </p:timing>
 </p:sld>
 </file>
@@ -3382,7 +3865,7 @@
           <p:cNvPr id="11" name="Rectangle 8">
             <a:extLst>
               <a:ext uri="{FF2B5EF4-FFF2-40B4-BE49-F238E27FC236}">
-                <a16:creationId xmlns:a16="http://schemas.microsoft.com/office/drawing/2014/main" xmlns="" id="{31EC9893-997B-FAF1-44A7-86DC576C44E1}"/>
+                <a16:creationId xmlns="" xmlns:a16="http://schemas.microsoft.com/office/drawing/2014/main" id="{31EC9893-997B-FAF1-44A7-86DC576C44E1}"/>
               </a:ext>
             </a:extLst>
           </p:cNvPr>
@@ -3393,8 +3876,8 @@
         </p:nvSpPr>
         <p:spPr bwMode="auto">
           <a:xfrm>
-            <a:off x="672570" y="398224"/>
-            <a:ext cx="11200090" cy="5078313"/>
+            <a:off x="685096" y="966506"/>
+            <a:ext cx="11200090" cy="584775"/>
           </a:xfrm>
           <a:prstGeom prst="rect">
             <a:avLst/>
@@ -3596,220 +4079,20 @@
             </a:lvl9pPr>
           </a:lstStyle>
           <a:p>
-            <a:pPr marL="571500" indent="-571500" algn="r" rtl="1">
-              <a:lnSpc>
-                <a:spcPct val="150000"/>
-              </a:lnSpc>
-              <a:buFont typeface="Wingdings" panose="05000000000000000000" pitchFamily="2" charset="2"/>
-              <a:buChar char="Ø"/>
-            </a:pPr>
-            <a:r>
-              <a:rPr lang="ar-DZ" sz="2400" dirty="0">
+            <a:pPr algn="r" rtl="1"/>
+            <a:r>
+              <a:rPr lang="ar-DZ" sz="3200" dirty="0">
                 <a:cs typeface="+mj-cs"/>
               </a:rPr>
-              <a:t>قم بإنشاء ملف عرض تقديمي يحتوي علي شريحتين أكتب في الشريحة لأولى </a:t>
-            </a:r>
-            <a:r>
-              <a:rPr lang="fr-FR" sz="2400" dirty="0" smtClean="0">
+              <a:t>انطلاقا من المشروع السابق، رتب القصاصات التالية لتشكيل تعريفا للقلم </a:t>
+            </a:r>
+            <a:r>
+              <a:rPr lang="ar-DZ" sz="3200" dirty="0" smtClean="0">
                 <a:cs typeface="+mj-cs"/>
               </a:rPr>
-              <a:t>Diapositive</a:t>
-            </a:r>
-            <a:r>
-              <a:rPr lang="fr-FR" sz="2400" dirty="0">
-                <a:cs typeface="+mj-cs"/>
-              </a:rPr>
-              <a:t> </a:t>
-            </a:r>
-            <a:r>
-              <a:rPr lang="fr-FR" sz="2400" dirty="0" smtClean="0">
-                <a:cs typeface="+mj-cs"/>
-              </a:rPr>
-              <a:t>1</a:t>
-            </a:r>
-            <a:r>
-              <a:rPr lang="ar-DZ" sz="2400" dirty="0" smtClean="0">
-                <a:cs typeface="+mj-cs"/>
-              </a:rPr>
-              <a:t> و </a:t>
-            </a:r>
-            <a:r>
-              <a:rPr lang="ar-DZ" sz="2400" dirty="0">
-                <a:cs typeface="+mj-cs"/>
-              </a:rPr>
-              <a:t>في الثانية </a:t>
-            </a:r>
-            <a:r>
-              <a:rPr lang="fr-FR" sz="2400" dirty="0">
-                <a:cs typeface="+mj-cs"/>
-              </a:rPr>
-              <a:t>Diapositive </a:t>
-            </a:r>
-            <a:r>
-              <a:rPr lang="fr-FR" sz="2400" dirty="0" smtClean="0">
-                <a:cs typeface="+mj-cs"/>
-              </a:rPr>
-              <a:t>2 </a:t>
-            </a:r>
-          </a:p>
-          <a:p>
-            <a:pPr marL="571500" indent="-571500" algn="r" rtl="1">
-              <a:lnSpc>
-                <a:spcPct val="150000"/>
-              </a:lnSpc>
-              <a:buFont typeface="Wingdings" panose="05000000000000000000" pitchFamily="2" charset="2"/>
-              <a:buChar char="Ø"/>
-            </a:pPr>
-            <a:r>
-              <a:rPr lang="ar-DZ" sz="2400" dirty="0" smtClean="0">
-                <a:cs typeface="+mj-cs"/>
-              </a:rPr>
-              <a:t>لنبحث عن التبويب المناسب الذي يسمح لنا بإضافة تأثيرات على الشريحة الأولى</a:t>
-            </a:r>
-          </a:p>
-          <a:p>
-            <a:pPr marL="571500" indent="-571500" algn="r" rtl="1">
-              <a:lnSpc>
-                <a:spcPct val="150000"/>
-              </a:lnSpc>
-              <a:buFont typeface="Wingdings" panose="05000000000000000000" pitchFamily="2" charset="2"/>
-              <a:buChar char="Ø"/>
-            </a:pPr>
-            <a:r>
-              <a:rPr lang="ar-DZ" sz="2400" dirty="0">
-                <a:cs typeface="+mj-cs"/>
-              </a:rPr>
-              <a:t>	ما اسم المجموعة التي تحتوي علي التأثيرات </a:t>
-            </a:r>
-            <a:r>
-              <a:rPr lang="ar-DZ" sz="2400" dirty="0" smtClean="0">
-                <a:cs typeface="+mj-cs"/>
-              </a:rPr>
-              <a:t>؟</a:t>
-            </a:r>
-          </a:p>
-          <a:p>
-            <a:pPr marL="571500" indent="-571500" algn="r" rtl="1">
-              <a:lnSpc>
-                <a:spcPct val="150000"/>
-              </a:lnSpc>
-              <a:buFont typeface="Wingdings" panose="05000000000000000000" pitchFamily="2" charset="2"/>
-              <a:buChar char="Ø"/>
-            </a:pPr>
-            <a:r>
-              <a:rPr lang="ar-DZ" sz="2400" dirty="0">
-                <a:cs typeface="+mj-cs"/>
-              </a:rPr>
-              <a:t>	في المجموعة </a:t>
-            </a:r>
-            <a:r>
-              <a:rPr lang="fr-FR" sz="2400" dirty="0">
-                <a:cs typeface="+mj-cs"/>
-              </a:rPr>
-              <a:t>Minutage ، </a:t>
-            </a:r>
-            <a:r>
-              <a:rPr lang="ar-DZ" sz="2400" dirty="0">
-                <a:cs typeface="+mj-cs"/>
-              </a:rPr>
-              <a:t>في </a:t>
-            </a:r>
-            <a:r>
-              <a:rPr lang="ar-DZ" sz="2400" dirty="0" smtClean="0">
-                <a:cs typeface="+mj-cs"/>
-              </a:rPr>
-              <a:t>التعليمة</a:t>
-            </a:r>
-            <a:r>
-              <a:rPr lang="fr-FR" sz="2400" dirty="0" smtClean="0">
-                <a:cs typeface="+mj-cs"/>
-              </a:rPr>
-              <a:t> Son </a:t>
-            </a:r>
-            <a:r>
-              <a:rPr lang="ar-DZ" sz="2400" dirty="0">
-                <a:cs typeface="+mj-cs"/>
-              </a:rPr>
-              <a:t>اختر إحدى الخيارات ثم اضغط على </a:t>
-            </a:r>
-            <a:r>
-              <a:rPr lang="fr-FR" sz="2400" dirty="0" smtClean="0">
-                <a:cs typeface="+mj-cs"/>
-              </a:rPr>
-              <a:t> Aperçu</a:t>
-            </a:r>
-            <a:r>
-              <a:rPr lang="ar-DZ" sz="2400" dirty="0" smtClean="0">
-                <a:cs typeface="+mj-cs"/>
-              </a:rPr>
-              <a:t>الموجود </a:t>
-            </a:r>
-            <a:r>
-              <a:rPr lang="ar-DZ" sz="2400" dirty="0">
-                <a:cs typeface="+mj-cs"/>
-              </a:rPr>
-              <a:t>أقصى اليسار، ماذا تلاحظ ؟ ما دور التعليمة </a:t>
-            </a:r>
-            <a:r>
-              <a:rPr lang="fr-FR" sz="2400" dirty="0" smtClean="0">
-                <a:cs typeface="+mj-cs"/>
-              </a:rPr>
-              <a:t> Son ؟</a:t>
-            </a:r>
-            <a:endParaRPr lang="ar-DZ" sz="2400" dirty="0" smtClean="0">
-              <a:cs typeface="+mj-cs"/>
-            </a:endParaRPr>
-          </a:p>
-          <a:p>
-            <a:pPr marL="571500" indent="-571500" algn="r" rtl="1">
-              <a:lnSpc>
-                <a:spcPct val="150000"/>
-              </a:lnSpc>
-              <a:buFont typeface="Wingdings" panose="05000000000000000000" pitchFamily="2" charset="2"/>
-              <a:buChar char="Ø"/>
-            </a:pPr>
-            <a:r>
-              <a:rPr lang="fr-FR" sz="2400" dirty="0">
-                <a:cs typeface="+mj-cs"/>
-              </a:rPr>
-              <a:t>	</a:t>
-            </a:r>
-            <a:r>
-              <a:rPr lang="ar-DZ" sz="2400" dirty="0">
-                <a:cs typeface="+mj-cs"/>
-              </a:rPr>
-              <a:t>معتمدا على نفس الطريقة ، ما دور التعليمة </a:t>
-            </a:r>
-            <a:r>
-              <a:rPr lang="fr-FR" sz="2400" dirty="0" smtClean="0">
-                <a:cs typeface="+mj-cs"/>
-              </a:rPr>
-              <a:t> Durée ؟</a:t>
-            </a:r>
-          </a:p>
-          <a:p>
-            <a:pPr marL="571500" lvl="0" indent="-571500" algn="r" rtl="1">
-              <a:lnSpc>
-                <a:spcPct val="150000"/>
-              </a:lnSpc>
-              <a:buFont typeface="Wingdings" panose="05000000000000000000" pitchFamily="2" charset="2"/>
-              <a:buChar char="Ø"/>
-            </a:pPr>
-            <a:r>
-              <a:rPr lang="ar-DZ" sz="2400" dirty="0"/>
-              <a:t>ماذا نقصد بهذه التعليمة أدناه ؟ (من يحاول ترجمة هذه التعليمة ؟)</a:t>
-            </a:r>
-            <a:endParaRPr lang="fr-FR" sz="2400" dirty="0"/>
-          </a:p>
-          <a:p>
-            <a:pPr marL="571500" indent="-571500" algn="r" rtl="1">
-              <a:lnSpc>
-                <a:spcPct val="150000"/>
-              </a:lnSpc>
-              <a:buFont typeface="Wingdings" panose="05000000000000000000" pitchFamily="2" charset="2"/>
-              <a:buChar char="Ø"/>
-            </a:pPr>
-            <a:endParaRPr lang="fr-FR" sz="2400" dirty="0">
+              <a:t>:</a:t>
+            </a:r>
+            <a:endParaRPr lang="ar-DZ" sz="3200" dirty="0">
               <a:cs typeface="+mj-cs"/>
             </a:endParaRPr>
           </a:p>
@@ -3820,7 +4103,7 @@
           <p:cNvPr id="12" name="ZoneTexte 11">
             <a:extLst>
               <a:ext uri="{FF2B5EF4-FFF2-40B4-BE49-F238E27FC236}">
-                <a16:creationId xmlns:a16="http://schemas.microsoft.com/office/drawing/2014/main" xmlns="" id="{0B494AC6-9B2E-422F-B16A-015D6B0BA580}"/>
+                <a16:creationId xmlns="" xmlns:a16="http://schemas.microsoft.com/office/drawing/2014/main" id="{0B494AC6-9B2E-422F-B16A-015D6B0BA580}"/>
               </a:ext>
             </a:extLst>
           </p:cNvPr>
@@ -3829,8 +4112,8 @@
         </p:nvSpPr>
         <p:spPr>
           <a:xfrm>
-            <a:off x="919777" y="0"/>
-            <a:ext cx="11412983" cy="655885"/>
+            <a:off x="919777" y="150312"/>
+            <a:ext cx="11412983" cy="718466"/>
           </a:xfrm>
           <a:prstGeom prst="rect">
             <a:avLst/>
@@ -3855,7 +4138,7 @@
               </a:tabLst>
             </a:pPr>
             <a:r>
-              <a:rPr lang="ar-DZ" sz="3600" b="1" u="sng" dirty="0" smtClean="0">
+              <a:rPr lang="ar-DZ" sz="4000" b="1" u="sng" dirty="0" smtClean="0">
                 <a:solidFill>
                   <a:srgbClr val="FF0000"/>
                 </a:solidFill>
@@ -3865,7 +4148,7 @@
               </a:rPr>
               <a:t>نشاط 01 :</a:t>
             </a:r>
-            <a:endParaRPr lang="fr-FR" sz="2000" dirty="0">
+            <a:endParaRPr lang="fr-FR" sz="2400" dirty="0">
               <a:effectLst/>
               <a:latin typeface="Calibri" panose="020F0502020204030204" pitchFamily="34" charset="0"/>
               <a:ea typeface="Calibri" panose="020F0502020204030204" pitchFamily="34" charset="0"/>
@@ -3879,7 +4162,7 @@
           <p:cNvPr id="13" name="Rectangle 9">
             <a:extLst>
               <a:ext uri="{FF2B5EF4-FFF2-40B4-BE49-F238E27FC236}">
-                <a16:creationId xmlns:a16="http://schemas.microsoft.com/office/drawing/2014/main" xmlns="" id="{894EDA96-9226-5939-95FB-4A21ACC79E4A}"/>
+                <a16:creationId xmlns="" xmlns:a16="http://schemas.microsoft.com/office/drawing/2014/main" id="{894EDA96-9226-5939-95FB-4A21ACC79E4A}"/>
               </a:ext>
             </a:extLst>
           </p:cNvPr>
@@ -3932,28 +4215,1216 @@
           </a:p>
         </p:txBody>
       </p:sp>
-      <p:pic>
-        <p:nvPicPr>
-          <p:cNvPr id="5" name="Image 4"/>
-          <p:cNvPicPr/>
+      <p:graphicFrame>
+        <p:nvGraphicFramePr>
+          <p:cNvPr id="2" name="Tableau 1"/>
+          <p:cNvGraphicFramePr>
+            <a:graphicFrameLocks noGrp="1"/>
+          </p:cNvGraphicFramePr>
+          <p:nvPr>
+            <p:extLst>
+              <p:ext uri="{D42A27DB-BD31-4B8C-83A1-F6EECF244321}">
+                <p14:modId xmlns:p14="http://schemas.microsoft.com/office/powerpoint/2010/main" val="662504980"/>
+              </p:ext>
+            </p:extLst>
+          </p:nvPr>
+        </p:nvGraphicFramePr>
+        <p:xfrm>
+          <a:off x="3903369" y="1778696"/>
+          <a:ext cx="5992192" cy="1758170"/>
+        </p:xfrm>
+        <a:graphic>
+          <a:graphicData uri="http://schemas.openxmlformats.org/drawingml/2006/table">
+            <a:tbl>
+              <a:tblPr rtl="1" firstRow="1" firstCol="1" bandRow="1">
+                <a:tableStyleId>{5C22544A-7EE6-4342-B048-85BDC9FD1C3A}</a:tableStyleId>
+              </a:tblPr>
+              <a:tblGrid>
+                <a:gridCol w="1498048"/>
+                <a:gridCol w="1498048"/>
+                <a:gridCol w="1498048"/>
+                <a:gridCol w="1498048"/>
+              </a:tblGrid>
+              <a:tr h="879085">
+                <a:tc>
+                  <a:txBody>
+                    <a:bodyPr/>
+                    <a:lstStyle/>
+                    <a:p>
+                      <a:pPr algn="ctr" rtl="1">
+                        <a:lnSpc>
+                          <a:spcPct val="107000"/>
+                        </a:lnSpc>
+                        <a:spcAft>
+                          <a:spcPts val="0"/>
+                        </a:spcAft>
+                      </a:pPr>
+                      <a:r>
+                        <a:rPr lang="ar-DZ" sz="2800" b="1" dirty="0">
+                          <a:solidFill>
+                            <a:schemeClr val="tx1"/>
+                          </a:solidFill>
+                          <a:effectLst/>
+                        </a:rPr>
+                        <a:t>الكائنات</a:t>
+                      </a:r>
+                      <a:endParaRPr lang="fr-FR" sz="2000" b="1" dirty="0">
+                        <a:solidFill>
+                          <a:schemeClr val="tx1"/>
+                        </a:solidFill>
+                        <a:effectLst/>
+                        <a:latin typeface="Calibri" panose="020F0502020204030204" pitchFamily="34" charset="0"/>
+                        <a:ea typeface="Calibri" panose="020F0502020204030204" pitchFamily="34" charset="0"/>
+                        <a:cs typeface="Arial" panose="020B0604020202020204" pitchFamily="34" charset="0"/>
+                      </a:endParaRPr>
+                    </a:p>
+                  </a:txBody>
+                  <a:tcPr marL="68580" marR="68580" marT="0" marB="0" anchor="ctr">
+                    <a:lnL w="12700" cap="flat" cmpd="sng" algn="ctr">
+                      <a:solidFill>
+                        <a:schemeClr val="tx1"/>
+                      </a:solidFill>
+                      <a:prstDash val="solid"/>
+                      <a:round/>
+                      <a:headEnd type="none" w="med" len="med"/>
+                      <a:tailEnd type="none" w="med" len="med"/>
+                    </a:lnL>
+                    <a:lnR w="12700" cap="flat" cmpd="sng" algn="ctr">
+                      <a:solidFill>
+                        <a:schemeClr val="tx1"/>
+                      </a:solidFill>
+                      <a:prstDash val="solid"/>
+                      <a:round/>
+                      <a:headEnd type="none" w="med" len="med"/>
+                      <a:tailEnd type="none" w="med" len="med"/>
+                    </a:lnR>
+                    <a:lnT w="12700" cap="flat" cmpd="sng" algn="ctr">
+                      <a:solidFill>
+                        <a:schemeClr val="tx1"/>
+                      </a:solidFill>
+                      <a:prstDash val="solid"/>
+                      <a:round/>
+                      <a:headEnd type="none" w="med" len="med"/>
+                      <a:tailEnd type="none" w="med" len="med"/>
+                    </a:lnT>
+                    <a:lnB w="12700" cap="flat" cmpd="sng" algn="ctr">
+                      <a:solidFill>
+                        <a:schemeClr val="tx1"/>
+                      </a:solidFill>
+                      <a:prstDash val="solid"/>
+                      <a:round/>
+                      <a:headEnd type="none" w="med" len="med"/>
+                      <a:tailEnd type="none" w="med" len="med"/>
+                    </a:lnB>
+                    <a:lnTlToBr w="12700" cmpd="sng">
+                      <a:noFill/>
+                      <a:prstDash val="solid"/>
+                    </a:lnTlToBr>
+                    <a:lnBlToTr w="12700" cmpd="sng">
+                      <a:noFill/>
+                      <a:prstDash val="solid"/>
+                    </a:lnBlToTr>
+                    <a:solidFill>
+                      <a:schemeClr val="accent2">
+                        <a:lumMod val="20000"/>
+                        <a:lumOff val="80000"/>
+                      </a:schemeClr>
+                    </a:solidFill>
+                  </a:tcPr>
+                </a:tc>
+                <a:tc>
+                  <a:txBody>
+                    <a:bodyPr/>
+                    <a:lstStyle/>
+                    <a:p>
+                      <a:pPr algn="ctr" rtl="1">
+                        <a:lnSpc>
+                          <a:spcPct val="107000"/>
+                        </a:lnSpc>
+                        <a:spcAft>
+                          <a:spcPts val="0"/>
+                        </a:spcAft>
+                      </a:pPr>
+                      <a:r>
+                        <a:rPr lang="ar-DZ" sz="2800" b="1" dirty="0">
+                          <a:solidFill>
+                            <a:schemeClr val="tx1"/>
+                          </a:solidFill>
+                          <a:effectLst/>
+                        </a:rPr>
+                        <a:t>خطا</a:t>
+                      </a:r>
+                      <a:endParaRPr lang="fr-FR" sz="2000" b="1" dirty="0">
+                        <a:solidFill>
+                          <a:schemeClr val="tx1"/>
+                        </a:solidFill>
+                        <a:effectLst/>
+                        <a:latin typeface="Calibri" panose="020F0502020204030204" pitchFamily="34" charset="0"/>
+                        <a:ea typeface="Calibri" panose="020F0502020204030204" pitchFamily="34" charset="0"/>
+                        <a:cs typeface="Arial" panose="020B0604020202020204" pitchFamily="34" charset="0"/>
+                      </a:endParaRPr>
+                    </a:p>
+                  </a:txBody>
+                  <a:tcPr marL="68580" marR="68580" marT="0" marB="0" anchor="ctr">
+                    <a:lnL w="12700" cap="flat" cmpd="sng" algn="ctr">
+                      <a:solidFill>
+                        <a:schemeClr val="tx1"/>
+                      </a:solidFill>
+                      <a:prstDash val="solid"/>
+                      <a:round/>
+                      <a:headEnd type="none" w="med" len="med"/>
+                      <a:tailEnd type="none" w="med" len="med"/>
+                    </a:lnL>
+                    <a:lnR w="12700" cap="flat" cmpd="sng" algn="ctr">
+                      <a:solidFill>
+                        <a:schemeClr val="tx1"/>
+                      </a:solidFill>
+                      <a:prstDash val="solid"/>
+                      <a:round/>
+                      <a:headEnd type="none" w="med" len="med"/>
+                      <a:tailEnd type="none" w="med" len="med"/>
+                    </a:lnR>
+                    <a:lnT w="12700" cap="flat" cmpd="sng" algn="ctr">
+                      <a:solidFill>
+                        <a:schemeClr val="tx1"/>
+                      </a:solidFill>
+                      <a:prstDash val="solid"/>
+                      <a:round/>
+                      <a:headEnd type="none" w="med" len="med"/>
+                      <a:tailEnd type="none" w="med" len="med"/>
+                    </a:lnT>
+                    <a:lnB w="12700" cap="flat" cmpd="sng" algn="ctr">
+                      <a:solidFill>
+                        <a:schemeClr val="tx1"/>
+                      </a:solidFill>
+                      <a:prstDash val="solid"/>
+                      <a:round/>
+                      <a:headEnd type="none" w="med" len="med"/>
+                      <a:tailEnd type="none" w="med" len="med"/>
+                    </a:lnB>
+                    <a:lnTlToBr w="12700" cmpd="sng">
+                      <a:noFill/>
+                      <a:prstDash val="solid"/>
+                    </a:lnTlToBr>
+                    <a:lnBlToTr w="12700" cmpd="sng">
+                      <a:noFill/>
+                      <a:prstDash val="solid"/>
+                    </a:lnBlToTr>
+                    <a:solidFill>
+                      <a:schemeClr val="tx2">
+                        <a:lumMod val="20000"/>
+                        <a:lumOff val="80000"/>
+                      </a:schemeClr>
+                    </a:solidFill>
+                  </a:tcPr>
+                </a:tc>
+                <a:tc>
+                  <a:txBody>
+                    <a:bodyPr/>
+                    <a:lstStyle/>
+                    <a:p>
+                      <a:pPr algn="ctr" rtl="1">
+                        <a:lnSpc>
+                          <a:spcPct val="107000"/>
+                        </a:lnSpc>
+                        <a:spcAft>
+                          <a:spcPts val="0"/>
+                        </a:spcAft>
+                      </a:pPr>
+                      <a:r>
+                        <a:rPr lang="ar-DZ" sz="2800" b="1" dirty="0">
+                          <a:solidFill>
+                            <a:schemeClr val="tx1"/>
+                          </a:solidFill>
+                          <a:effectLst/>
+                        </a:rPr>
+                        <a:t>أثناء</a:t>
+                      </a:r>
+                      <a:endParaRPr lang="fr-FR" sz="2000" b="1" dirty="0">
+                        <a:solidFill>
+                          <a:schemeClr val="tx1"/>
+                        </a:solidFill>
+                        <a:effectLst/>
+                        <a:latin typeface="Calibri" panose="020F0502020204030204" pitchFamily="34" charset="0"/>
+                        <a:ea typeface="Calibri" panose="020F0502020204030204" pitchFamily="34" charset="0"/>
+                        <a:cs typeface="Arial" panose="020B0604020202020204" pitchFamily="34" charset="0"/>
+                      </a:endParaRPr>
+                    </a:p>
+                  </a:txBody>
+                  <a:tcPr marL="68580" marR="68580" marT="0" marB="0" anchor="ctr">
+                    <a:lnL w="12700" cap="flat" cmpd="sng" algn="ctr">
+                      <a:solidFill>
+                        <a:schemeClr val="tx1"/>
+                      </a:solidFill>
+                      <a:prstDash val="solid"/>
+                      <a:round/>
+                      <a:headEnd type="none" w="med" len="med"/>
+                      <a:tailEnd type="none" w="med" len="med"/>
+                    </a:lnL>
+                    <a:lnR w="12700" cap="flat" cmpd="sng" algn="ctr">
+                      <a:solidFill>
+                        <a:schemeClr val="tx1"/>
+                      </a:solidFill>
+                      <a:prstDash val="solid"/>
+                      <a:round/>
+                      <a:headEnd type="none" w="med" len="med"/>
+                      <a:tailEnd type="none" w="med" len="med"/>
+                    </a:lnR>
+                    <a:lnT w="12700" cap="flat" cmpd="sng" algn="ctr">
+                      <a:solidFill>
+                        <a:schemeClr val="tx1"/>
+                      </a:solidFill>
+                      <a:prstDash val="solid"/>
+                      <a:round/>
+                      <a:headEnd type="none" w="med" len="med"/>
+                      <a:tailEnd type="none" w="med" len="med"/>
+                    </a:lnT>
+                    <a:lnB w="12700" cap="flat" cmpd="sng" algn="ctr">
+                      <a:solidFill>
+                        <a:schemeClr val="tx1"/>
+                      </a:solidFill>
+                      <a:prstDash val="solid"/>
+                      <a:round/>
+                      <a:headEnd type="none" w="med" len="med"/>
+                      <a:tailEnd type="none" w="med" len="med"/>
+                    </a:lnB>
+                    <a:lnTlToBr w="12700" cmpd="sng">
+                      <a:noFill/>
+                      <a:prstDash val="solid"/>
+                    </a:lnTlToBr>
+                    <a:lnBlToTr w="12700" cmpd="sng">
+                      <a:noFill/>
+                      <a:prstDash val="solid"/>
+                    </a:lnBlToTr>
+                    <a:solidFill>
+                      <a:srgbClr val="FFFF00"/>
+                    </a:solidFill>
+                  </a:tcPr>
+                </a:tc>
+                <a:tc>
+                  <a:txBody>
+                    <a:bodyPr/>
+                    <a:lstStyle/>
+                    <a:p>
+                      <a:pPr algn="ctr" rtl="1">
+                        <a:lnSpc>
+                          <a:spcPct val="107000"/>
+                        </a:lnSpc>
+                        <a:spcAft>
+                          <a:spcPts val="0"/>
+                        </a:spcAft>
+                      </a:pPr>
+                      <a:r>
+                        <a:rPr lang="ar-DZ" sz="2800" b="1" dirty="0">
+                          <a:solidFill>
+                            <a:schemeClr val="tx1"/>
+                          </a:solidFill>
+                          <a:effectLst/>
+                        </a:rPr>
+                        <a:t>هو</a:t>
+                      </a:r>
+                      <a:endParaRPr lang="fr-FR" sz="2000" b="1" dirty="0">
+                        <a:solidFill>
+                          <a:schemeClr val="tx1"/>
+                        </a:solidFill>
+                        <a:effectLst/>
+                        <a:latin typeface="Calibri" panose="020F0502020204030204" pitchFamily="34" charset="0"/>
+                        <a:ea typeface="Calibri" panose="020F0502020204030204" pitchFamily="34" charset="0"/>
+                        <a:cs typeface="Arial" panose="020B0604020202020204" pitchFamily="34" charset="0"/>
+                      </a:endParaRPr>
+                    </a:p>
+                  </a:txBody>
+                  <a:tcPr marL="68580" marR="68580" marT="0" marB="0" anchor="ctr">
+                    <a:lnL w="12700" cap="flat" cmpd="sng" algn="ctr">
+                      <a:solidFill>
+                        <a:schemeClr val="tx1"/>
+                      </a:solidFill>
+                      <a:prstDash val="solid"/>
+                      <a:round/>
+                      <a:headEnd type="none" w="med" len="med"/>
+                      <a:tailEnd type="none" w="med" len="med"/>
+                    </a:lnL>
+                    <a:lnR w="12700" cap="flat" cmpd="sng" algn="ctr">
+                      <a:solidFill>
+                        <a:schemeClr val="tx1"/>
+                      </a:solidFill>
+                      <a:prstDash val="solid"/>
+                      <a:round/>
+                      <a:headEnd type="none" w="med" len="med"/>
+                      <a:tailEnd type="none" w="med" len="med"/>
+                    </a:lnR>
+                    <a:lnT w="12700" cap="flat" cmpd="sng" algn="ctr">
+                      <a:solidFill>
+                        <a:schemeClr val="tx1"/>
+                      </a:solidFill>
+                      <a:prstDash val="solid"/>
+                      <a:round/>
+                      <a:headEnd type="none" w="med" len="med"/>
+                      <a:tailEnd type="none" w="med" len="med"/>
+                    </a:lnT>
+                    <a:lnB w="12700" cap="flat" cmpd="sng" algn="ctr">
+                      <a:solidFill>
+                        <a:schemeClr val="tx1"/>
+                      </a:solidFill>
+                      <a:prstDash val="solid"/>
+                      <a:round/>
+                      <a:headEnd type="none" w="med" len="med"/>
+                      <a:tailEnd type="none" w="med" len="med"/>
+                    </a:lnB>
+                    <a:lnTlToBr w="12700" cmpd="sng">
+                      <a:noFill/>
+                      <a:prstDash val="solid"/>
+                    </a:lnTlToBr>
+                    <a:lnBlToTr w="12700" cmpd="sng">
+                      <a:noFill/>
+                      <a:prstDash val="solid"/>
+                    </a:lnBlToTr>
+                    <a:solidFill>
+                      <a:schemeClr val="accent6">
+                        <a:lumMod val="20000"/>
+                        <a:lumOff val="80000"/>
+                      </a:schemeClr>
+                    </a:solidFill>
+                  </a:tcPr>
+                </a:tc>
+              </a:tr>
+              <a:tr h="879085">
+                <a:tc>
+                  <a:txBody>
+                    <a:bodyPr/>
+                    <a:lstStyle/>
+                    <a:p>
+                      <a:pPr algn="ctr" rtl="1">
+                        <a:lnSpc>
+                          <a:spcPct val="107000"/>
+                        </a:lnSpc>
+                        <a:spcAft>
+                          <a:spcPts val="0"/>
+                        </a:spcAft>
+                      </a:pPr>
+                      <a:r>
+                        <a:rPr lang="ar-DZ" sz="2800" b="1" dirty="0">
+                          <a:solidFill>
+                            <a:schemeClr val="tx1"/>
+                          </a:solidFill>
+                          <a:effectLst/>
+                        </a:rPr>
+                        <a:t>يرسم</a:t>
+                      </a:r>
+                      <a:endParaRPr lang="fr-FR" sz="2000" b="1" dirty="0">
+                        <a:solidFill>
+                          <a:schemeClr val="tx1"/>
+                        </a:solidFill>
+                        <a:effectLst/>
+                        <a:latin typeface="Calibri" panose="020F0502020204030204" pitchFamily="34" charset="0"/>
+                        <a:ea typeface="Calibri" panose="020F0502020204030204" pitchFamily="34" charset="0"/>
+                        <a:cs typeface="Arial" panose="020B0604020202020204" pitchFamily="34" charset="0"/>
+                      </a:endParaRPr>
+                    </a:p>
+                  </a:txBody>
+                  <a:tcPr marL="68580" marR="68580" marT="0" marB="0" anchor="ctr">
+                    <a:lnL w="12700" cap="flat" cmpd="sng" algn="ctr">
+                      <a:solidFill>
+                        <a:schemeClr val="tx1"/>
+                      </a:solidFill>
+                      <a:prstDash val="solid"/>
+                      <a:round/>
+                      <a:headEnd type="none" w="med" len="med"/>
+                      <a:tailEnd type="none" w="med" len="med"/>
+                    </a:lnL>
+                    <a:lnR w="12700" cap="flat" cmpd="sng" algn="ctr">
+                      <a:solidFill>
+                        <a:schemeClr val="tx1"/>
+                      </a:solidFill>
+                      <a:prstDash val="solid"/>
+                      <a:round/>
+                      <a:headEnd type="none" w="med" len="med"/>
+                      <a:tailEnd type="none" w="med" len="med"/>
+                    </a:lnR>
+                    <a:lnT w="12700" cap="flat" cmpd="sng" algn="ctr">
+                      <a:solidFill>
+                        <a:schemeClr val="tx1"/>
+                      </a:solidFill>
+                      <a:prstDash val="solid"/>
+                      <a:round/>
+                      <a:headEnd type="none" w="med" len="med"/>
+                      <a:tailEnd type="none" w="med" len="med"/>
+                    </a:lnT>
+                    <a:lnB w="12700" cap="flat" cmpd="sng" algn="ctr">
+                      <a:solidFill>
+                        <a:schemeClr val="tx1"/>
+                      </a:solidFill>
+                      <a:prstDash val="solid"/>
+                      <a:round/>
+                      <a:headEnd type="none" w="med" len="med"/>
+                      <a:tailEnd type="none" w="med" len="med"/>
+                    </a:lnB>
+                    <a:lnTlToBr w="12700" cmpd="sng">
+                      <a:noFill/>
+                      <a:prstDash val="solid"/>
+                    </a:lnTlToBr>
+                    <a:lnBlToTr w="12700" cmpd="sng">
+                      <a:noFill/>
+                      <a:prstDash val="solid"/>
+                    </a:lnBlToTr>
+                    <a:solidFill>
+                      <a:srgbClr val="92D050"/>
+                    </a:solidFill>
+                  </a:tcPr>
+                </a:tc>
+                <a:tc>
+                  <a:txBody>
+                    <a:bodyPr/>
+                    <a:lstStyle/>
+                    <a:p>
+                      <a:pPr algn="ctr" rtl="1">
+                        <a:lnSpc>
+                          <a:spcPct val="107000"/>
+                        </a:lnSpc>
+                        <a:spcAft>
+                          <a:spcPts val="0"/>
+                        </a:spcAft>
+                      </a:pPr>
+                      <a:r>
+                        <a:rPr lang="ar-DZ" sz="2800" b="1" dirty="0">
+                          <a:solidFill>
+                            <a:schemeClr val="tx1"/>
+                          </a:solidFill>
+                          <a:effectLst/>
+                        </a:rPr>
+                        <a:t>حركته</a:t>
+                      </a:r>
+                      <a:endParaRPr lang="fr-FR" sz="2000" b="1" dirty="0">
+                        <a:solidFill>
+                          <a:schemeClr val="tx1"/>
+                        </a:solidFill>
+                        <a:effectLst/>
+                        <a:latin typeface="Calibri" panose="020F0502020204030204" pitchFamily="34" charset="0"/>
+                        <a:ea typeface="Calibri" panose="020F0502020204030204" pitchFamily="34" charset="0"/>
+                        <a:cs typeface="Arial" panose="020B0604020202020204" pitchFamily="34" charset="0"/>
+                      </a:endParaRPr>
+                    </a:p>
+                  </a:txBody>
+                  <a:tcPr marL="68580" marR="68580" marT="0" marB="0" anchor="ctr">
+                    <a:lnL w="12700" cap="flat" cmpd="sng" algn="ctr">
+                      <a:solidFill>
+                        <a:schemeClr val="tx1"/>
+                      </a:solidFill>
+                      <a:prstDash val="solid"/>
+                      <a:round/>
+                      <a:headEnd type="none" w="med" len="med"/>
+                      <a:tailEnd type="none" w="med" len="med"/>
+                    </a:lnL>
+                    <a:lnR w="12700" cap="flat" cmpd="sng" algn="ctr">
+                      <a:solidFill>
+                        <a:schemeClr val="tx1"/>
+                      </a:solidFill>
+                      <a:prstDash val="solid"/>
+                      <a:round/>
+                      <a:headEnd type="none" w="med" len="med"/>
+                      <a:tailEnd type="none" w="med" len="med"/>
+                    </a:lnR>
+                    <a:lnT w="12700" cap="flat" cmpd="sng" algn="ctr">
+                      <a:solidFill>
+                        <a:schemeClr val="tx1"/>
+                      </a:solidFill>
+                      <a:prstDash val="solid"/>
+                      <a:round/>
+                      <a:headEnd type="none" w="med" len="med"/>
+                      <a:tailEnd type="none" w="med" len="med"/>
+                    </a:lnT>
+                    <a:lnB w="12700" cap="flat" cmpd="sng" algn="ctr">
+                      <a:solidFill>
+                        <a:schemeClr val="tx1"/>
+                      </a:solidFill>
+                      <a:prstDash val="solid"/>
+                      <a:round/>
+                      <a:headEnd type="none" w="med" len="med"/>
+                      <a:tailEnd type="none" w="med" len="med"/>
+                    </a:lnB>
+                    <a:lnTlToBr w="12700" cmpd="sng">
+                      <a:noFill/>
+                      <a:prstDash val="solid"/>
+                    </a:lnTlToBr>
+                    <a:lnBlToTr w="12700" cmpd="sng">
+                      <a:noFill/>
+                      <a:prstDash val="solid"/>
+                    </a:lnBlToTr>
+                    <a:solidFill>
+                      <a:schemeClr val="accent4">
+                        <a:lumMod val="60000"/>
+                        <a:lumOff val="40000"/>
+                      </a:schemeClr>
+                    </a:solidFill>
+                  </a:tcPr>
+                </a:tc>
+                <a:tc>
+                  <a:txBody>
+                    <a:bodyPr/>
+                    <a:lstStyle/>
+                    <a:p>
+                      <a:pPr algn="ctr" rtl="1">
+                        <a:lnSpc>
+                          <a:spcPct val="107000"/>
+                        </a:lnSpc>
+                        <a:spcAft>
+                          <a:spcPts val="0"/>
+                        </a:spcAft>
+                      </a:pPr>
+                      <a:r>
+                        <a:rPr lang="ar-DZ" sz="2800" b="1" dirty="0">
+                          <a:solidFill>
+                            <a:schemeClr val="tx1"/>
+                          </a:solidFill>
+                          <a:effectLst/>
+                        </a:rPr>
+                        <a:t>أن تجعل</a:t>
+                      </a:r>
+                      <a:endParaRPr lang="fr-FR" sz="2000" b="1" dirty="0">
+                        <a:solidFill>
+                          <a:schemeClr val="tx1"/>
+                        </a:solidFill>
+                        <a:effectLst/>
+                        <a:latin typeface="Calibri" panose="020F0502020204030204" pitchFamily="34" charset="0"/>
+                        <a:ea typeface="Calibri" panose="020F0502020204030204" pitchFamily="34" charset="0"/>
+                        <a:cs typeface="Arial" panose="020B0604020202020204" pitchFamily="34" charset="0"/>
+                      </a:endParaRPr>
+                    </a:p>
+                  </a:txBody>
+                  <a:tcPr marL="68580" marR="68580" marT="0" marB="0" anchor="ctr">
+                    <a:lnL w="12700" cap="flat" cmpd="sng" algn="ctr">
+                      <a:solidFill>
+                        <a:schemeClr val="tx1"/>
+                      </a:solidFill>
+                      <a:prstDash val="solid"/>
+                      <a:round/>
+                      <a:headEnd type="none" w="med" len="med"/>
+                      <a:tailEnd type="none" w="med" len="med"/>
+                    </a:lnL>
+                    <a:lnR w="12700" cap="flat" cmpd="sng" algn="ctr">
+                      <a:solidFill>
+                        <a:schemeClr val="tx1"/>
+                      </a:solidFill>
+                      <a:prstDash val="solid"/>
+                      <a:round/>
+                      <a:headEnd type="none" w="med" len="med"/>
+                      <a:tailEnd type="none" w="med" len="med"/>
+                    </a:lnR>
+                    <a:lnT w="12700" cap="flat" cmpd="sng" algn="ctr">
+                      <a:solidFill>
+                        <a:schemeClr val="tx1"/>
+                      </a:solidFill>
+                      <a:prstDash val="solid"/>
+                      <a:round/>
+                      <a:headEnd type="none" w="med" len="med"/>
+                      <a:tailEnd type="none" w="med" len="med"/>
+                    </a:lnT>
+                    <a:lnB w="12700" cap="flat" cmpd="sng" algn="ctr">
+                      <a:solidFill>
+                        <a:schemeClr val="tx1"/>
+                      </a:solidFill>
+                      <a:prstDash val="solid"/>
+                      <a:round/>
+                      <a:headEnd type="none" w="med" len="med"/>
+                      <a:tailEnd type="none" w="med" len="med"/>
+                    </a:lnB>
+                    <a:lnTlToBr w="12700" cmpd="sng">
+                      <a:noFill/>
+                      <a:prstDash val="solid"/>
+                    </a:lnTlToBr>
+                    <a:lnBlToTr w="12700" cmpd="sng">
+                      <a:noFill/>
+                      <a:prstDash val="solid"/>
+                    </a:lnBlToTr>
+                    <a:solidFill>
+                      <a:schemeClr val="accent2">
+                        <a:lumMod val="40000"/>
+                        <a:lumOff val="60000"/>
+                      </a:schemeClr>
+                    </a:solidFill>
+                  </a:tcPr>
+                </a:tc>
+                <a:tc>
+                  <a:txBody>
+                    <a:bodyPr/>
+                    <a:lstStyle/>
+                    <a:p>
+                      <a:pPr algn="ctr" rtl="1">
+                        <a:lnSpc>
+                          <a:spcPct val="107000"/>
+                        </a:lnSpc>
+                        <a:spcAft>
+                          <a:spcPts val="0"/>
+                        </a:spcAft>
+                      </a:pPr>
+                      <a:r>
+                        <a:rPr lang="ar-DZ" sz="2800" b="1" dirty="0">
+                          <a:solidFill>
+                            <a:schemeClr val="tx1"/>
+                          </a:solidFill>
+                          <a:effectLst/>
+                        </a:rPr>
+                        <a:t>أحد</a:t>
+                      </a:r>
+                      <a:endParaRPr lang="fr-FR" sz="2000" b="1" dirty="0">
+                        <a:solidFill>
+                          <a:schemeClr val="tx1"/>
+                        </a:solidFill>
+                        <a:effectLst/>
+                        <a:latin typeface="Calibri" panose="020F0502020204030204" pitchFamily="34" charset="0"/>
+                        <a:ea typeface="Calibri" panose="020F0502020204030204" pitchFamily="34" charset="0"/>
+                        <a:cs typeface="Arial" panose="020B0604020202020204" pitchFamily="34" charset="0"/>
+                      </a:endParaRPr>
+                    </a:p>
+                  </a:txBody>
+                  <a:tcPr marL="68580" marR="68580" marT="0" marB="0" anchor="ctr">
+                    <a:lnL w="12700" cap="flat" cmpd="sng" algn="ctr">
+                      <a:solidFill>
+                        <a:schemeClr val="tx1"/>
+                      </a:solidFill>
+                      <a:prstDash val="solid"/>
+                      <a:round/>
+                      <a:headEnd type="none" w="med" len="med"/>
+                      <a:tailEnd type="none" w="med" len="med"/>
+                    </a:lnL>
+                    <a:lnR w="12700" cap="flat" cmpd="sng" algn="ctr">
+                      <a:solidFill>
+                        <a:schemeClr val="tx1"/>
+                      </a:solidFill>
+                      <a:prstDash val="solid"/>
+                      <a:round/>
+                      <a:headEnd type="none" w="med" len="med"/>
+                      <a:tailEnd type="none" w="med" len="med"/>
+                    </a:lnR>
+                    <a:lnT w="12700" cap="flat" cmpd="sng" algn="ctr">
+                      <a:solidFill>
+                        <a:schemeClr val="tx1"/>
+                      </a:solidFill>
+                      <a:prstDash val="solid"/>
+                      <a:round/>
+                      <a:headEnd type="none" w="med" len="med"/>
+                      <a:tailEnd type="none" w="med" len="med"/>
+                    </a:lnT>
+                    <a:lnB w="12700" cap="flat" cmpd="sng" algn="ctr">
+                      <a:solidFill>
+                        <a:schemeClr val="tx1"/>
+                      </a:solidFill>
+                      <a:prstDash val="solid"/>
+                      <a:round/>
+                      <a:headEnd type="none" w="med" len="med"/>
+                      <a:tailEnd type="none" w="med" len="med"/>
+                    </a:lnB>
+                    <a:lnTlToBr w="12700" cmpd="sng">
+                      <a:noFill/>
+                      <a:prstDash val="solid"/>
+                    </a:lnTlToBr>
+                    <a:lnBlToTr w="12700" cmpd="sng">
+                      <a:noFill/>
+                      <a:prstDash val="solid"/>
+                    </a:lnBlToTr>
+                    <a:solidFill>
+                      <a:schemeClr val="accent1">
+                        <a:lumMod val="20000"/>
+                        <a:lumOff val="80000"/>
+                      </a:schemeClr>
+                    </a:solidFill>
+                  </a:tcPr>
+                </a:tc>
+              </a:tr>
+            </a:tbl>
+          </a:graphicData>
+        </a:graphic>
+      </p:graphicFrame>
+      <p:sp>
+        <p:nvSpPr>
+          <p:cNvPr id="3" name="ZoneTexte 2"/>
+          <p:cNvSpPr txBox="1"/>
           <p:nvPr/>
-        </p:nvPicPr>
-        <p:blipFill>
-          <a:blip r:embed="rId2"/>
-          <a:stretch>
-            <a:fillRect/>
-          </a:stretch>
-        </p:blipFill>
+        </p:nvSpPr>
         <p:spPr>
           <a:xfrm>
-            <a:off x="4183694" y="4860100"/>
-            <a:ext cx="4885150" cy="1878904"/>
+            <a:off x="3126786" y="4223359"/>
+            <a:ext cx="1327759" cy="707886"/>
           </a:xfrm>
           <a:prstGeom prst="rect">
             <a:avLst/>
           </a:prstGeom>
+          <a:noFill/>
         </p:spPr>
-      </p:pic>
+        <p:txBody>
+          <a:bodyPr wrap="square" rtlCol="0">
+            <a:spAutoFit/>
+          </a:bodyPr>
+          <a:lstStyle/>
+          <a:p>
+            <a:pPr algn="ctr" rtl="1"/>
+            <a:r>
+              <a:rPr lang="ar-DZ" sz="4000" dirty="0" smtClean="0"/>
+              <a:t>أثناء</a:t>
+            </a:r>
+            <a:endParaRPr lang="fr-FR" sz="4000" dirty="0"/>
+          </a:p>
+        </p:txBody>
+      </p:sp>
+      <p:sp>
+        <p:nvSpPr>
+          <p:cNvPr id="8" name="ZoneTexte 7"/>
+          <p:cNvSpPr txBox="1"/>
+          <p:nvPr/>
+        </p:nvSpPr>
+        <p:spPr>
+          <a:xfrm>
+            <a:off x="10173222" y="4223359"/>
+            <a:ext cx="1327759" cy="707886"/>
+          </a:xfrm>
+          <a:prstGeom prst="rect">
+            <a:avLst/>
+          </a:prstGeom>
+          <a:noFill/>
+        </p:spPr>
+        <p:txBody>
+          <a:bodyPr wrap="square" rtlCol="0">
+            <a:spAutoFit/>
+          </a:bodyPr>
+          <a:lstStyle/>
+          <a:p>
+            <a:pPr algn="ctr" rtl="1"/>
+            <a:r>
+              <a:rPr lang="ar-DZ" sz="4000" dirty="0" smtClean="0"/>
+              <a:t>هو</a:t>
+            </a:r>
+            <a:endParaRPr lang="fr-FR" sz="4000" dirty="0"/>
+          </a:p>
+        </p:txBody>
+      </p:sp>
+      <p:sp>
+        <p:nvSpPr>
+          <p:cNvPr id="9" name="ZoneTexte 8"/>
+          <p:cNvSpPr txBox="1"/>
+          <p:nvPr/>
+        </p:nvSpPr>
+        <p:spPr>
+          <a:xfrm>
+            <a:off x="5254282" y="4223359"/>
+            <a:ext cx="1327759" cy="707886"/>
+          </a:xfrm>
+          <a:prstGeom prst="rect">
+            <a:avLst/>
+          </a:prstGeom>
+          <a:noFill/>
+        </p:spPr>
+        <p:txBody>
+          <a:bodyPr wrap="square" rtlCol="0">
+            <a:spAutoFit/>
+          </a:bodyPr>
+          <a:lstStyle/>
+          <a:p>
+            <a:pPr algn="ctr" rtl="1"/>
+            <a:r>
+              <a:rPr lang="ar-DZ" sz="4000" dirty="0" smtClean="0"/>
+              <a:t>يرسم</a:t>
+            </a:r>
+            <a:endParaRPr lang="fr-FR" sz="4000" dirty="0"/>
+          </a:p>
+        </p:txBody>
+      </p:sp>
+      <p:sp>
+        <p:nvSpPr>
+          <p:cNvPr id="10" name="ZoneTexte 9"/>
+          <p:cNvSpPr txBox="1"/>
+          <p:nvPr/>
+        </p:nvSpPr>
+        <p:spPr>
+          <a:xfrm>
+            <a:off x="6448818" y="4223359"/>
+            <a:ext cx="1503124" cy="707886"/>
+          </a:xfrm>
+          <a:prstGeom prst="rect">
+            <a:avLst/>
+          </a:prstGeom>
+          <a:noFill/>
+        </p:spPr>
+        <p:txBody>
+          <a:bodyPr wrap="square" rtlCol="0">
+            <a:spAutoFit/>
+          </a:bodyPr>
+          <a:lstStyle/>
+          <a:p>
+            <a:pPr algn="ctr" rtl="1"/>
+            <a:r>
+              <a:rPr lang="ar-DZ" sz="4000" dirty="0" smtClean="0"/>
+              <a:t>الكائنات</a:t>
+            </a:r>
+            <a:endParaRPr lang="fr-FR" sz="4000" dirty="0"/>
+          </a:p>
+        </p:txBody>
+      </p:sp>
+      <p:sp>
+        <p:nvSpPr>
+          <p:cNvPr id="14" name="ZoneTexte 13"/>
+          <p:cNvSpPr txBox="1"/>
+          <p:nvPr/>
+        </p:nvSpPr>
+        <p:spPr>
+          <a:xfrm>
+            <a:off x="7729604" y="4223359"/>
+            <a:ext cx="1327759" cy="707886"/>
+          </a:xfrm>
+          <a:prstGeom prst="rect">
+            <a:avLst/>
+          </a:prstGeom>
+          <a:noFill/>
+        </p:spPr>
+        <p:txBody>
+          <a:bodyPr wrap="square" rtlCol="0">
+            <a:spAutoFit/>
+          </a:bodyPr>
+          <a:lstStyle/>
+          <a:p>
+            <a:pPr algn="ctr" rtl="1"/>
+            <a:r>
+              <a:rPr lang="ar-DZ" sz="4000" dirty="0" smtClean="0"/>
+              <a:t>أحد</a:t>
+            </a:r>
+            <a:endParaRPr lang="fr-FR" sz="4000" dirty="0"/>
+          </a:p>
+        </p:txBody>
+      </p:sp>
+      <p:sp>
+        <p:nvSpPr>
+          <p:cNvPr id="15" name="ZoneTexte 14"/>
+          <p:cNvSpPr txBox="1"/>
+          <p:nvPr/>
+        </p:nvSpPr>
+        <p:spPr>
+          <a:xfrm>
+            <a:off x="8855901" y="4223359"/>
+            <a:ext cx="1688927" cy="707886"/>
+          </a:xfrm>
+          <a:prstGeom prst="rect">
+            <a:avLst/>
+          </a:prstGeom>
+          <a:noFill/>
+        </p:spPr>
+        <p:txBody>
+          <a:bodyPr wrap="square" rtlCol="0">
+            <a:spAutoFit/>
+          </a:bodyPr>
+          <a:lstStyle/>
+          <a:p>
+            <a:pPr algn="ctr" rtl="1"/>
+            <a:r>
+              <a:rPr lang="ar-DZ" sz="4000" dirty="0" smtClean="0"/>
+              <a:t>أن تجعل</a:t>
+            </a:r>
+            <a:endParaRPr lang="fr-FR" sz="4000" dirty="0"/>
+          </a:p>
+        </p:txBody>
+      </p:sp>
+      <p:sp>
+        <p:nvSpPr>
+          <p:cNvPr id="16" name="ZoneTexte 15"/>
+          <p:cNvSpPr txBox="1"/>
+          <p:nvPr/>
+        </p:nvSpPr>
+        <p:spPr>
+          <a:xfrm>
+            <a:off x="1987804" y="4223359"/>
+            <a:ext cx="1327759" cy="707886"/>
+          </a:xfrm>
+          <a:prstGeom prst="rect">
+            <a:avLst/>
+          </a:prstGeom>
+          <a:noFill/>
+        </p:spPr>
+        <p:txBody>
+          <a:bodyPr wrap="square" rtlCol="0">
+            <a:spAutoFit/>
+          </a:bodyPr>
+          <a:lstStyle/>
+          <a:p>
+            <a:pPr algn="ctr" rtl="1"/>
+            <a:r>
+              <a:rPr lang="ar-DZ" sz="4000" dirty="0" smtClean="0"/>
+              <a:t>حركته</a:t>
+            </a:r>
+            <a:endParaRPr lang="fr-FR" sz="4000" dirty="0"/>
+          </a:p>
+        </p:txBody>
+      </p:sp>
+      <p:sp>
+        <p:nvSpPr>
+          <p:cNvPr id="17" name="ZoneTexte 16"/>
+          <p:cNvSpPr txBox="1"/>
+          <p:nvPr/>
+        </p:nvSpPr>
+        <p:spPr>
+          <a:xfrm>
+            <a:off x="4164906" y="4223359"/>
+            <a:ext cx="1327759" cy="707886"/>
+          </a:xfrm>
+          <a:prstGeom prst="rect">
+            <a:avLst/>
+          </a:prstGeom>
+          <a:noFill/>
+        </p:spPr>
+        <p:txBody>
+          <a:bodyPr wrap="square" rtlCol="0">
+            <a:spAutoFit/>
+          </a:bodyPr>
+          <a:lstStyle/>
+          <a:p>
+            <a:pPr algn="ctr" rtl="1"/>
+            <a:r>
+              <a:rPr lang="ar-DZ" sz="4000" dirty="0" smtClean="0"/>
+              <a:t>خطا</a:t>
+            </a:r>
+            <a:endParaRPr lang="fr-FR" sz="4000" dirty="0"/>
+          </a:p>
+        </p:txBody>
+      </p:sp>
+      <p:sp>
+        <p:nvSpPr>
+          <p:cNvPr id="4" name="ZoneTexte 3"/>
+          <p:cNvSpPr txBox="1"/>
+          <p:nvPr/>
+        </p:nvSpPr>
+        <p:spPr>
+          <a:xfrm>
+            <a:off x="4164906" y="2070255"/>
+            <a:ext cx="951978" cy="369332"/>
+          </a:xfrm>
+          <a:prstGeom prst="rect">
+            <a:avLst/>
+          </a:prstGeom>
+          <a:solidFill>
+            <a:schemeClr val="accent6">
+              <a:lumMod val="20000"/>
+              <a:lumOff val="80000"/>
+            </a:schemeClr>
+          </a:solidFill>
+        </p:spPr>
+        <p:txBody>
+          <a:bodyPr wrap="square" rtlCol="0">
+            <a:spAutoFit/>
+          </a:bodyPr>
+          <a:lstStyle/>
+          <a:p>
+            <a:endParaRPr lang="fr-FR" dirty="0"/>
+          </a:p>
+        </p:txBody>
+      </p:sp>
+      <p:sp>
+        <p:nvSpPr>
+          <p:cNvPr id="6" name="ZoneTexte 5"/>
+          <p:cNvSpPr txBox="1"/>
+          <p:nvPr/>
+        </p:nvSpPr>
+        <p:spPr>
+          <a:xfrm>
+            <a:off x="5528157" y="2868460"/>
+            <a:ext cx="1177447" cy="450937"/>
+          </a:xfrm>
+          <a:prstGeom prst="rect">
+            <a:avLst/>
+          </a:prstGeom>
+          <a:solidFill>
+            <a:schemeClr val="accent2">
+              <a:lumMod val="40000"/>
+              <a:lumOff val="60000"/>
+            </a:schemeClr>
+          </a:solidFill>
+        </p:spPr>
+        <p:txBody>
+          <a:bodyPr wrap="square" rtlCol="0">
+            <a:spAutoFit/>
+          </a:bodyPr>
+          <a:lstStyle/>
+          <a:p>
+            <a:endParaRPr lang="fr-FR" dirty="0"/>
+          </a:p>
+        </p:txBody>
+      </p:sp>
+      <p:sp>
+        <p:nvSpPr>
+          <p:cNvPr id="7" name="ZoneTexte 6"/>
+          <p:cNvSpPr txBox="1"/>
+          <p:nvPr/>
+        </p:nvSpPr>
+        <p:spPr>
+          <a:xfrm>
+            <a:off x="4164906" y="2805829"/>
+            <a:ext cx="951978" cy="576198"/>
+          </a:xfrm>
+          <a:prstGeom prst="rect">
+            <a:avLst/>
+          </a:prstGeom>
+          <a:solidFill>
+            <a:schemeClr val="accent1">
+              <a:lumMod val="20000"/>
+              <a:lumOff val="80000"/>
+            </a:schemeClr>
+          </a:solidFill>
+        </p:spPr>
+        <p:txBody>
+          <a:bodyPr wrap="square" rtlCol="0">
+            <a:spAutoFit/>
+          </a:bodyPr>
+          <a:lstStyle/>
+          <a:p>
+            <a:endParaRPr lang="fr-FR" dirty="0"/>
+          </a:p>
+        </p:txBody>
+      </p:sp>
+      <p:sp>
+        <p:nvSpPr>
+          <p:cNvPr id="18" name="ZoneTexte 17"/>
+          <p:cNvSpPr txBox="1"/>
+          <p:nvPr/>
+        </p:nvSpPr>
+        <p:spPr>
+          <a:xfrm>
+            <a:off x="8505173" y="1863388"/>
+            <a:ext cx="1195191" cy="729499"/>
+          </a:xfrm>
+          <a:prstGeom prst="rect">
+            <a:avLst/>
+          </a:prstGeom>
+          <a:solidFill>
+            <a:schemeClr val="accent2">
+              <a:lumMod val="20000"/>
+              <a:lumOff val="80000"/>
+            </a:schemeClr>
+          </a:solidFill>
+        </p:spPr>
+        <p:txBody>
+          <a:bodyPr wrap="square" rtlCol="0">
+            <a:spAutoFit/>
+          </a:bodyPr>
+          <a:lstStyle/>
+          <a:p>
+            <a:endParaRPr lang="fr-FR" dirty="0"/>
+          </a:p>
+        </p:txBody>
+      </p:sp>
+      <p:sp>
+        <p:nvSpPr>
+          <p:cNvPr id="19" name="ZoneTexte 18"/>
+          <p:cNvSpPr txBox="1"/>
+          <p:nvPr/>
+        </p:nvSpPr>
+        <p:spPr>
+          <a:xfrm>
+            <a:off x="8505173" y="2894555"/>
+            <a:ext cx="1195191" cy="513568"/>
+          </a:xfrm>
+          <a:prstGeom prst="rect">
+            <a:avLst/>
+          </a:prstGeom>
+          <a:solidFill>
+            <a:srgbClr val="92D050"/>
+          </a:solidFill>
+        </p:spPr>
+        <p:txBody>
+          <a:bodyPr wrap="square" rtlCol="0">
+            <a:spAutoFit/>
+          </a:bodyPr>
+          <a:lstStyle/>
+          <a:p>
+            <a:endParaRPr lang="fr-FR" dirty="0"/>
+          </a:p>
+        </p:txBody>
+      </p:sp>
+      <p:sp>
+        <p:nvSpPr>
+          <p:cNvPr id="20" name="ZoneTexte 19"/>
+          <p:cNvSpPr txBox="1"/>
+          <p:nvPr/>
+        </p:nvSpPr>
+        <p:spPr>
+          <a:xfrm>
+            <a:off x="7200380" y="1812569"/>
+            <a:ext cx="1054272" cy="735574"/>
+          </a:xfrm>
+          <a:prstGeom prst="rect">
+            <a:avLst/>
+          </a:prstGeom>
+          <a:solidFill>
+            <a:schemeClr val="tx2">
+              <a:lumMod val="20000"/>
+              <a:lumOff val="80000"/>
+            </a:schemeClr>
+          </a:solidFill>
+        </p:spPr>
+        <p:txBody>
+          <a:bodyPr wrap="square" rtlCol="0">
+            <a:spAutoFit/>
+          </a:bodyPr>
+          <a:lstStyle/>
+          <a:p>
+            <a:endParaRPr lang="fr-FR" dirty="0"/>
+          </a:p>
+        </p:txBody>
+      </p:sp>
+      <p:sp>
+        <p:nvSpPr>
+          <p:cNvPr id="21" name="ZoneTexte 20"/>
+          <p:cNvSpPr txBox="1"/>
+          <p:nvPr/>
+        </p:nvSpPr>
+        <p:spPr>
+          <a:xfrm>
+            <a:off x="5528157" y="1877124"/>
+            <a:ext cx="1177447" cy="569031"/>
+          </a:xfrm>
+          <a:prstGeom prst="rect">
+            <a:avLst/>
+          </a:prstGeom>
+          <a:solidFill>
+            <a:srgbClr val="FFFF00"/>
+          </a:solidFill>
+        </p:spPr>
+        <p:txBody>
+          <a:bodyPr wrap="square" rtlCol="0">
+            <a:spAutoFit/>
+          </a:bodyPr>
+          <a:lstStyle/>
+          <a:p>
+            <a:endParaRPr lang="fr-FR" dirty="0"/>
+          </a:p>
+        </p:txBody>
+      </p:sp>
+      <p:sp>
+        <p:nvSpPr>
+          <p:cNvPr id="22" name="ZoneTexte 21"/>
+          <p:cNvSpPr txBox="1"/>
+          <p:nvPr/>
+        </p:nvSpPr>
+        <p:spPr>
+          <a:xfrm>
+            <a:off x="7064687" y="2781820"/>
+            <a:ext cx="1114817" cy="557550"/>
+          </a:xfrm>
+          <a:prstGeom prst="rect">
+            <a:avLst/>
+          </a:prstGeom>
+          <a:solidFill>
+            <a:schemeClr val="accent4">
+              <a:lumMod val="60000"/>
+              <a:lumOff val="40000"/>
+            </a:schemeClr>
+          </a:solidFill>
+        </p:spPr>
+        <p:txBody>
+          <a:bodyPr wrap="square" rtlCol="0">
+            <a:spAutoFit/>
+          </a:bodyPr>
+          <a:lstStyle/>
+          <a:p>
+            <a:endParaRPr lang="fr-FR" dirty="0"/>
+          </a:p>
+        </p:txBody>
+      </p:sp>
     </p:spTree>
     <p:extLst>
       <p:ext uri="{BB962C8B-B14F-4D97-AF65-F5344CB8AC3E}">
@@ -3967,9 +5438,1490 @@
   <p:timing>
     <p:tnLst>
       <p:par>
-        <p:cTn id="1" dur="indefinite" restart="never" nodeType="tmRoot"/>
+        <p:cTn id="1" dur="indefinite" restart="never" nodeType="tmRoot">
+          <p:childTnLst>
+            <p:seq concurrent="1" nextAc="seek">
+              <p:cTn id="2" dur="indefinite" nodeType="mainSeq">
+                <p:childTnLst>
+                  <p:par>
+                    <p:cTn id="3" fill="hold">
+                      <p:stCondLst>
+                        <p:cond delay="indefinite"/>
+                      </p:stCondLst>
+                      <p:childTnLst>
+                        <p:par>
+                          <p:cTn id="4" fill="hold">
+                            <p:stCondLst>
+                              <p:cond delay="0"/>
+                            </p:stCondLst>
+                            <p:childTnLst>
+                              <p:par>
+                                <p:cTn id="5" presetID="42" presetClass="entr" presetSubtype="0" fill="hold" grpId="0" nodeType="clickEffect">
+                                  <p:stCondLst>
+                                    <p:cond delay="0"/>
+                                  </p:stCondLst>
+                                  <p:childTnLst>
+                                    <p:set>
+                                      <p:cBhvr>
+                                        <p:cTn id="6" dur="1" fill="hold">
+                                          <p:stCondLst>
+                                            <p:cond delay="0"/>
+                                          </p:stCondLst>
+                                        </p:cTn>
+                                        <p:tgtEl>
+                                          <p:spTgt spid="8"/>
+                                        </p:tgtEl>
+                                        <p:attrNameLst>
+                                          <p:attrName>style.visibility</p:attrName>
+                                        </p:attrNameLst>
+                                      </p:cBhvr>
+                                      <p:to>
+                                        <p:strVal val="visible"/>
+                                      </p:to>
+                                    </p:set>
+                                    <p:animEffect transition="in" filter="fade">
+                                      <p:cBhvr>
+                                        <p:cTn id="7" dur="1000"/>
+                                        <p:tgtEl>
+                                          <p:spTgt spid="8"/>
+                                        </p:tgtEl>
+                                      </p:cBhvr>
+                                    </p:animEffect>
+                                    <p:anim calcmode="lin" valueType="num">
+                                      <p:cBhvr>
+                                        <p:cTn id="8" dur="1000" fill="hold"/>
+                                        <p:tgtEl>
+                                          <p:spTgt spid="8"/>
+                                        </p:tgtEl>
+                                        <p:attrNameLst>
+                                          <p:attrName>ppt_x</p:attrName>
+                                        </p:attrNameLst>
+                                      </p:cBhvr>
+                                      <p:tavLst>
+                                        <p:tav tm="0">
+                                          <p:val>
+                                            <p:strVal val="#ppt_x"/>
+                                          </p:val>
+                                        </p:tav>
+                                        <p:tav tm="100000">
+                                          <p:val>
+                                            <p:strVal val="#ppt_x"/>
+                                          </p:val>
+                                        </p:tav>
+                                      </p:tavLst>
+                                    </p:anim>
+                                    <p:anim calcmode="lin" valueType="num">
+                                      <p:cBhvr>
+                                        <p:cTn id="9" dur="1000" fill="hold"/>
+                                        <p:tgtEl>
+                                          <p:spTgt spid="8"/>
+                                        </p:tgtEl>
+                                        <p:attrNameLst>
+                                          <p:attrName>ppt_y</p:attrName>
+                                        </p:attrNameLst>
+                                      </p:cBhvr>
+                                      <p:tavLst>
+                                        <p:tav tm="0">
+                                          <p:val>
+                                            <p:strVal val="#ppt_y+.1"/>
+                                          </p:val>
+                                        </p:tav>
+                                        <p:tav tm="100000">
+                                          <p:val>
+                                            <p:strVal val="#ppt_y"/>
+                                          </p:val>
+                                        </p:tav>
+                                      </p:tavLst>
+                                    </p:anim>
+                                  </p:childTnLst>
+                                </p:cTn>
+                              </p:par>
+                              <p:par>
+                                <p:cTn id="10" presetID="53" presetClass="entr" presetSubtype="16" fill="hold" grpId="0" nodeType="withEffect">
+                                  <p:stCondLst>
+                                    <p:cond delay="0"/>
+                                  </p:stCondLst>
+                                  <p:childTnLst>
+                                    <p:set>
+                                      <p:cBhvr>
+                                        <p:cTn id="11" dur="1" fill="hold">
+                                          <p:stCondLst>
+                                            <p:cond delay="0"/>
+                                          </p:stCondLst>
+                                        </p:cTn>
+                                        <p:tgtEl>
+                                          <p:spTgt spid="4"/>
+                                        </p:tgtEl>
+                                        <p:attrNameLst>
+                                          <p:attrName>style.visibility</p:attrName>
+                                        </p:attrNameLst>
+                                      </p:cBhvr>
+                                      <p:to>
+                                        <p:strVal val="visible"/>
+                                      </p:to>
+                                    </p:set>
+                                    <p:anim calcmode="lin" valueType="num">
+                                      <p:cBhvr>
+                                        <p:cTn id="12" dur="1000" fill="hold"/>
+                                        <p:tgtEl>
+                                          <p:spTgt spid="4"/>
+                                        </p:tgtEl>
+                                        <p:attrNameLst>
+                                          <p:attrName>ppt_w</p:attrName>
+                                        </p:attrNameLst>
+                                      </p:cBhvr>
+                                      <p:tavLst>
+                                        <p:tav tm="0">
+                                          <p:val>
+                                            <p:fltVal val="0"/>
+                                          </p:val>
+                                        </p:tav>
+                                        <p:tav tm="100000">
+                                          <p:val>
+                                            <p:strVal val="#ppt_w"/>
+                                          </p:val>
+                                        </p:tav>
+                                      </p:tavLst>
+                                    </p:anim>
+                                    <p:anim calcmode="lin" valueType="num">
+                                      <p:cBhvr>
+                                        <p:cTn id="13" dur="1000" fill="hold"/>
+                                        <p:tgtEl>
+                                          <p:spTgt spid="4"/>
+                                        </p:tgtEl>
+                                        <p:attrNameLst>
+                                          <p:attrName>ppt_h</p:attrName>
+                                        </p:attrNameLst>
+                                      </p:cBhvr>
+                                      <p:tavLst>
+                                        <p:tav tm="0">
+                                          <p:val>
+                                            <p:fltVal val="0"/>
+                                          </p:val>
+                                        </p:tav>
+                                        <p:tav tm="100000">
+                                          <p:val>
+                                            <p:strVal val="#ppt_h"/>
+                                          </p:val>
+                                        </p:tav>
+                                      </p:tavLst>
+                                    </p:anim>
+                                    <p:animEffect transition="in" filter="fade">
+                                      <p:cBhvr>
+                                        <p:cTn id="14" dur="1000"/>
+                                        <p:tgtEl>
+                                          <p:spTgt spid="4"/>
+                                        </p:tgtEl>
+                                      </p:cBhvr>
+                                    </p:animEffect>
+                                  </p:childTnLst>
+                                </p:cTn>
+                              </p:par>
+                            </p:childTnLst>
+                          </p:cTn>
+                        </p:par>
+                      </p:childTnLst>
+                    </p:cTn>
+                  </p:par>
+                  <p:par>
+                    <p:cTn id="15" fill="hold">
+                      <p:stCondLst>
+                        <p:cond delay="indefinite"/>
+                      </p:stCondLst>
+                      <p:childTnLst>
+                        <p:par>
+                          <p:cTn id="16" fill="hold">
+                            <p:stCondLst>
+                              <p:cond delay="0"/>
+                            </p:stCondLst>
+                            <p:childTnLst>
+                              <p:par>
+                                <p:cTn id="17" presetID="42" presetClass="entr" presetSubtype="0" fill="hold" grpId="0" nodeType="clickEffect">
+                                  <p:stCondLst>
+                                    <p:cond delay="0"/>
+                                  </p:stCondLst>
+                                  <p:childTnLst>
+                                    <p:set>
+                                      <p:cBhvr>
+                                        <p:cTn id="18" dur="1" fill="hold">
+                                          <p:stCondLst>
+                                            <p:cond delay="0"/>
+                                          </p:stCondLst>
+                                        </p:cTn>
+                                        <p:tgtEl>
+                                          <p:spTgt spid="15"/>
+                                        </p:tgtEl>
+                                        <p:attrNameLst>
+                                          <p:attrName>style.visibility</p:attrName>
+                                        </p:attrNameLst>
+                                      </p:cBhvr>
+                                      <p:to>
+                                        <p:strVal val="visible"/>
+                                      </p:to>
+                                    </p:set>
+                                    <p:animEffect transition="in" filter="fade">
+                                      <p:cBhvr>
+                                        <p:cTn id="19" dur="1000"/>
+                                        <p:tgtEl>
+                                          <p:spTgt spid="15"/>
+                                        </p:tgtEl>
+                                      </p:cBhvr>
+                                    </p:animEffect>
+                                    <p:anim calcmode="lin" valueType="num">
+                                      <p:cBhvr>
+                                        <p:cTn id="20" dur="1000" fill="hold"/>
+                                        <p:tgtEl>
+                                          <p:spTgt spid="15"/>
+                                        </p:tgtEl>
+                                        <p:attrNameLst>
+                                          <p:attrName>ppt_x</p:attrName>
+                                        </p:attrNameLst>
+                                      </p:cBhvr>
+                                      <p:tavLst>
+                                        <p:tav tm="0">
+                                          <p:val>
+                                            <p:strVal val="#ppt_x"/>
+                                          </p:val>
+                                        </p:tav>
+                                        <p:tav tm="100000">
+                                          <p:val>
+                                            <p:strVal val="#ppt_x"/>
+                                          </p:val>
+                                        </p:tav>
+                                      </p:tavLst>
+                                    </p:anim>
+                                    <p:anim calcmode="lin" valueType="num">
+                                      <p:cBhvr>
+                                        <p:cTn id="21" dur="1000" fill="hold"/>
+                                        <p:tgtEl>
+                                          <p:spTgt spid="15"/>
+                                        </p:tgtEl>
+                                        <p:attrNameLst>
+                                          <p:attrName>ppt_y</p:attrName>
+                                        </p:attrNameLst>
+                                      </p:cBhvr>
+                                      <p:tavLst>
+                                        <p:tav tm="0">
+                                          <p:val>
+                                            <p:strVal val="#ppt_y+.1"/>
+                                          </p:val>
+                                        </p:tav>
+                                        <p:tav tm="100000">
+                                          <p:val>
+                                            <p:strVal val="#ppt_y"/>
+                                          </p:val>
+                                        </p:tav>
+                                      </p:tavLst>
+                                    </p:anim>
+                                  </p:childTnLst>
+                                </p:cTn>
+                              </p:par>
+                              <p:par>
+                                <p:cTn id="22" presetID="53" presetClass="entr" presetSubtype="16" fill="hold" grpId="0" nodeType="withEffect">
+                                  <p:stCondLst>
+                                    <p:cond delay="0"/>
+                                  </p:stCondLst>
+                                  <p:childTnLst>
+                                    <p:set>
+                                      <p:cBhvr>
+                                        <p:cTn id="23" dur="1" fill="hold">
+                                          <p:stCondLst>
+                                            <p:cond delay="0"/>
+                                          </p:stCondLst>
+                                        </p:cTn>
+                                        <p:tgtEl>
+                                          <p:spTgt spid="6"/>
+                                        </p:tgtEl>
+                                        <p:attrNameLst>
+                                          <p:attrName>style.visibility</p:attrName>
+                                        </p:attrNameLst>
+                                      </p:cBhvr>
+                                      <p:to>
+                                        <p:strVal val="visible"/>
+                                      </p:to>
+                                    </p:set>
+                                    <p:anim calcmode="lin" valueType="num">
+                                      <p:cBhvr>
+                                        <p:cTn id="24" dur="1000" fill="hold"/>
+                                        <p:tgtEl>
+                                          <p:spTgt spid="6"/>
+                                        </p:tgtEl>
+                                        <p:attrNameLst>
+                                          <p:attrName>ppt_w</p:attrName>
+                                        </p:attrNameLst>
+                                      </p:cBhvr>
+                                      <p:tavLst>
+                                        <p:tav tm="0">
+                                          <p:val>
+                                            <p:fltVal val="0"/>
+                                          </p:val>
+                                        </p:tav>
+                                        <p:tav tm="100000">
+                                          <p:val>
+                                            <p:strVal val="#ppt_w"/>
+                                          </p:val>
+                                        </p:tav>
+                                      </p:tavLst>
+                                    </p:anim>
+                                    <p:anim calcmode="lin" valueType="num">
+                                      <p:cBhvr>
+                                        <p:cTn id="25" dur="1000" fill="hold"/>
+                                        <p:tgtEl>
+                                          <p:spTgt spid="6"/>
+                                        </p:tgtEl>
+                                        <p:attrNameLst>
+                                          <p:attrName>ppt_h</p:attrName>
+                                        </p:attrNameLst>
+                                      </p:cBhvr>
+                                      <p:tavLst>
+                                        <p:tav tm="0">
+                                          <p:val>
+                                            <p:fltVal val="0"/>
+                                          </p:val>
+                                        </p:tav>
+                                        <p:tav tm="100000">
+                                          <p:val>
+                                            <p:strVal val="#ppt_h"/>
+                                          </p:val>
+                                        </p:tav>
+                                      </p:tavLst>
+                                    </p:anim>
+                                    <p:animEffect transition="in" filter="fade">
+                                      <p:cBhvr>
+                                        <p:cTn id="26" dur="1000"/>
+                                        <p:tgtEl>
+                                          <p:spTgt spid="6"/>
+                                        </p:tgtEl>
+                                      </p:cBhvr>
+                                    </p:animEffect>
+                                  </p:childTnLst>
+                                </p:cTn>
+                              </p:par>
+                            </p:childTnLst>
+                          </p:cTn>
+                        </p:par>
+                      </p:childTnLst>
+                    </p:cTn>
+                  </p:par>
+                  <p:par>
+                    <p:cTn id="27" fill="hold">
+                      <p:stCondLst>
+                        <p:cond delay="indefinite"/>
+                      </p:stCondLst>
+                      <p:childTnLst>
+                        <p:par>
+                          <p:cTn id="28" fill="hold">
+                            <p:stCondLst>
+                              <p:cond delay="0"/>
+                            </p:stCondLst>
+                            <p:childTnLst>
+                              <p:par>
+                                <p:cTn id="29" presetID="42" presetClass="entr" presetSubtype="0" fill="hold" grpId="0" nodeType="clickEffect">
+                                  <p:stCondLst>
+                                    <p:cond delay="0"/>
+                                  </p:stCondLst>
+                                  <p:childTnLst>
+                                    <p:set>
+                                      <p:cBhvr>
+                                        <p:cTn id="30" dur="1" fill="hold">
+                                          <p:stCondLst>
+                                            <p:cond delay="0"/>
+                                          </p:stCondLst>
+                                        </p:cTn>
+                                        <p:tgtEl>
+                                          <p:spTgt spid="14"/>
+                                        </p:tgtEl>
+                                        <p:attrNameLst>
+                                          <p:attrName>style.visibility</p:attrName>
+                                        </p:attrNameLst>
+                                      </p:cBhvr>
+                                      <p:to>
+                                        <p:strVal val="visible"/>
+                                      </p:to>
+                                    </p:set>
+                                    <p:animEffect transition="in" filter="fade">
+                                      <p:cBhvr>
+                                        <p:cTn id="31" dur="1000"/>
+                                        <p:tgtEl>
+                                          <p:spTgt spid="14"/>
+                                        </p:tgtEl>
+                                      </p:cBhvr>
+                                    </p:animEffect>
+                                    <p:anim calcmode="lin" valueType="num">
+                                      <p:cBhvr>
+                                        <p:cTn id="32" dur="1000" fill="hold"/>
+                                        <p:tgtEl>
+                                          <p:spTgt spid="14"/>
+                                        </p:tgtEl>
+                                        <p:attrNameLst>
+                                          <p:attrName>ppt_x</p:attrName>
+                                        </p:attrNameLst>
+                                      </p:cBhvr>
+                                      <p:tavLst>
+                                        <p:tav tm="0">
+                                          <p:val>
+                                            <p:strVal val="#ppt_x"/>
+                                          </p:val>
+                                        </p:tav>
+                                        <p:tav tm="100000">
+                                          <p:val>
+                                            <p:strVal val="#ppt_x"/>
+                                          </p:val>
+                                        </p:tav>
+                                      </p:tavLst>
+                                    </p:anim>
+                                    <p:anim calcmode="lin" valueType="num">
+                                      <p:cBhvr>
+                                        <p:cTn id="33" dur="1000" fill="hold"/>
+                                        <p:tgtEl>
+                                          <p:spTgt spid="14"/>
+                                        </p:tgtEl>
+                                        <p:attrNameLst>
+                                          <p:attrName>ppt_y</p:attrName>
+                                        </p:attrNameLst>
+                                      </p:cBhvr>
+                                      <p:tavLst>
+                                        <p:tav tm="0">
+                                          <p:val>
+                                            <p:strVal val="#ppt_y+.1"/>
+                                          </p:val>
+                                        </p:tav>
+                                        <p:tav tm="100000">
+                                          <p:val>
+                                            <p:strVal val="#ppt_y"/>
+                                          </p:val>
+                                        </p:tav>
+                                      </p:tavLst>
+                                    </p:anim>
+                                  </p:childTnLst>
+                                </p:cTn>
+                              </p:par>
+                              <p:par>
+                                <p:cTn id="34" presetID="53" presetClass="entr" presetSubtype="16" fill="hold" grpId="0" nodeType="withEffect">
+                                  <p:stCondLst>
+                                    <p:cond delay="0"/>
+                                  </p:stCondLst>
+                                  <p:childTnLst>
+                                    <p:set>
+                                      <p:cBhvr>
+                                        <p:cTn id="35" dur="1" fill="hold">
+                                          <p:stCondLst>
+                                            <p:cond delay="0"/>
+                                          </p:stCondLst>
+                                        </p:cTn>
+                                        <p:tgtEl>
+                                          <p:spTgt spid="7"/>
+                                        </p:tgtEl>
+                                        <p:attrNameLst>
+                                          <p:attrName>style.visibility</p:attrName>
+                                        </p:attrNameLst>
+                                      </p:cBhvr>
+                                      <p:to>
+                                        <p:strVal val="visible"/>
+                                      </p:to>
+                                    </p:set>
+                                    <p:anim calcmode="lin" valueType="num">
+                                      <p:cBhvr>
+                                        <p:cTn id="36" dur="1000" fill="hold"/>
+                                        <p:tgtEl>
+                                          <p:spTgt spid="7"/>
+                                        </p:tgtEl>
+                                        <p:attrNameLst>
+                                          <p:attrName>ppt_w</p:attrName>
+                                        </p:attrNameLst>
+                                      </p:cBhvr>
+                                      <p:tavLst>
+                                        <p:tav tm="0">
+                                          <p:val>
+                                            <p:fltVal val="0"/>
+                                          </p:val>
+                                        </p:tav>
+                                        <p:tav tm="100000">
+                                          <p:val>
+                                            <p:strVal val="#ppt_w"/>
+                                          </p:val>
+                                        </p:tav>
+                                      </p:tavLst>
+                                    </p:anim>
+                                    <p:anim calcmode="lin" valueType="num">
+                                      <p:cBhvr>
+                                        <p:cTn id="37" dur="1000" fill="hold"/>
+                                        <p:tgtEl>
+                                          <p:spTgt spid="7"/>
+                                        </p:tgtEl>
+                                        <p:attrNameLst>
+                                          <p:attrName>ppt_h</p:attrName>
+                                        </p:attrNameLst>
+                                      </p:cBhvr>
+                                      <p:tavLst>
+                                        <p:tav tm="0">
+                                          <p:val>
+                                            <p:fltVal val="0"/>
+                                          </p:val>
+                                        </p:tav>
+                                        <p:tav tm="100000">
+                                          <p:val>
+                                            <p:strVal val="#ppt_h"/>
+                                          </p:val>
+                                        </p:tav>
+                                      </p:tavLst>
+                                    </p:anim>
+                                    <p:animEffect transition="in" filter="fade">
+                                      <p:cBhvr>
+                                        <p:cTn id="38" dur="1000"/>
+                                        <p:tgtEl>
+                                          <p:spTgt spid="7"/>
+                                        </p:tgtEl>
+                                      </p:cBhvr>
+                                    </p:animEffect>
+                                  </p:childTnLst>
+                                </p:cTn>
+                              </p:par>
+                            </p:childTnLst>
+                          </p:cTn>
+                        </p:par>
+                      </p:childTnLst>
+                    </p:cTn>
+                  </p:par>
+                  <p:par>
+                    <p:cTn id="39" fill="hold">
+                      <p:stCondLst>
+                        <p:cond delay="indefinite"/>
+                      </p:stCondLst>
+                      <p:childTnLst>
+                        <p:par>
+                          <p:cTn id="40" fill="hold">
+                            <p:stCondLst>
+                              <p:cond delay="0"/>
+                            </p:stCondLst>
+                            <p:childTnLst>
+                              <p:par>
+                                <p:cTn id="41" presetID="42" presetClass="entr" presetSubtype="0" fill="hold" grpId="0" nodeType="clickEffect">
+                                  <p:stCondLst>
+                                    <p:cond delay="0"/>
+                                  </p:stCondLst>
+                                  <p:childTnLst>
+                                    <p:set>
+                                      <p:cBhvr>
+                                        <p:cTn id="42" dur="1" fill="hold">
+                                          <p:stCondLst>
+                                            <p:cond delay="0"/>
+                                          </p:stCondLst>
+                                        </p:cTn>
+                                        <p:tgtEl>
+                                          <p:spTgt spid="10"/>
+                                        </p:tgtEl>
+                                        <p:attrNameLst>
+                                          <p:attrName>style.visibility</p:attrName>
+                                        </p:attrNameLst>
+                                      </p:cBhvr>
+                                      <p:to>
+                                        <p:strVal val="visible"/>
+                                      </p:to>
+                                    </p:set>
+                                    <p:animEffect transition="in" filter="fade">
+                                      <p:cBhvr>
+                                        <p:cTn id="43" dur="1000"/>
+                                        <p:tgtEl>
+                                          <p:spTgt spid="10"/>
+                                        </p:tgtEl>
+                                      </p:cBhvr>
+                                    </p:animEffect>
+                                    <p:anim calcmode="lin" valueType="num">
+                                      <p:cBhvr>
+                                        <p:cTn id="44" dur="1000" fill="hold"/>
+                                        <p:tgtEl>
+                                          <p:spTgt spid="10"/>
+                                        </p:tgtEl>
+                                        <p:attrNameLst>
+                                          <p:attrName>ppt_x</p:attrName>
+                                        </p:attrNameLst>
+                                      </p:cBhvr>
+                                      <p:tavLst>
+                                        <p:tav tm="0">
+                                          <p:val>
+                                            <p:strVal val="#ppt_x"/>
+                                          </p:val>
+                                        </p:tav>
+                                        <p:tav tm="100000">
+                                          <p:val>
+                                            <p:strVal val="#ppt_x"/>
+                                          </p:val>
+                                        </p:tav>
+                                      </p:tavLst>
+                                    </p:anim>
+                                    <p:anim calcmode="lin" valueType="num">
+                                      <p:cBhvr>
+                                        <p:cTn id="45" dur="1000" fill="hold"/>
+                                        <p:tgtEl>
+                                          <p:spTgt spid="10"/>
+                                        </p:tgtEl>
+                                        <p:attrNameLst>
+                                          <p:attrName>ppt_y</p:attrName>
+                                        </p:attrNameLst>
+                                      </p:cBhvr>
+                                      <p:tavLst>
+                                        <p:tav tm="0">
+                                          <p:val>
+                                            <p:strVal val="#ppt_y+.1"/>
+                                          </p:val>
+                                        </p:tav>
+                                        <p:tav tm="100000">
+                                          <p:val>
+                                            <p:strVal val="#ppt_y"/>
+                                          </p:val>
+                                        </p:tav>
+                                      </p:tavLst>
+                                    </p:anim>
+                                  </p:childTnLst>
+                                </p:cTn>
+                              </p:par>
+                              <p:par>
+                                <p:cTn id="46" presetID="53" presetClass="entr" presetSubtype="16" fill="hold" grpId="0" nodeType="withEffect">
+                                  <p:stCondLst>
+                                    <p:cond delay="0"/>
+                                  </p:stCondLst>
+                                  <p:childTnLst>
+                                    <p:set>
+                                      <p:cBhvr>
+                                        <p:cTn id="47" dur="1" fill="hold">
+                                          <p:stCondLst>
+                                            <p:cond delay="0"/>
+                                          </p:stCondLst>
+                                        </p:cTn>
+                                        <p:tgtEl>
+                                          <p:spTgt spid="18"/>
+                                        </p:tgtEl>
+                                        <p:attrNameLst>
+                                          <p:attrName>style.visibility</p:attrName>
+                                        </p:attrNameLst>
+                                      </p:cBhvr>
+                                      <p:to>
+                                        <p:strVal val="visible"/>
+                                      </p:to>
+                                    </p:set>
+                                    <p:anim calcmode="lin" valueType="num">
+                                      <p:cBhvr>
+                                        <p:cTn id="48" dur="1000" fill="hold"/>
+                                        <p:tgtEl>
+                                          <p:spTgt spid="18"/>
+                                        </p:tgtEl>
+                                        <p:attrNameLst>
+                                          <p:attrName>ppt_w</p:attrName>
+                                        </p:attrNameLst>
+                                      </p:cBhvr>
+                                      <p:tavLst>
+                                        <p:tav tm="0">
+                                          <p:val>
+                                            <p:fltVal val="0"/>
+                                          </p:val>
+                                        </p:tav>
+                                        <p:tav tm="100000">
+                                          <p:val>
+                                            <p:strVal val="#ppt_w"/>
+                                          </p:val>
+                                        </p:tav>
+                                      </p:tavLst>
+                                    </p:anim>
+                                    <p:anim calcmode="lin" valueType="num">
+                                      <p:cBhvr>
+                                        <p:cTn id="49" dur="1000" fill="hold"/>
+                                        <p:tgtEl>
+                                          <p:spTgt spid="18"/>
+                                        </p:tgtEl>
+                                        <p:attrNameLst>
+                                          <p:attrName>ppt_h</p:attrName>
+                                        </p:attrNameLst>
+                                      </p:cBhvr>
+                                      <p:tavLst>
+                                        <p:tav tm="0">
+                                          <p:val>
+                                            <p:fltVal val="0"/>
+                                          </p:val>
+                                        </p:tav>
+                                        <p:tav tm="100000">
+                                          <p:val>
+                                            <p:strVal val="#ppt_h"/>
+                                          </p:val>
+                                        </p:tav>
+                                      </p:tavLst>
+                                    </p:anim>
+                                    <p:animEffect transition="in" filter="fade">
+                                      <p:cBhvr>
+                                        <p:cTn id="50" dur="1000"/>
+                                        <p:tgtEl>
+                                          <p:spTgt spid="18"/>
+                                        </p:tgtEl>
+                                      </p:cBhvr>
+                                    </p:animEffect>
+                                  </p:childTnLst>
+                                </p:cTn>
+                              </p:par>
+                            </p:childTnLst>
+                          </p:cTn>
+                        </p:par>
+                      </p:childTnLst>
+                    </p:cTn>
+                  </p:par>
+                  <p:par>
+                    <p:cTn id="51" fill="hold">
+                      <p:stCondLst>
+                        <p:cond delay="indefinite"/>
+                      </p:stCondLst>
+                      <p:childTnLst>
+                        <p:par>
+                          <p:cTn id="52" fill="hold">
+                            <p:stCondLst>
+                              <p:cond delay="0"/>
+                            </p:stCondLst>
+                            <p:childTnLst>
+                              <p:par>
+                                <p:cTn id="53" presetID="42" presetClass="entr" presetSubtype="0" fill="hold" grpId="0" nodeType="clickEffect">
+                                  <p:stCondLst>
+                                    <p:cond delay="0"/>
+                                  </p:stCondLst>
+                                  <p:childTnLst>
+                                    <p:set>
+                                      <p:cBhvr>
+                                        <p:cTn id="54" dur="1" fill="hold">
+                                          <p:stCondLst>
+                                            <p:cond delay="0"/>
+                                          </p:stCondLst>
+                                        </p:cTn>
+                                        <p:tgtEl>
+                                          <p:spTgt spid="9"/>
+                                        </p:tgtEl>
+                                        <p:attrNameLst>
+                                          <p:attrName>style.visibility</p:attrName>
+                                        </p:attrNameLst>
+                                      </p:cBhvr>
+                                      <p:to>
+                                        <p:strVal val="visible"/>
+                                      </p:to>
+                                    </p:set>
+                                    <p:animEffect transition="in" filter="fade">
+                                      <p:cBhvr>
+                                        <p:cTn id="55" dur="1000"/>
+                                        <p:tgtEl>
+                                          <p:spTgt spid="9"/>
+                                        </p:tgtEl>
+                                      </p:cBhvr>
+                                    </p:animEffect>
+                                    <p:anim calcmode="lin" valueType="num">
+                                      <p:cBhvr>
+                                        <p:cTn id="56" dur="1000" fill="hold"/>
+                                        <p:tgtEl>
+                                          <p:spTgt spid="9"/>
+                                        </p:tgtEl>
+                                        <p:attrNameLst>
+                                          <p:attrName>ppt_x</p:attrName>
+                                        </p:attrNameLst>
+                                      </p:cBhvr>
+                                      <p:tavLst>
+                                        <p:tav tm="0">
+                                          <p:val>
+                                            <p:strVal val="#ppt_x"/>
+                                          </p:val>
+                                        </p:tav>
+                                        <p:tav tm="100000">
+                                          <p:val>
+                                            <p:strVal val="#ppt_x"/>
+                                          </p:val>
+                                        </p:tav>
+                                      </p:tavLst>
+                                    </p:anim>
+                                    <p:anim calcmode="lin" valueType="num">
+                                      <p:cBhvr>
+                                        <p:cTn id="57" dur="1000" fill="hold"/>
+                                        <p:tgtEl>
+                                          <p:spTgt spid="9"/>
+                                        </p:tgtEl>
+                                        <p:attrNameLst>
+                                          <p:attrName>ppt_y</p:attrName>
+                                        </p:attrNameLst>
+                                      </p:cBhvr>
+                                      <p:tavLst>
+                                        <p:tav tm="0">
+                                          <p:val>
+                                            <p:strVal val="#ppt_y+.1"/>
+                                          </p:val>
+                                        </p:tav>
+                                        <p:tav tm="100000">
+                                          <p:val>
+                                            <p:strVal val="#ppt_y"/>
+                                          </p:val>
+                                        </p:tav>
+                                      </p:tavLst>
+                                    </p:anim>
+                                  </p:childTnLst>
+                                </p:cTn>
+                              </p:par>
+                              <p:par>
+                                <p:cTn id="58" presetID="53" presetClass="entr" presetSubtype="16" fill="hold" grpId="0" nodeType="withEffect">
+                                  <p:stCondLst>
+                                    <p:cond delay="0"/>
+                                  </p:stCondLst>
+                                  <p:childTnLst>
+                                    <p:set>
+                                      <p:cBhvr>
+                                        <p:cTn id="59" dur="1" fill="hold">
+                                          <p:stCondLst>
+                                            <p:cond delay="0"/>
+                                          </p:stCondLst>
+                                        </p:cTn>
+                                        <p:tgtEl>
+                                          <p:spTgt spid="19"/>
+                                        </p:tgtEl>
+                                        <p:attrNameLst>
+                                          <p:attrName>style.visibility</p:attrName>
+                                        </p:attrNameLst>
+                                      </p:cBhvr>
+                                      <p:to>
+                                        <p:strVal val="visible"/>
+                                      </p:to>
+                                    </p:set>
+                                    <p:anim calcmode="lin" valueType="num">
+                                      <p:cBhvr>
+                                        <p:cTn id="60" dur="1000" fill="hold"/>
+                                        <p:tgtEl>
+                                          <p:spTgt spid="19"/>
+                                        </p:tgtEl>
+                                        <p:attrNameLst>
+                                          <p:attrName>ppt_w</p:attrName>
+                                        </p:attrNameLst>
+                                      </p:cBhvr>
+                                      <p:tavLst>
+                                        <p:tav tm="0">
+                                          <p:val>
+                                            <p:fltVal val="0"/>
+                                          </p:val>
+                                        </p:tav>
+                                        <p:tav tm="100000">
+                                          <p:val>
+                                            <p:strVal val="#ppt_w"/>
+                                          </p:val>
+                                        </p:tav>
+                                      </p:tavLst>
+                                    </p:anim>
+                                    <p:anim calcmode="lin" valueType="num">
+                                      <p:cBhvr>
+                                        <p:cTn id="61" dur="1000" fill="hold"/>
+                                        <p:tgtEl>
+                                          <p:spTgt spid="19"/>
+                                        </p:tgtEl>
+                                        <p:attrNameLst>
+                                          <p:attrName>ppt_h</p:attrName>
+                                        </p:attrNameLst>
+                                      </p:cBhvr>
+                                      <p:tavLst>
+                                        <p:tav tm="0">
+                                          <p:val>
+                                            <p:fltVal val="0"/>
+                                          </p:val>
+                                        </p:tav>
+                                        <p:tav tm="100000">
+                                          <p:val>
+                                            <p:strVal val="#ppt_h"/>
+                                          </p:val>
+                                        </p:tav>
+                                      </p:tavLst>
+                                    </p:anim>
+                                    <p:animEffect transition="in" filter="fade">
+                                      <p:cBhvr>
+                                        <p:cTn id="62" dur="1000"/>
+                                        <p:tgtEl>
+                                          <p:spTgt spid="19"/>
+                                        </p:tgtEl>
+                                      </p:cBhvr>
+                                    </p:animEffect>
+                                  </p:childTnLst>
+                                </p:cTn>
+                              </p:par>
+                            </p:childTnLst>
+                          </p:cTn>
+                        </p:par>
+                      </p:childTnLst>
+                    </p:cTn>
+                  </p:par>
+                  <p:par>
+                    <p:cTn id="63" fill="hold">
+                      <p:stCondLst>
+                        <p:cond delay="indefinite"/>
+                      </p:stCondLst>
+                      <p:childTnLst>
+                        <p:par>
+                          <p:cTn id="64" fill="hold">
+                            <p:stCondLst>
+                              <p:cond delay="0"/>
+                            </p:stCondLst>
+                            <p:childTnLst>
+                              <p:par>
+                                <p:cTn id="65" presetID="42" presetClass="entr" presetSubtype="0" fill="hold" grpId="0" nodeType="clickEffect">
+                                  <p:stCondLst>
+                                    <p:cond delay="0"/>
+                                  </p:stCondLst>
+                                  <p:childTnLst>
+                                    <p:set>
+                                      <p:cBhvr>
+                                        <p:cTn id="66" dur="1" fill="hold">
+                                          <p:stCondLst>
+                                            <p:cond delay="0"/>
+                                          </p:stCondLst>
+                                        </p:cTn>
+                                        <p:tgtEl>
+                                          <p:spTgt spid="17"/>
+                                        </p:tgtEl>
+                                        <p:attrNameLst>
+                                          <p:attrName>style.visibility</p:attrName>
+                                        </p:attrNameLst>
+                                      </p:cBhvr>
+                                      <p:to>
+                                        <p:strVal val="visible"/>
+                                      </p:to>
+                                    </p:set>
+                                    <p:animEffect transition="in" filter="fade">
+                                      <p:cBhvr>
+                                        <p:cTn id="67" dur="1000"/>
+                                        <p:tgtEl>
+                                          <p:spTgt spid="17"/>
+                                        </p:tgtEl>
+                                      </p:cBhvr>
+                                    </p:animEffect>
+                                    <p:anim calcmode="lin" valueType="num">
+                                      <p:cBhvr>
+                                        <p:cTn id="68" dur="1000" fill="hold"/>
+                                        <p:tgtEl>
+                                          <p:spTgt spid="17"/>
+                                        </p:tgtEl>
+                                        <p:attrNameLst>
+                                          <p:attrName>ppt_x</p:attrName>
+                                        </p:attrNameLst>
+                                      </p:cBhvr>
+                                      <p:tavLst>
+                                        <p:tav tm="0">
+                                          <p:val>
+                                            <p:strVal val="#ppt_x"/>
+                                          </p:val>
+                                        </p:tav>
+                                        <p:tav tm="100000">
+                                          <p:val>
+                                            <p:strVal val="#ppt_x"/>
+                                          </p:val>
+                                        </p:tav>
+                                      </p:tavLst>
+                                    </p:anim>
+                                    <p:anim calcmode="lin" valueType="num">
+                                      <p:cBhvr>
+                                        <p:cTn id="69" dur="1000" fill="hold"/>
+                                        <p:tgtEl>
+                                          <p:spTgt spid="17"/>
+                                        </p:tgtEl>
+                                        <p:attrNameLst>
+                                          <p:attrName>ppt_y</p:attrName>
+                                        </p:attrNameLst>
+                                      </p:cBhvr>
+                                      <p:tavLst>
+                                        <p:tav tm="0">
+                                          <p:val>
+                                            <p:strVal val="#ppt_y+.1"/>
+                                          </p:val>
+                                        </p:tav>
+                                        <p:tav tm="100000">
+                                          <p:val>
+                                            <p:strVal val="#ppt_y"/>
+                                          </p:val>
+                                        </p:tav>
+                                      </p:tavLst>
+                                    </p:anim>
+                                  </p:childTnLst>
+                                </p:cTn>
+                              </p:par>
+                              <p:par>
+                                <p:cTn id="70" presetID="53" presetClass="entr" presetSubtype="16" fill="hold" grpId="0" nodeType="withEffect">
+                                  <p:stCondLst>
+                                    <p:cond delay="0"/>
+                                  </p:stCondLst>
+                                  <p:childTnLst>
+                                    <p:set>
+                                      <p:cBhvr>
+                                        <p:cTn id="71" dur="1" fill="hold">
+                                          <p:stCondLst>
+                                            <p:cond delay="0"/>
+                                          </p:stCondLst>
+                                        </p:cTn>
+                                        <p:tgtEl>
+                                          <p:spTgt spid="20"/>
+                                        </p:tgtEl>
+                                        <p:attrNameLst>
+                                          <p:attrName>style.visibility</p:attrName>
+                                        </p:attrNameLst>
+                                      </p:cBhvr>
+                                      <p:to>
+                                        <p:strVal val="visible"/>
+                                      </p:to>
+                                    </p:set>
+                                    <p:anim calcmode="lin" valueType="num">
+                                      <p:cBhvr>
+                                        <p:cTn id="72" dur="1000" fill="hold"/>
+                                        <p:tgtEl>
+                                          <p:spTgt spid="20"/>
+                                        </p:tgtEl>
+                                        <p:attrNameLst>
+                                          <p:attrName>ppt_w</p:attrName>
+                                        </p:attrNameLst>
+                                      </p:cBhvr>
+                                      <p:tavLst>
+                                        <p:tav tm="0">
+                                          <p:val>
+                                            <p:fltVal val="0"/>
+                                          </p:val>
+                                        </p:tav>
+                                        <p:tav tm="100000">
+                                          <p:val>
+                                            <p:strVal val="#ppt_w"/>
+                                          </p:val>
+                                        </p:tav>
+                                      </p:tavLst>
+                                    </p:anim>
+                                    <p:anim calcmode="lin" valueType="num">
+                                      <p:cBhvr>
+                                        <p:cTn id="73" dur="1000" fill="hold"/>
+                                        <p:tgtEl>
+                                          <p:spTgt spid="20"/>
+                                        </p:tgtEl>
+                                        <p:attrNameLst>
+                                          <p:attrName>ppt_h</p:attrName>
+                                        </p:attrNameLst>
+                                      </p:cBhvr>
+                                      <p:tavLst>
+                                        <p:tav tm="0">
+                                          <p:val>
+                                            <p:fltVal val="0"/>
+                                          </p:val>
+                                        </p:tav>
+                                        <p:tav tm="100000">
+                                          <p:val>
+                                            <p:strVal val="#ppt_h"/>
+                                          </p:val>
+                                        </p:tav>
+                                      </p:tavLst>
+                                    </p:anim>
+                                    <p:animEffect transition="in" filter="fade">
+                                      <p:cBhvr>
+                                        <p:cTn id="74" dur="1000"/>
+                                        <p:tgtEl>
+                                          <p:spTgt spid="20"/>
+                                        </p:tgtEl>
+                                      </p:cBhvr>
+                                    </p:animEffect>
+                                  </p:childTnLst>
+                                </p:cTn>
+                              </p:par>
+                            </p:childTnLst>
+                          </p:cTn>
+                        </p:par>
+                      </p:childTnLst>
+                    </p:cTn>
+                  </p:par>
+                  <p:par>
+                    <p:cTn id="75" fill="hold">
+                      <p:stCondLst>
+                        <p:cond delay="indefinite"/>
+                      </p:stCondLst>
+                      <p:childTnLst>
+                        <p:par>
+                          <p:cTn id="76" fill="hold">
+                            <p:stCondLst>
+                              <p:cond delay="0"/>
+                            </p:stCondLst>
+                            <p:childTnLst>
+                              <p:par>
+                                <p:cTn id="77" presetID="42" presetClass="entr" presetSubtype="0" fill="hold" grpId="0" nodeType="clickEffect">
+                                  <p:stCondLst>
+                                    <p:cond delay="0"/>
+                                  </p:stCondLst>
+                                  <p:childTnLst>
+                                    <p:set>
+                                      <p:cBhvr>
+                                        <p:cTn id="78" dur="1" fill="hold">
+                                          <p:stCondLst>
+                                            <p:cond delay="0"/>
+                                          </p:stCondLst>
+                                        </p:cTn>
+                                        <p:tgtEl>
+                                          <p:spTgt spid="3"/>
+                                        </p:tgtEl>
+                                        <p:attrNameLst>
+                                          <p:attrName>style.visibility</p:attrName>
+                                        </p:attrNameLst>
+                                      </p:cBhvr>
+                                      <p:to>
+                                        <p:strVal val="visible"/>
+                                      </p:to>
+                                    </p:set>
+                                    <p:animEffect transition="in" filter="fade">
+                                      <p:cBhvr>
+                                        <p:cTn id="79" dur="1000"/>
+                                        <p:tgtEl>
+                                          <p:spTgt spid="3"/>
+                                        </p:tgtEl>
+                                      </p:cBhvr>
+                                    </p:animEffect>
+                                    <p:anim calcmode="lin" valueType="num">
+                                      <p:cBhvr>
+                                        <p:cTn id="80" dur="1000" fill="hold"/>
+                                        <p:tgtEl>
+                                          <p:spTgt spid="3"/>
+                                        </p:tgtEl>
+                                        <p:attrNameLst>
+                                          <p:attrName>ppt_x</p:attrName>
+                                        </p:attrNameLst>
+                                      </p:cBhvr>
+                                      <p:tavLst>
+                                        <p:tav tm="0">
+                                          <p:val>
+                                            <p:strVal val="#ppt_x"/>
+                                          </p:val>
+                                        </p:tav>
+                                        <p:tav tm="100000">
+                                          <p:val>
+                                            <p:strVal val="#ppt_x"/>
+                                          </p:val>
+                                        </p:tav>
+                                      </p:tavLst>
+                                    </p:anim>
+                                    <p:anim calcmode="lin" valueType="num">
+                                      <p:cBhvr>
+                                        <p:cTn id="81" dur="1000" fill="hold"/>
+                                        <p:tgtEl>
+                                          <p:spTgt spid="3"/>
+                                        </p:tgtEl>
+                                        <p:attrNameLst>
+                                          <p:attrName>ppt_y</p:attrName>
+                                        </p:attrNameLst>
+                                      </p:cBhvr>
+                                      <p:tavLst>
+                                        <p:tav tm="0">
+                                          <p:val>
+                                            <p:strVal val="#ppt_y+.1"/>
+                                          </p:val>
+                                        </p:tav>
+                                        <p:tav tm="100000">
+                                          <p:val>
+                                            <p:strVal val="#ppt_y"/>
+                                          </p:val>
+                                        </p:tav>
+                                      </p:tavLst>
+                                    </p:anim>
+                                  </p:childTnLst>
+                                </p:cTn>
+                              </p:par>
+                              <p:par>
+                                <p:cTn id="82" presetID="53" presetClass="entr" presetSubtype="16" fill="hold" grpId="0" nodeType="withEffect">
+                                  <p:stCondLst>
+                                    <p:cond delay="0"/>
+                                  </p:stCondLst>
+                                  <p:childTnLst>
+                                    <p:set>
+                                      <p:cBhvr>
+                                        <p:cTn id="83" dur="1" fill="hold">
+                                          <p:stCondLst>
+                                            <p:cond delay="0"/>
+                                          </p:stCondLst>
+                                        </p:cTn>
+                                        <p:tgtEl>
+                                          <p:spTgt spid="21"/>
+                                        </p:tgtEl>
+                                        <p:attrNameLst>
+                                          <p:attrName>style.visibility</p:attrName>
+                                        </p:attrNameLst>
+                                      </p:cBhvr>
+                                      <p:to>
+                                        <p:strVal val="visible"/>
+                                      </p:to>
+                                    </p:set>
+                                    <p:anim calcmode="lin" valueType="num">
+                                      <p:cBhvr>
+                                        <p:cTn id="84" dur="1000" fill="hold"/>
+                                        <p:tgtEl>
+                                          <p:spTgt spid="21"/>
+                                        </p:tgtEl>
+                                        <p:attrNameLst>
+                                          <p:attrName>ppt_w</p:attrName>
+                                        </p:attrNameLst>
+                                      </p:cBhvr>
+                                      <p:tavLst>
+                                        <p:tav tm="0">
+                                          <p:val>
+                                            <p:fltVal val="0"/>
+                                          </p:val>
+                                        </p:tav>
+                                        <p:tav tm="100000">
+                                          <p:val>
+                                            <p:strVal val="#ppt_w"/>
+                                          </p:val>
+                                        </p:tav>
+                                      </p:tavLst>
+                                    </p:anim>
+                                    <p:anim calcmode="lin" valueType="num">
+                                      <p:cBhvr>
+                                        <p:cTn id="85" dur="1000" fill="hold"/>
+                                        <p:tgtEl>
+                                          <p:spTgt spid="21"/>
+                                        </p:tgtEl>
+                                        <p:attrNameLst>
+                                          <p:attrName>ppt_h</p:attrName>
+                                        </p:attrNameLst>
+                                      </p:cBhvr>
+                                      <p:tavLst>
+                                        <p:tav tm="0">
+                                          <p:val>
+                                            <p:fltVal val="0"/>
+                                          </p:val>
+                                        </p:tav>
+                                        <p:tav tm="100000">
+                                          <p:val>
+                                            <p:strVal val="#ppt_h"/>
+                                          </p:val>
+                                        </p:tav>
+                                      </p:tavLst>
+                                    </p:anim>
+                                    <p:animEffect transition="in" filter="fade">
+                                      <p:cBhvr>
+                                        <p:cTn id="86" dur="1000"/>
+                                        <p:tgtEl>
+                                          <p:spTgt spid="21"/>
+                                        </p:tgtEl>
+                                      </p:cBhvr>
+                                    </p:animEffect>
+                                  </p:childTnLst>
+                                </p:cTn>
+                              </p:par>
+                            </p:childTnLst>
+                          </p:cTn>
+                        </p:par>
+                      </p:childTnLst>
+                    </p:cTn>
+                  </p:par>
+                  <p:par>
+                    <p:cTn id="87" fill="hold">
+                      <p:stCondLst>
+                        <p:cond delay="indefinite"/>
+                      </p:stCondLst>
+                      <p:childTnLst>
+                        <p:par>
+                          <p:cTn id="88" fill="hold">
+                            <p:stCondLst>
+                              <p:cond delay="0"/>
+                            </p:stCondLst>
+                            <p:childTnLst>
+                              <p:par>
+                                <p:cTn id="89" presetID="42" presetClass="entr" presetSubtype="0" fill="hold" grpId="0" nodeType="clickEffect">
+                                  <p:stCondLst>
+                                    <p:cond delay="0"/>
+                                  </p:stCondLst>
+                                  <p:childTnLst>
+                                    <p:set>
+                                      <p:cBhvr>
+                                        <p:cTn id="90" dur="1" fill="hold">
+                                          <p:stCondLst>
+                                            <p:cond delay="0"/>
+                                          </p:stCondLst>
+                                        </p:cTn>
+                                        <p:tgtEl>
+                                          <p:spTgt spid="16"/>
+                                        </p:tgtEl>
+                                        <p:attrNameLst>
+                                          <p:attrName>style.visibility</p:attrName>
+                                        </p:attrNameLst>
+                                      </p:cBhvr>
+                                      <p:to>
+                                        <p:strVal val="visible"/>
+                                      </p:to>
+                                    </p:set>
+                                    <p:animEffect transition="in" filter="fade">
+                                      <p:cBhvr>
+                                        <p:cTn id="91" dur="1000"/>
+                                        <p:tgtEl>
+                                          <p:spTgt spid="16"/>
+                                        </p:tgtEl>
+                                      </p:cBhvr>
+                                    </p:animEffect>
+                                    <p:anim calcmode="lin" valueType="num">
+                                      <p:cBhvr>
+                                        <p:cTn id="92" dur="1000" fill="hold"/>
+                                        <p:tgtEl>
+                                          <p:spTgt spid="16"/>
+                                        </p:tgtEl>
+                                        <p:attrNameLst>
+                                          <p:attrName>ppt_x</p:attrName>
+                                        </p:attrNameLst>
+                                      </p:cBhvr>
+                                      <p:tavLst>
+                                        <p:tav tm="0">
+                                          <p:val>
+                                            <p:strVal val="#ppt_x"/>
+                                          </p:val>
+                                        </p:tav>
+                                        <p:tav tm="100000">
+                                          <p:val>
+                                            <p:strVal val="#ppt_x"/>
+                                          </p:val>
+                                        </p:tav>
+                                      </p:tavLst>
+                                    </p:anim>
+                                    <p:anim calcmode="lin" valueType="num">
+                                      <p:cBhvr>
+                                        <p:cTn id="93" dur="1000" fill="hold"/>
+                                        <p:tgtEl>
+                                          <p:spTgt spid="16"/>
+                                        </p:tgtEl>
+                                        <p:attrNameLst>
+                                          <p:attrName>ppt_y</p:attrName>
+                                        </p:attrNameLst>
+                                      </p:cBhvr>
+                                      <p:tavLst>
+                                        <p:tav tm="0">
+                                          <p:val>
+                                            <p:strVal val="#ppt_y+.1"/>
+                                          </p:val>
+                                        </p:tav>
+                                        <p:tav tm="100000">
+                                          <p:val>
+                                            <p:strVal val="#ppt_y"/>
+                                          </p:val>
+                                        </p:tav>
+                                      </p:tavLst>
+                                    </p:anim>
+                                  </p:childTnLst>
+                                </p:cTn>
+                              </p:par>
+                              <p:par>
+                                <p:cTn id="94" presetID="53" presetClass="entr" presetSubtype="16" fill="hold" grpId="0" nodeType="withEffect">
+                                  <p:stCondLst>
+                                    <p:cond delay="0"/>
+                                  </p:stCondLst>
+                                  <p:childTnLst>
+                                    <p:set>
+                                      <p:cBhvr>
+                                        <p:cTn id="95" dur="1" fill="hold">
+                                          <p:stCondLst>
+                                            <p:cond delay="0"/>
+                                          </p:stCondLst>
+                                        </p:cTn>
+                                        <p:tgtEl>
+                                          <p:spTgt spid="22"/>
+                                        </p:tgtEl>
+                                        <p:attrNameLst>
+                                          <p:attrName>style.visibility</p:attrName>
+                                        </p:attrNameLst>
+                                      </p:cBhvr>
+                                      <p:to>
+                                        <p:strVal val="visible"/>
+                                      </p:to>
+                                    </p:set>
+                                    <p:anim calcmode="lin" valueType="num">
+                                      <p:cBhvr>
+                                        <p:cTn id="96" dur="1000" fill="hold"/>
+                                        <p:tgtEl>
+                                          <p:spTgt spid="22"/>
+                                        </p:tgtEl>
+                                        <p:attrNameLst>
+                                          <p:attrName>ppt_w</p:attrName>
+                                        </p:attrNameLst>
+                                      </p:cBhvr>
+                                      <p:tavLst>
+                                        <p:tav tm="0">
+                                          <p:val>
+                                            <p:fltVal val="0"/>
+                                          </p:val>
+                                        </p:tav>
+                                        <p:tav tm="100000">
+                                          <p:val>
+                                            <p:strVal val="#ppt_w"/>
+                                          </p:val>
+                                        </p:tav>
+                                      </p:tavLst>
+                                    </p:anim>
+                                    <p:anim calcmode="lin" valueType="num">
+                                      <p:cBhvr>
+                                        <p:cTn id="97" dur="1000" fill="hold"/>
+                                        <p:tgtEl>
+                                          <p:spTgt spid="22"/>
+                                        </p:tgtEl>
+                                        <p:attrNameLst>
+                                          <p:attrName>ppt_h</p:attrName>
+                                        </p:attrNameLst>
+                                      </p:cBhvr>
+                                      <p:tavLst>
+                                        <p:tav tm="0">
+                                          <p:val>
+                                            <p:fltVal val="0"/>
+                                          </p:val>
+                                        </p:tav>
+                                        <p:tav tm="100000">
+                                          <p:val>
+                                            <p:strVal val="#ppt_h"/>
+                                          </p:val>
+                                        </p:tav>
+                                      </p:tavLst>
+                                    </p:anim>
+                                    <p:animEffect transition="in" filter="fade">
+                                      <p:cBhvr>
+                                        <p:cTn id="98" dur="1000"/>
+                                        <p:tgtEl>
+                                          <p:spTgt spid="22"/>
+                                        </p:tgtEl>
+                                      </p:cBhvr>
+                                    </p:animEffect>
+                                  </p:childTnLst>
+                                </p:cTn>
+                              </p:par>
+                            </p:childTnLst>
+                          </p:cTn>
+                        </p:par>
+                      </p:childTnLst>
+                    </p:cTn>
+                  </p:par>
+                </p:childTnLst>
+              </p:cTn>
+              <p:prevCondLst>
+                <p:cond evt="onPrev" delay="0">
+                  <p:tgtEl>
+                    <p:sldTgt/>
+                  </p:tgtEl>
+                </p:cond>
+              </p:prevCondLst>
+              <p:nextCondLst>
+                <p:cond evt="onNext" delay="0">
+                  <p:tgtEl>
+                    <p:sldTgt/>
+                  </p:tgtEl>
+                </p:cond>
+              </p:nextCondLst>
+            </p:seq>
+          </p:childTnLst>
+        </p:cTn>
       </p:par>
     </p:tnLst>
+    <p:bldLst>
+      <p:bldP spid="3" grpId="0"/>
+      <p:bldP spid="8" grpId="0"/>
+      <p:bldP spid="9" grpId="0"/>
+      <p:bldP spid="10" grpId="0"/>
+      <p:bldP spid="14" grpId="0"/>
+      <p:bldP spid="15" grpId="0"/>
+      <p:bldP spid="16" grpId="0"/>
+      <p:bldP spid="17" grpId="0"/>
+      <p:bldP spid="4" grpId="0" animBg="1"/>
+      <p:bldP spid="6" grpId="0" animBg="1"/>
+      <p:bldP spid="7" grpId="0" animBg="1"/>
+      <p:bldP spid="18" grpId="0" animBg="1"/>
+      <p:bldP spid="19" grpId="0" animBg="1"/>
+      <p:bldP spid="20" grpId="0" animBg="1"/>
+      <p:bldP spid="21" grpId="0" animBg="1"/>
+      <p:bldP spid="22" grpId="0" animBg="1"/>
+    </p:bldLst>
   </p:timing>
 </p:sld>
 </file>
@@ -3996,7 +6948,7 @@
           <p:cNvPr id="11" name="Rectangle 8">
             <a:extLst>
               <a:ext uri="{FF2B5EF4-FFF2-40B4-BE49-F238E27FC236}">
-                <a16:creationId xmlns:a16="http://schemas.microsoft.com/office/drawing/2014/main" xmlns="" id="{31EC9893-997B-FAF1-44A7-86DC576C44E1}"/>
+                <a16:creationId xmlns="" xmlns:a16="http://schemas.microsoft.com/office/drawing/2014/main" id="{31EC9893-997B-FAF1-44A7-86DC576C44E1}"/>
               </a:ext>
             </a:extLst>
           </p:cNvPr>
@@ -4007,8 +6959,8 @@
         </p:nvSpPr>
         <p:spPr bwMode="auto">
           <a:xfrm>
-            <a:off x="87682" y="228563"/>
-            <a:ext cx="11862927" cy="4401205"/>
+            <a:off x="0" y="934279"/>
+            <a:ext cx="11862927" cy="584775"/>
           </a:xfrm>
           <a:prstGeom prst="rect">
             <a:avLst/>
@@ -4210,182 +7162,19 @@
             </a:lvl9pPr>
           </a:lstStyle>
           <a:p>
-            <a:pPr marL="457200" lvl="0" indent="-457200" algn="r" rtl="1">
-              <a:buFont typeface="Wingdings" panose="05000000000000000000" pitchFamily="2" charset="2"/>
-              <a:buChar char="Ø"/>
-            </a:pPr>
-            <a:r>
-              <a:rPr lang="ar-DZ" sz="2800" dirty="0"/>
-              <a:t>احتفظ بنفس الإعدادات على هذه التعليمة ثم لنضغط على التبويب </a:t>
-            </a:r>
-            <a:r>
-              <a:rPr lang="fr-FR" sz="2800" dirty="0"/>
-              <a:t>Diaporama</a:t>
-            </a:r>
-            <a:r>
-              <a:rPr lang="ar-DZ" sz="2800" dirty="0"/>
-              <a:t> ثم التعليمة </a:t>
-            </a:r>
-            <a:endParaRPr lang="ar-DZ" sz="2800" dirty="0" smtClean="0"/>
-          </a:p>
-          <a:p>
-            <a:pPr marL="457200" lvl="0" indent="-457200" algn="r" rtl="1">
-              <a:buFont typeface="Wingdings" panose="05000000000000000000" pitchFamily="2" charset="2"/>
-              <a:buChar char="Ø"/>
-            </a:pPr>
-            <a:r>
-              <a:rPr lang="fr-FR" sz="2800" dirty="0" smtClean="0"/>
-              <a:t>A </a:t>
-            </a:r>
-            <a:r>
-              <a:rPr lang="fr-FR" sz="2800" dirty="0"/>
-              <a:t>partir du début</a:t>
-            </a:r>
-            <a:r>
-              <a:rPr lang="ar-DZ" sz="2800" dirty="0"/>
-              <a:t> الموجودة أقصى اليسار.</a:t>
-            </a:r>
-            <a:endParaRPr lang="fr-FR" sz="2800" dirty="0"/>
-          </a:p>
-          <a:p>
-            <a:pPr marL="457200" lvl="0" indent="-457200" algn="r" rtl="1">
-              <a:buFont typeface="Wingdings" panose="05000000000000000000" pitchFamily="2" charset="2"/>
-              <a:buChar char="Ø"/>
-            </a:pPr>
-            <a:r>
-              <a:rPr lang="ar-DZ" sz="2800" dirty="0"/>
-              <a:t>برأيكم لماذا تم عرض الشريحة الأولى فقط و توقف العرض ؟</a:t>
-            </a:r>
-            <a:endParaRPr lang="fr-FR" sz="2800" dirty="0"/>
-          </a:p>
-          <a:p>
-            <a:pPr marL="457200" lvl="0" indent="-457200" algn="r" rtl="1">
-              <a:buFont typeface="Wingdings" panose="05000000000000000000" pitchFamily="2" charset="2"/>
-              <a:buChar char="Ø"/>
-            </a:pPr>
-            <a:r>
-              <a:rPr lang="ar-DZ" sz="2800" dirty="0"/>
-              <a:t>أين يجب علي الضغط لعرض الشريحة الموالية ؟</a:t>
-            </a:r>
-            <a:endParaRPr lang="fr-FR" sz="2800" dirty="0"/>
-          </a:p>
-          <a:p>
-            <a:pPr marL="457200" lvl="0" indent="-457200" algn="r" rtl="1">
-              <a:buFont typeface="Wingdings" panose="05000000000000000000" pitchFamily="2" charset="2"/>
-              <a:buChar char="Ø"/>
-            </a:pPr>
-            <a:r>
-              <a:rPr lang="ar-DZ" sz="2800" dirty="0"/>
-              <a:t>ما دور إذن الخيار </a:t>
-            </a:r>
-            <a:r>
-              <a:rPr lang="fr-FR" sz="2800" dirty="0"/>
-              <a:t>Manuellement</a:t>
-            </a:r>
-            <a:r>
-              <a:rPr lang="ar-DZ" sz="2800" dirty="0"/>
-              <a:t> ؟ </a:t>
-            </a:r>
-            <a:endParaRPr lang="fr-FR" sz="2800" dirty="0"/>
-          </a:p>
-          <a:p>
-            <a:pPr marL="457200" lvl="0" indent="-457200" algn="r" rtl="1">
-              <a:buFont typeface="Wingdings" panose="05000000000000000000" pitchFamily="2" charset="2"/>
-              <a:buChar char="Ø"/>
-            </a:pPr>
-            <a:r>
-              <a:rPr lang="ar-DZ" sz="2800" dirty="0"/>
-              <a:t>لنضغط على المفتاح </a:t>
-            </a:r>
-            <a:r>
-              <a:rPr lang="fr-FR" sz="2800" dirty="0" err="1"/>
-              <a:t>Echap</a:t>
-            </a:r>
-            <a:r>
-              <a:rPr lang="ar-DZ" sz="2800" dirty="0"/>
-              <a:t> للخروج من هذا الوضع ثم نؤشر على الخيار </a:t>
-            </a:r>
-            <a:r>
-              <a:rPr lang="fr-FR" sz="2800" dirty="0" err="1"/>
-              <a:t>Aprés</a:t>
-            </a:r>
-            <a:r>
-              <a:rPr lang="ar-DZ" sz="2800" dirty="0"/>
-              <a:t>  و نختار </a:t>
-            </a:r>
-            <a:r>
-              <a:rPr lang="fr-FR" sz="2800" dirty="0"/>
-              <a:t>00:02,00</a:t>
-            </a:r>
-            <a:r>
-              <a:rPr lang="ar-DZ" sz="2800" dirty="0"/>
-              <a:t> مثلا</a:t>
-            </a:r>
-            <a:endParaRPr lang="fr-FR" sz="2800" dirty="0"/>
-          </a:p>
-          <a:p>
-            <a:pPr marL="457200" lvl="0" indent="-457200" algn="r" rtl="1">
-              <a:buFont typeface="Wingdings" panose="05000000000000000000" pitchFamily="2" charset="2"/>
-              <a:buChar char="Ø"/>
-            </a:pPr>
-            <a:r>
-              <a:rPr lang="ar-DZ" sz="2800" dirty="0"/>
-              <a:t>نعيد الضغط على التبويب </a:t>
-            </a:r>
-            <a:r>
-              <a:rPr lang="fr-FR" sz="2800" dirty="0"/>
-              <a:t>Diaporama</a:t>
-            </a:r>
-            <a:r>
-              <a:rPr lang="ar-DZ" sz="2800" dirty="0"/>
-              <a:t> ثم التعليمة </a:t>
-            </a:r>
-            <a:r>
-              <a:rPr lang="fr-FR" sz="2800" dirty="0"/>
-              <a:t>A partir du début </a:t>
-            </a:r>
-          </a:p>
-          <a:p>
-            <a:pPr marL="457200" lvl="0" indent="-457200" algn="r" rtl="1">
-              <a:buFont typeface="Wingdings" panose="05000000000000000000" pitchFamily="2" charset="2"/>
-              <a:buChar char="Ø"/>
-            </a:pPr>
-            <a:r>
-              <a:rPr lang="ar-DZ" sz="2800" dirty="0"/>
-              <a:t>ما التغيير الذي طرأ ؟  ما دور الخيار </a:t>
-            </a:r>
-            <a:r>
-              <a:rPr lang="fr-FR" sz="2800" dirty="0" err="1"/>
-              <a:t>Aprés</a:t>
-            </a:r>
-            <a:r>
-              <a:rPr lang="ar-DZ" sz="2800" dirty="0"/>
-              <a:t> ؟</a:t>
-            </a:r>
-            <a:endParaRPr lang="fr-FR" sz="2800" dirty="0"/>
-          </a:p>
-          <a:p>
-            <a:pPr marL="457200" indent="-457200" algn="r" rtl="1">
-              <a:buFont typeface="Wingdings" panose="05000000000000000000" pitchFamily="2" charset="2"/>
-              <a:buChar char="Ø"/>
-            </a:pPr>
-            <a:r>
-              <a:rPr lang="ar-DZ" sz="2800" dirty="0"/>
-              <a:t>ما دور التبويب </a:t>
-            </a:r>
-            <a:r>
-              <a:rPr lang="fr-FR" sz="2800" dirty="0"/>
-              <a:t>Diaporama</a:t>
-            </a:r>
-            <a:r>
-              <a:rPr lang="ar-DZ" sz="2800" dirty="0"/>
-              <a:t> إذن ؟</a:t>
-            </a:r>
-            <a:endParaRPr lang="fr-FR" sz="2000" dirty="0">
-              <a:latin typeface="Calibri" panose="020F0502020204030204" pitchFamily="34" charset="0"/>
-              <a:ea typeface="Calibri" panose="020F0502020204030204" pitchFamily="34" charset="0"/>
-              <a:cs typeface="Arial" panose="020B0604020202020204" pitchFamily="34" charset="0"/>
-            </a:endParaRPr>
+            <a:pPr algn="r" rtl="1"/>
+            <a:r>
+              <a:rPr lang="ar-DZ" sz="3200" dirty="0" smtClean="0">
+                <a:cs typeface="+mj-cs"/>
+              </a:rPr>
+              <a:t>تمعّن </a:t>
+            </a:r>
+            <a:r>
+              <a:rPr lang="ar-DZ" sz="3200" dirty="0">
+                <a:cs typeface="+mj-cs"/>
+              </a:rPr>
+              <a:t>جيّدا في الصور التالية محاولا استخراج فوائد استخدام القلم : </a:t>
+            </a:r>
           </a:p>
         </p:txBody>
       </p:sp>
@@ -4394,7 +7183,7 @@
           <p:cNvPr id="13" name="Rectangle 9">
             <a:extLst>
               <a:ext uri="{FF2B5EF4-FFF2-40B4-BE49-F238E27FC236}">
-                <a16:creationId xmlns:a16="http://schemas.microsoft.com/office/drawing/2014/main" xmlns="" id="{894EDA96-9226-5939-95FB-4A21ACC79E4A}"/>
+                <a16:creationId xmlns="" xmlns:a16="http://schemas.microsoft.com/office/drawing/2014/main" id="{894EDA96-9226-5939-95FB-4A21ACC79E4A}"/>
               </a:ext>
             </a:extLst>
           </p:cNvPr>
@@ -4447,6 +7236,267 @@
           </a:p>
         </p:txBody>
       </p:sp>
+      <p:sp>
+        <p:nvSpPr>
+          <p:cNvPr id="4" name="ZoneTexte 3">
+            <a:extLst>
+              <a:ext uri="{FF2B5EF4-FFF2-40B4-BE49-F238E27FC236}">
+                <a16:creationId xmlns="" xmlns:a16="http://schemas.microsoft.com/office/drawing/2014/main" id="{0B494AC6-9B2E-422F-B16A-015D6B0BA580}"/>
+              </a:ext>
+            </a:extLst>
+          </p:cNvPr>
+          <p:cNvSpPr txBox="1"/>
+          <p:nvPr/>
+        </p:nvSpPr>
+        <p:spPr>
+          <a:xfrm>
+            <a:off x="919777" y="150312"/>
+            <a:ext cx="11412983" cy="718466"/>
+          </a:xfrm>
+          <a:prstGeom prst="rect">
+            <a:avLst/>
+          </a:prstGeom>
+          <a:noFill/>
+        </p:spPr>
+        <p:txBody>
+          <a:bodyPr wrap="square">
+            <a:spAutoFit/>
+          </a:bodyPr>
+          <a:lstStyle/>
+          <a:p>
+            <a:pPr marL="457200" algn="r" rtl="1">
+              <a:lnSpc>
+                <a:spcPct val="107000"/>
+              </a:lnSpc>
+              <a:spcAft>
+                <a:spcPts val="800"/>
+              </a:spcAft>
+              <a:tabLst>
+                <a:tab pos="2376805" algn="l"/>
+              </a:tabLst>
+            </a:pPr>
+            <a:r>
+              <a:rPr lang="ar-DZ" sz="4000" b="1" u="sng" dirty="0" smtClean="0">
+                <a:solidFill>
+                  <a:srgbClr val="FF0000"/>
+                </a:solidFill>
+                <a:latin typeface="Calibri" panose="020F0502020204030204" pitchFamily="34" charset="0"/>
+                <a:ea typeface="Calibri" panose="020F0502020204030204" pitchFamily="34" charset="0"/>
+                <a:cs typeface="Times New Roman" panose="02020603050405020304" pitchFamily="18" charset="0"/>
+              </a:rPr>
+              <a:t>نشاط </a:t>
+            </a:r>
+            <a:r>
+              <a:rPr lang="ar-DZ" sz="4000" b="1" u="sng" dirty="0" smtClean="0">
+                <a:solidFill>
+                  <a:srgbClr val="FF0000"/>
+                </a:solidFill>
+                <a:latin typeface="Calibri" panose="020F0502020204030204" pitchFamily="34" charset="0"/>
+                <a:ea typeface="Calibri" panose="020F0502020204030204" pitchFamily="34" charset="0"/>
+                <a:cs typeface="Times New Roman" panose="02020603050405020304" pitchFamily="18" charset="0"/>
+              </a:rPr>
+              <a:t>02 </a:t>
+            </a:r>
+            <a:r>
+              <a:rPr lang="ar-DZ" sz="4000" b="1" u="sng" dirty="0" smtClean="0">
+                <a:solidFill>
+                  <a:srgbClr val="FF0000"/>
+                </a:solidFill>
+                <a:latin typeface="Calibri" panose="020F0502020204030204" pitchFamily="34" charset="0"/>
+                <a:ea typeface="Calibri" panose="020F0502020204030204" pitchFamily="34" charset="0"/>
+                <a:cs typeface="Times New Roman" panose="02020603050405020304" pitchFamily="18" charset="0"/>
+              </a:rPr>
+              <a:t>:</a:t>
+            </a:r>
+            <a:endParaRPr lang="fr-FR" sz="2400" dirty="0">
+              <a:effectLst/>
+              <a:latin typeface="Calibri" panose="020F0502020204030204" pitchFamily="34" charset="0"/>
+              <a:ea typeface="Calibri" panose="020F0502020204030204" pitchFamily="34" charset="0"/>
+              <a:cs typeface="Arial" panose="020B0604020202020204" pitchFamily="34" charset="0"/>
+            </a:endParaRPr>
+          </a:p>
+        </p:txBody>
+      </p:sp>
+      <p:pic>
+        <p:nvPicPr>
+          <p:cNvPr id="3073" name="Image 5"/>
+          <p:cNvPicPr>
+            <a:picLocks noChangeAspect="1" noChangeArrowheads="1"/>
+          </p:cNvPicPr>
+          <p:nvPr/>
+        </p:nvPicPr>
+        <p:blipFill>
+          <a:blip r:embed="rId2">
+            <a:extLst>
+              <a:ext uri="{28A0092B-C50C-407E-A947-70E740481C1C}">
+                <a14:useLocalDpi xmlns:a14="http://schemas.microsoft.com/office/drawing/2010/main" val="0"/>
+              </a:ext>
+            </a:extLst>
+          </a:blip>
+          <a:srcRect/>
+          <a:stretch>
+            <a:fillRect/>
+          </a:stretch>
+        </p:blipFill>
+        <p:spPr bwMode="auto">
+          <a:xfrm>
+            <a:off x="9006214" y="1712044"/>
+            <a:ext cx="2856713" cy="3155988"/>
+          </a:xfrm>
+          <a:prstGeom prst="rect">
+            <a:avLst/>
+          </a:prstGeom>
+          <a:noFill/>
+          <a:ln w="9525">
+            <a:solidFill>
+              <a:srgbClr val="00B0F0"/>
+            </a:solidFill>
+            <a:miter lim="800000"/>
+            <a:headEnd/>
+            <a:tailEnd/>
+          </a:ln>
+          <a:extLst>
+            <a:ext uri="{909E8E84-426E-40DD-AFC4-6F175D3DCCD1}">
+              <a14:hiddenFill xmlns:a14="http://schemas.microsoft.com/office/drawing/2010/main">
+                <a:solidFill>
+                  <a:srgbClr val="FFFFFF"/>
+                </a:solidFill>
+              </a14:hiddenFill>
+            </a:ext>
+          </a:extLst>
+        </p:spPr>
+      </p:pic>
+      <p:pic>
+        <p:nvPicPr>
+          <p:cNvPr id="3074" name="Image 6"/>
+          <p:cNvPicPr>
+            <a:picLocks noChangeAspect="1" noChangeArrowheads="1"/>
+          </p:cNvPicPr>
+          <p:nvPr/>
+        </p:nvPicPr>
+        <p:blipFill>
+          <a:blip r:embed="rId3">
+            <a:extLst>
+              <a:ext uri="{28A0092B-C50C-407E-A947-70E740481C1C}">
+                <a14:useLocalDpi xmlns:a14="http://schemas.microsoft.com/office/drawing/2010/main" val="0"/>
+              </a:ext>
+            </a:extLst>
+          </a:blip>
+          <a:srcRect/>
+          <a:stretch>
+            <a:fillRect/>
+          </a:stretch>
+        </p:blipFill>
+        <p:spPr bwMode="auto">
+          <a:xfrm>
+            <a:off x="5624186" y="1712043"/>
+            <a:ext cx="2984327" cy="3136811"/>
+          </a:xfrm>
+          <a:prstGeom prst="rect">
+            <a:avLst/>
+          </a:prstGeom>
+          <a:noFill/>
+          <a:ln w="9525">
+            <a:solidFill>
+              <a:srgbClr val="00B0F0"/>
+            </a:solidFill>
+            <a:miter lim="800000"/>
+            <a:headEnd/>
+            <a:tailEnd/>
+          </a:ln>
+          <a:extLst>
+            <a:ext uri="{909E8E84-426E-40DD-AFC4-6F175D3DCCD1}">
+              <a14:hiddenFill xmlns:a14="http://schemas.microsoft.com/office/drawing/2010/main">
+                <a:solidFill>
+                  <a:srgbClr val="FFFFFF"/>
+                </a:solidFill>
+              </a14:hiddenFill>
+            </a:ext>
+          </a:extLst>
+        </p:spPr>
+      </p:pic>
+      <p:sp>
+        <p:nvSpPr>
+          <p:cNvPr id="3" name="ZoneTexte 2"/>
+          <p:cNvSpPr txBox="1"/>
+          <p:nvPr/>
+        </p:nvSpPr>
+        <p:spPr>
+          <a:xfrm>
+            <a:off x="9294312" y="5373666"/>
+            <a:ext cx="2317315" cy="584775"/>
+          </a:xfrm>
+          <a:prstGeom prst="rect">
+            <a:avLst/>
+          </a:prstGeom>
+          <a:noFill/>
+        </p:spPr>
+        <p:txBody>
+          <a:bodyPr wrap="square" rtlCol="0">
+            <a:spAutoFit/>
+          </a:bodyPr>
+          <a:lstStyle/>
+          <a:p>
+            <a:pPr algn="ctr"/>
+            <a:r>
+              <a:rPr lang="ar-DZ" sz="3200" dirty="0" smtClean="0">
+                <a:solidFill>
+                  <a:srgbClr val="FF0000"/>
+                </a:solidFill>
+                <a:cs typeface="+mj-cs"/>
+              </a:rPr>
+              <a:t>المسح</a:t>
+            </a:r>
+            <a:endParaRPr lang="fr-FR" sz="3200" dirty="0">
+              <a:solidFill>
+                <a:srgbClr val="FF0000"/>
+              </a:solidFill>
+              <a:cs typeface="+mj-cs"/>
+            </a:endParaRPr>
+          </a:p>
+        </p:txBody>
+      </p:sp>
+      <p:sp>
+        <p:nvSpPr>
+          <p:cNvPr id="9" name="ZoneTexte 8"/>
+          <p:cNvSpPr txBox="1"/>
+          <p:nvPr/>
+        </p:nvSpPr>
+        <p:spPr>
+          <a:xfrm>
+            <a:off x="5957691" y="5373666"/>
+            <a:ext cx="2317315" cy="584775"/>
+          </a:xfrm>
+          <a:prstGeom prst="rect">
+            <a:avLst/>
+          </a:prstGeom>
+          <a:noFill/>
+        </p:spPr>
+        <p:txBody>
+          <a:bodyPr wrap="square" rtlCol="0">
+            <a:spAutoFit/>
+          </a:bodyPr>
+          <a:lstStyle/>
+          <a:p>
+            <a:pPr algn="ctr"/>
+            <a:r>
+              <a:rPr lang="ar-DZ" sz="3200" dirty="0" smtClean="0">
+                <a:solidFill>
+                  <a:srgbClr val="FF0000"/>
+                </a:solidFill>
+                <a:cs typeface="+mj-cs"/>
+              </a:rPr>
+              <a:t>التلوين</a:t>
+            </a:r>
+            <a:endParaRPr lang="fr-FR" sz="3200" dirty="0">
+              <a:solidFill>
+                <a:srgbClr val="FF0000"/>
+              </a:solidFill>
+              <a:cs typeface="+mj-cs"/>
+            </a:endParaRPr>
+          </a:p>
+        </p:txBody>
+      </p:sp>
     </p:spTree>
     <p:extLst>
       <p:ext uri="{BB962C8B-B14F-4D97-AF65-F5344CB8AC3E}">
@@ -4460,9 +7510,234 @@
   <p:timing>
     <p:tnLst>
       <p:par>
-        <p:cTn id="1" dur="indefinite" restart="never" nodeType="tmRoot"/>
+        <p:cTn id="1" dur="indefinite" restart="never" nodeType="tmRoot">
+          <p:childTnLst>
+            <p:seq concurrent="1" nextAc="seek">
+              <p:cTn id="2" dur="indefinite" nodeType="mainSeq">
+                <p:childTnLst>
+                  <p:par>
+                    <p:cTn id="3" fill="hold">
+                      <p:stCondLst>
+                        <p:cond delay="indefinite"/>
+                      </p:stCondLst>
+                      <p:childTnLst>
+                        <p:par>
+                          <p:cTn id="4" fill="hold">
+                            <p:stCondLst>
+                              <p:cond delay="0"/>
+                            </p:stCondLst>
+                            <p:childTnLst>
+                              <p:par>
+                                <p:cTn id="5" presetID="42" presetClass="entr" presetSubtype="0" fill="hold" grpId="0" nodeType="clickEffect">
+                                  <p:stCondLst>
+                                    <p:cond delay="0"/>
+                                  </p:stCondLst>
+                                  <p:childTnLst>
+                                    <p:set>
+                                      <p:cBhvr>
+                                        <p:cTn id="6" dur="1" fill="hold">
+                                          <p:stCondLst>
+                                            <p:cond delay="0"/>
+                                          </p:stCondLst>
+                                        </p:cTn>
+                                        <p:tgtEl>
+                                          <p:spTgt spid="3"/>
+                                        </p:tgtEl>
+                                        <p:attrNameLst>
+                                          <p:attrName>style.visibility</p:attrName>
+                                        </p:attrNameLst>
+                                      </p:cBhvr>
+                                      <p:to>
+                                        <p:strVal val="visible"/>
+                                      </p:to>
+                                    </p:set>
+                                    <p:animEffect transition="in" filter="fade">
+                                      <p:cBhvr>
+                                        <p:cTn id="7" dur="1000"/>
+                                        <p:tgtEl>
+                                          <p:spTgt spid="3"/>
+                                        </p:tgtEl>
+                                      </p:cBhvr>
+                                    </p:animEffect>
+                                    <p:anim calcmode="lin" valueType="num">
+                                      <p:cBhvr>
+                                        <p:cTn id="8" dur="1000" fill="hold"/>
+                                        <p:tgtEl>
+                                          <p:spTgt spid="3"/>
+                                        </p:tgtEl>
+                                        <p:attrNameLst>
+                                          <p:attrName>ppt_x</p:attrName>
+                                        </p:attrNameLst>
+                                      </p:cBhvr>
+                                      <p:tavLst>
+                                        <p:tav tm="0">
+                                          <p:val>
+                                            <p:strVal val="#ppt_x"/>
+                                          </p:val>
+                                        </p:tav>
+                                        <p:tav tm="100000">
+                                          <p:val>
+                                            <p:strVal val="#ppt_x"/>
+                                          </p:val>
+                                        </p:tav>
+                                      </p:tavLst>
+                                    </p:anim>
+                                    <p:anim calcmode="lin" valueType="num">
+                                      <p:cBhvr>
+                                        <p:cTn id="9" dur="1000" fill="hold"/>
+                                        <p:tgtEl>
+                                          <p:spTgt spid="3"/>
+                                        </p:tgtEl>
+                                        <p:attrNameLst>
+                                          <p:attrName>ppt_y</p:attrName>
+                                        </p:attrNameLst>
+                                      </p:cBhvr>
+                                      <p:tavLst>
+                                        <p:tav tm="0">
+                                          <p:val>
+                                            <p:strVal val="#ppt_y+.1"/>
+                                          </p:val>
+                                        </p:tav>
+                                        <p:tav tm="100000">
+                                          <p:val>
+                                            <p:strVal val="#ppt_y"/>
+                                          </p:val>
+                                        </p:tav>
+                                      </p:tavLst>
+                                    </p:anim>
+                                  </p:childTnLst>
+                                </p:cTn>
+                              </p:par>
+                            </p:childTnLst>
+                          </p:cTn>
+                        </p:par>
+                      </p:childTnLst>
+                    </p:cTn>
+                  </p:par>
+                  <p:par>
+                    <p:cTn id="10" fill="hold">
+                      <p:stCondLst>
+                        <p:cond delay="indefinite"/>
+                      </p:stCondLst>
+                      <p:childTnLst>
+                        <p:par>
+                          <p:cTn id="11" fill="hold">
+                            <p:stCondLst>
+                              <p:cond delay="0"/>
+                            </p:stCondLst>
+                            <p:childTnLst>
+                              <p:par>
+                                <p:cTn id="12" presetID="42" presetClass="entr" presetSubtype="0" fill="hold" grpId="0" nodeType="clickEffect">
+                                  <p:stCondLst>
+                                    <p:cond delay="0"/>
+                                  </p:stCondLst>
+                                  <p:childTnLst>
+                                    <p:set>
+                                      <p:cBhvr>
+                                        <p:cTn id="13" dur="1" fill="hold">
+                                          <p:stCondLst>
+                                            <p:cond delay="0"/>
+                                          </p:stCondLst>
+                                        </p:cTn>
+                                        <p:tgtEl>
+                                          <p:spTgt spid="9"/>
+                                        </p:tgtEl>
+                                        <p:attrNameLst>
+                                          <p:attrName>style.visibility</p:attrName>
+                                        </p:attrNameLst>
+                                      </p:cBhvr>
+                                      <p:to>
+                                        <p:strVal val="visible"/>
+                                      </p:to>
+                                    </p:set>
+                                    <p:animEffect transition="in" filter="fade">
+                                      <p:cBhvr>
+                                        <p:cTn id="14" dur="1000"/>
+                                        <p:tgtEl>
+                                          <p:spTgt spid="9"/>
+                                        </p:tgtEl>
+                                      </p:cBhvr>
+                                    </p:animEffect>
+                                    <p:anim calcmode="lin" valueType="num">
+                                      <p:cBhvr>
+                                        <p:cTn id="15" dur="1000" fill="hold"/>
+                                        <p:tgtEl>
+                                          <p:spTgt spid="9"/>
+                                        </p:tgtEl>
+                                        <p:attrNameLst>
+                                          <p:attrName>ppt_x</p:attrName>
+                                        </p:attrNameLst>
+                                      </p:cBhvr>
+                                      <p:tavLst>
+                                        <p:tav tm="0">
+                                          <p:val>
+                                            <p:strVal val="#ppt_x"/>
+                                          </p:val>
+                                        </p:tav>
+                                        <p:tav tm="100000">
+                                          <p:val>
+                                            <p:strVal val="#ppt_x"/>
+                                          </p:val>
+                                        </p:tav>
+                                      </p:tavLst>
+                                    </p:anim>
+                                    <p:anim calcmode="lin" valueType="num">
+                                      <p:cBhvr>
+                                        <p:cTn id="16" dur="1000" fill="hold"/>
+                                        <p:tgtEl>
+                                          <p:spTgt spid="9"/>
+                                        </p:tgtEl>
+                                        <p:attrNameLst>
+                                          <p:attrName>ppt_y</p:attrName>
+                                        </p:attrNameLst>
+                                      </p:cBhvr>
+                                      <p:tavLst>
+                                        <p:tav tm="0">
+                                          <p:val>
+                                            <p:strVal val="#ppt_y+.1"/>
+                                          </p:val>
+                                        </p:tav>
+                                        <p:tav tm="100000">
+                                          <p:val>
+                                            <p:strVal val="#ppt_y"/>
+                                          </p:val>
+                                        </p:tav>
+                                      </p:tavLst>
+                                    </p:anim>
+                                  </p:childTnLst>
+                                </p:cTn>
+                              </p:par>
+                            </p:childTnLst>
+                          </p:cTn>
+                        </p:par>
+                      </p:childTnLst>
+                    </p:cTn>
+                  </p:par>
+                </p:childTnLst>
+              </p:cTn>
+              <p:prevCondLst>
+                <p:cond evt="onPrev" delay="0">
+                  <p:tgtEl>
+                    <p:sldTgt/>
+                  </p:tgtEl>
+                </p:cond>
+              </p:prevCondLst>
+              <p:nextCondLst>
+                <p:cond evt="onNext" delay="0">
+                  <p:tgtEl>
+                    <p:sldTgt/>
+                  </p:tgtEl>
+                </p:cond>
+              </p:nextCondLst>
+            </p:seq>
+          </p:childTnLst>
+        </p:cTn>
       </p:par>
     </p:tnLst>
+    <p:bldLst>
+      <p:bldP spid="3" grpId="0"/>
+      <p:bldP spid="9" grpId="0"/>
+    </p:bldLst>
   </p:timing>
 </p:sld>
 </file>
@@ -4503,106 +7778,6 @@
           <a:chExt cx="0" cy="0"/>
         </a:xfrm>
       </p:grpSpPr>
-      <p:pic>
-        <p:nvPicPr>
-          <p:cNvPr id="3073" name="Image 8"/>
-          <p:cNvPicPr>
-            <a:picLocks noChangeAspect="1" noChangeArrowheads="1"/>
-          </p:cNvPicPr>
-          <p:nvPr/>
-        </p:nvPicPr>
-        <p:blipFill>
-          <a:blip r:embed="rId2" cstate="print">
-            <a:extLst>
-              <a:ext uri="{28A0092B-C50C-407E-A947-70E740481C1C}">
-                <a14:useLocalDpi xmlns:a14="http://schemas.microsoft.com/office/drawing/2010/main" val="0"/>
-              </a:ext>
-            </a:extLst>
-          </a:blip>
-          <a:srcRect/>
-          <a:stretch>
-            <a:fillRect/>
-          </a:stretch>
-        </p:blipFill>
-        <p:spPr bwMode="auto">
-          <a:xfrm>
-            <a:off x="3786389" y="3474714"/>
-            <a:ext cx="1971675" cy="45719"/>
-          </a:xfrm>
-          <a:prstGeom prst="rect">
-            <a:avLst/>
-          </a:prstGeom>
-          <a:noFill/>
-          <a:extLst>
-            <a:ext uri="{909E8E84-426E-40DD-AFC4-6F175D3DCCD1}">
-              <a14:hiddenFill xmlns:a14="http://schemas.microsoft.com/office/drawing/2010/main">
-                <a:solidFill>
-                  <a:srgbClr val="FFFFFF"/>
-                </a:solidFill>
-              </a14:hiddenFill>
-            </a:ext>
-          </a:extLst>
-        </p:spPr>
-      </p:pic>
-      <p:sp>
-        <p:nvSpPr>
-          <p:cNvPr id="3" name="Zone de texte 6"/>
-          <p:cNvSpPr txBox="1"/>
-          <p:nvPr/>
-        </p:nvSpPr>
-        <p:spPr>
-          <a:xfrm>
-            <a:off x="3830204" y="3122924"/>
-            <a:ext cx="2080895" cy="45719"/>
-          </a:xfrm>
-          <a:prstGeom prst="rect">
-            <a:avLst/>
-          </a:prstGeom>
-          <a:noFill/>
-          <a:ln w="6350">
-            <a:noFill/>
-          </a:ln>
-          <a:effectLst/>
-        </p:spPr>
-        <p:style>
-          <a:lnRef idx="0">
-            <a:schemeClr val="accent1"/>
-          </a:lnRef>
-          <a:fillRef idx="0">
-            <a:schemeClr val="accent1"/>
-          </a:fillRef>
-          <a:effectRef idx="0">
-            <a:schemeClr val="accent1"/>
-          </a:effectRef>
-          <a:fontRef idx="minor">
-            <a:schemeClr val="dk1"/>
-          </a:fontRef>
-        </p:style>
-        <p:txBody>
-          <a:bodyPr rot="0" spcFirstLastPara="0" vert="horz" wrap="square" lIns="91440" tIns="45720" rIns="91440" bIns="45720" numCol="1" spcCol="0" rtlCol="0" fromWordArt="0" anchor="t" anchorCtr="0" forceAA="0" compatLnSpc="1">
-            <a:prstTxWarp prst="textNoShape">
-              <a:avLst/>
-            </a:prstTxWarp>
-            <a:noAutofit/>
-          </a:bodyPr>
-          <a:lstStyle/>
-          <a:p>
-            <a:pPr>
-              <a:lnSpc>
-                <a:spcPct val="115000"/>
-              </a:lnSpc>
-              <a:spcAft>
-                <a:spcPts val="1000"/>
-              </a:spcAft>
-            </a:pPr>
-            <a:endParaRPr lang="fr-FR" sz="1600">
-              <a:effectLst/>
-              <a:ea typeface="Calibri" panose="020F0502020204030204" pitchFamily="34" charset="0"/>
-              <a:cs typeface="Arial" panose="020B0604020202020204" pitchFamily="34" charset="0"/>
-            </a:endParaRPr>
-          </a:p>
-        </p:txBody>
-      </p:sp>
       <p:sp>
         <p:nvSpPr>
           <p:cNvPr id="2" name="Rectangle 3"/>
@@ -4676,8 +7851,8 @@
         </p:nvSpPr>
         <p:spPr bwMode="auto">
           <a:xfrm>
-            <a:off x="200416" y="-230832"/>
-            <a:ext cx="11761940" cy="7017306"/>
+            <a:off x="187890" y="-401202"/>
+            <a:ext cx="11761940" cy="5078313"/>
           </a:xfrm>
           <a:prstGeom prst="rect">
             <a:avLst/>
@@ -4733,322 +7908,108 @@
               <a:buAutoNum type="arabicPeriod"/>
             </a:pPr>
             <a:r>
-              <a:rPr lang="ar-DZ" sz="3000" b="1" u="sng" dirty="0" err="1" smtClean="0">
+              <a:rPr lang="ar-DZ" sz="3600" b="1" u="sng" dirty="0" smtClean="0">
                 <a:solidFill>
                   <a:srgbClr val="FF0000"/>
                 </a:solidFill>
+                <a:cs typeface="+mj-cs"/>
               </a:rPr>
-              <a:t>الإنتقال</a:t>
-            </a:r>
-            <a:r>
-              <a:rPr lang="ar-DZ" sz="3000" b="1" u="sng" dirty="0" smtClean="0">
-                <a:solidFill>
-                  <a:srgbClr val="FF0000"/>
-                </a:solidFill>
-              </a:rPr>
-              <a:t> </a:t>
-            </a:r>
-            <a:r>
-              <a:rPr lang="ar-DZ" sz="3000" b="1" u="sng" dirty="0">
-                <a:solidFill>
-                  <a:srgbClr val="FF0000"/>
-                </a:solidFill>
-              </a:rPr>
-              <a:t>بين الشرائح : </a:t>
-            </a:r>
-            <a:endParaRPr lang="fr-FR" sz="3000" u="sng" dirty="0">
+              <a:t>مفهوم القلم : </a:t>
+            </a:r>
+            <a:endParaRPr lang="fr-FR" sz="3600" u="sng" dirty="0">
               <a:solidFill>
                 <a:srgbClr val="FF0000"/>
               </a:solidFill>
+              <a:cs typeface="+mj-cs"/>
             </a:endParaRPr>
           </a:p>
           <a:p>
             <a:pPr algn="r" rtl="1"/>
             <a:r>
-              <a:rPr lang="ar-DZ" sz="3000" dirty="0"/>
-              <a:t>يمكن إضافة تأثيرات </a:t>
-            </a:r>
-            <a:r>
-              <a:rPr lang="ar-DZ" sz="3000" dirty="0" err="1"/>
-              <a:t>الإنتقال</a:t>
-            </a:r>
-            <a:r>
-              <a:rPr lang="ar-DZ" sz="3000" dirty="0"/>
-              <a:t> من شريحة لأخرى و ضبطها في </a:t>
-            </a:r>
-            <a:r>
-              <a:rPr lang="ar-DZ" sz="3000" dirty="0" smtClean="0"/>
-              <a:t>التبويب</a:t>
-            </a:r>
-            <a:r>
-              <a:rPr lang="fr-FR" sz="3000" dirty="0" smtClean="0"/>
-              <a:t>Transitions </a:t>
-            </a:r>
-            <a:r>
-              <a:rPr lang="ar-DZ" sz="3000" dirty="0" smtClean="0"/>
-              <a:t> بحيث </a:t>
-            </a:r>
-            <a:r>
-              <a:rPr lang="ar-DZ" sz="3000" dirty="0"/>
-              <a:t>:</a:t>
-            </a:r>
-            <a:endParaRPr lang="fr-FR" sz="3000" dirty="0"/>
-          </a:p>
-          <a:p>
-            <a:pPr marL="914400" lvl="1" indent="-457200" algn="r" rtl="1">
-              <a:buFont typeface="Arial" panose="020B0604020202020204" pitchFamily="34" charset="0"/>
-              <a:buChar char="•"/>
+              <a:rPr lang="ar-DZ" sz="3600" dirty="0">
+                <a:cs typeface="+mj-cs"/>
+              </a:rPr>
+              <a:t>هو أن تجعل أحد الكائنات يرسم خطا أثناء حركته.</a:t>
+            </a:r>
+          </a:p>
+          <a:p>
+            <a:pPr algn="r" rtl="1"/>
+            <a:r>
+              <a:rPr lang="ar-DZ" sz="3600" dirty="0">
+                <a:cs typeface="+mj-cs"/>
+              </a:rPr>
+              <a:t> </a:t>
+            </a:r>
+            <a:endParaRPr lang="fr-FR" sz="3600" dirty="0">
+              <a:cs typeface="+mj-cs"/>
+            </a:endParaRPr>
+          </a:p>
+          <a:p>
+            <a:pPr marL="514350" indent="-514350" algn="r" rtl="1">
+              <a:buFont typeface="+mj-lt"/>
+              <a:buAutoNum type="arabicPeriod" startAt="2"/>
             </a:pPr>
             <a:r>
-              <a:rPr lang="ar-DZ" sz="3000" dirty="0" smtClean="0">
-                <a:solidFill>
-                  <a:srgbClr val="00B050"/>
-                </a:solidFill>
+              <a:rPr lang="ar-DZ" sz="3600" b="1" u="sng" dirty="0" smtClean="0">
+                <a:solidFill>
+                  <a:srgbClr val="FF0000"/>
+                </a:solidFill>
+                <a:cs typeface="+mj-cs"/>
               </a:rPr>
-              <a:t>المجموعة</a:t>
-            </a:r>
-            <a:r>
-              <a:rPr lang="fr-FR" sz="3000" dirty="0" smtClean="0">
-                <a:solidFill>
-                  <a:srgbClr val="00B050"/>
-                </a:solidFill>
-              </a:rPr>
-              <a:t> Transition </a:t>
-            </a:r>
-            <a:r>
-              <a:rPr lang="fr-FR" sz="3000" dirty="0">
-                <a:solidFill>
-                  <a:srgbClr val="00B050"/>
-                </a:solidFill>
-              </a:rPr>
-              <a:t>vers cette diapositive </a:t>
-            </a:r>
-            <a:r>
-              <a:rPr lang="ar-DZ" sz="3000" dirty="0">
-                <a:solidFill>
-                  <a:srgbClr val="00B050"/>
-                </a:solidFill>
-              </a:rPr>
-              <a:t>: </a:t>
-            </a:r>
-            <a:r>
-              <a:rPr lang="ar-DZ" sz="3000" dirty="0"/>
-              <a:t>لضبط التأثير البصري الذي يسبق ظهور هذه الشريحة</a:t>
-            </a:r>
-            <a:endParaRPr lang="fr-FR" sz="3000" dirty="0"/>
-          </a:p>
-          <a:p>
-            <a:pPr marL="914400" lvl="1" indent="-457200" algn="r" rtl="1">
-              <a:buFont typeface="Arial" panose="020B0604020202020204" pitchFamily="34" charset="0"/>
-              <a:buChar char="•"/>
-            </a:pPr>
-            <a:r>
-              <a:rPr lang="fr-FR" sz="3000" dirty="0">
-                <a:solidFill>
-                  <a:srgbClr val="00B050"/>
-                </a:solidFill>
-              </a:rPr>
-              <a:t>Son</a:t>
-            </a:r>
-            <a:r>
-              <a:rPr lang="ar-DZ" sz="3000" dirty="0">
-                <a:solidFill>
-                  <a:srgbClr val="00B050"/>
-                </a:solidFill>
-              </a:rPr>
-              <a:t> : </a:t>
-            </a:r>
-            <a:r>
-              <a:rPr lang="ar-DZ" sz="3000" dirty="0"/>
-              <a:t>ضبط الصوت المصاحب لظهور الشريحة</a:t>
-            </a:r>
-            <a:endParaRPr lang="fr-FR" sz="3000" dirty="0"/>
-          </a:p>
-          <a:p>
-            <a:pPr marL="914400" lvl="1" indent="-457200" algn="r" rtl="1">
-              <a:buFont typeface="Arial" panose="020B0604020202020204" pitchFamily="34" charset="0"/>
-              <a:buChar char="•"/>
-            </a:pPr>
-            <a:r>
-              <a:rPr lang="fr-FR" sz="3000" dirty="0">
-                <a:solidFill>
-                  <a:srgbClr val="00B050"/>
-                </a:solidFill>
-              </a:rPr>
-              <a:t>Durée</a:t>
-            </a:r>
-            <a:r>
-              <a:rPr lang="ar-DZ" sz="3000" dirty="0">
-                <a:solidFill>
-                  <a:srgbClr val="00B050"/>
-                </a:solidFill>
-              </a:rPr>
-              <a:t> : </a:t>
-            </a:r>
-            <a:r>
-              <a:rPr lang="ar-DZ" sz="3000" dirty="0"/>
-              <a:t>ضبط الزمن الذي تستغرقه الشريحة للظهور</a:t>
-            </a:r>
-            <a:endParaRPr lang="fr-FR" sz="3000" dirty="0"/>
-          </a:p>
-          <a:p>
-            <a:pPr marL="914400" lvl="1" indent="-457200" algn="r" rtl="1">
-              <a:buFont typeface="Arial" panose="020B0604020202020204" pitchFamily="34" charset="0"/>
-              <a:buChar char="•"/>
-            </a:pPr>
-            <a:r>
-              <a:rPr lang="fr-FR" sz="3000" dirty="0">
-                <a:solidFill>
-                  <a:srgbClr val="00B050"/>
-                </a:solidFill>
-              </a:rPr>
-              <a:t>Manuellement</a:t>
-            </a:r>
-            <a:r>
-              <a:rPr lang="ar-DZ" sz="3000" dirty="0">
-                <a:solidFill>
-                  <a:srgbClr val="00B050"/>
-                </a:solidFill>
-              </a:rPr>
-              <a:t> :</a:t>
-            </a:r>
-            <a:r>
-              <a:rPr lang="ar-DZ" sz="3000" dirty="0"/>
-              <a:t> </a:t>
-            </a:r>
-            <a:r>
-              <a:rPr lang="ar-DZ" sz="3000" dirty="0" err="1"/>
-              <a:t>الإنتقال</a:t>
-            </a:r>
-            <a:r>
-              <a:rPr lang="ar-DZ" sz="3000" dirty="0"/>
-              <a:t> إلى الشريحة الموالية يدويا (بالضغط على أسهم لوحة المفاتيح)</a:t>
-            </a:r>
-            <a:endParaRPr lang="fr-FR" sz="3000" dirty="0"/>
-          </a:p>
-          <a:p>
-            <a:pPr marL="914400" lvl="1" indent="-457200" algn="r" rtl="1">
-              <a:buFont typeface="Arial" panose="020B0604020202020204" pitchFamily="34" charset="0"/>
-              <a:buChar char="•"/>
-            </a:pPr>
-            <a:r>
-              <a:rPr lang="fr-FR" sz="3000" dirty="0" err="1">
-                <a:solidFill>
-                  <a:srgbClr val="00B050"/>
-                </a:solidFill>
-              </a:rPr>
-              <a:t>Aprés</a:t>
-            </a:r>
-            <a:r>
-              <a:rPr lang="ar-DZ" sz="3000" dirty="0">
-                <a:solidFill>
-                  <a:srgbClr val="00B050"/>
-                </a:solidFill>
-              </a:rPr>
-              <a:t> : </a:t>
-            </a:r>
-            <a:r>
-              <a:rPr lang="ar-DZ" sz="3000" dirty="0" err="1"/>
-              <a:t>الإنتقال</a:t>
-            </a:r>
-            <a:r>
-              <a:rPr lang="ar-DZ" sz="3000" dirty="0"/>
-              <a:t> إلى الشريحة الموالية تلقائيا بعد مرور مدة زمنية يحددها المستخدم.</a:t>
-            </a:r>
-            <a:endParaRPr lang="fr-FR" sz="3000" dirty="0"/>
-          </a:p>
-          <a:p>
-            <a:pPr algn="r" rtl="1"/>
-            <a:r>
-              <a:rPr lang="ar-DZ" sz="3000" dirty="0"/>
-              <a:t> </a:t>
-            </a:r>
-            <a:endParaRPr lang="fr-FR" sz="3000" dirty="0"/>
-          </a:p>
-          <a:p>
-            <a:pPr algn="r" rtl="1"/>
-            <a:r>
-              <a:rPr lang="ar-DZ" sz="3000" b="1" u="sng" dirty="0" smtClean="0">
+              <a:t>فوائد استخدام القلم</a:t>
+            </a:r>
+            <a:r>
+              <a:rPr lang="fr-FR" sz="3600" b="1" u="sng" dirty="0" smtClean="0">
                 <a:solidFill>
                   <a:srgbClr val="FF0000"/>
                 </a:solidFill>
-              </a:rPr>
-              <a:t>ملاحظات</a:t>
-            </a:r>
-            <a:r>
-              <a:rPr lang="fr-FR" sz="3000" b="1" u="sng" dirty="0" smtClean="0">
-                <a:solidFill>
-                  <a:srgbClr val="FF0000"/>
-                </a:solidFill>
+                <a:cs typeface="+mj-cs"/>
               </a:rPr>
               <a:t> </a:t>
             </a:r>
             <a:r>
-              <a:rPr lang="ar-DZ" sz="3000" b="1" u="sng" dirty="0" smtClean="0">
+              <a:rPr lang="ar-DZ" sz="3600" b="1" u="sng" dirty="0" smtClean="0">
                 <a:solidFill>
                   <a:srgbClr val="FF0000"/>
                 </a:solidFill>
+                <a:cs typeface="+mj-cs"/>
               </a:rPr>
               <a:t>:</a:t>
             </a:r>
-            <a:endParaRPr lang="fr-FR" sz="3000" dirty="0">
+            <a:endParaRPr lang="fr-FR" sz="3600" dirty="0">
               <a:solidFill>
                 <a:srgbClr val="FF0000"/>
               </a:solidFill>
+              <a:cs typeface="+mj-cs"/>
             </a:endParaRPr>
           </a:p>
           <a:p>
-            <a:pPr marL="457200" lvl="0" indent="-457200" algn="r" rtl="1">
-              <a:buFont typeface="Arial" panose="020B0604020202020204" pitchFamily="34" charset="0"/>
-              <a:buChar char="•"/>
-            </a:pPr>
-            <a:r>
-              <a:rPr lang="ar-DZ" sz="3000" dirty="0"/>
-              <a:t>لتشغيل الوضع "العرض الكامل" ننقر على التبويب </a:t>
-            </a:r>
-            <a:r>
-              <a:rPr lang="fr-FR" sz="3000" dirty="0"/>
-              <a:t>Diaporama</a:t>
-            </a:r>
-            <a:r>
-              <a:rPr lang="ar-DZ" sz="3000" dirty="0"/>
-              <a:t> ثم </a:t>
-            </a:r>
-            <a:r>
-              <a:rPr lang="ar-DZ" sz="3000" dirty="0" smtClean="0"/>
-              <a:t>نختار</a:t>
-            </a:r>
-          </a:p>
-          <a:p>
             <a:pPr lvl="1" algn="r" rtl="1"/>
             <a:r>
-              <a:rPr lang="fr-FR" sz="3000" dirty="0" smtClean="0"/>
-              <a:t>A </a:t>
-            </a:r>
-            <a:r>
-              <a:rPr lang="fr-FR" sz="3000" dirty="0"/>
-              <a:t>partir du </a:t>
-            </a:r>
-            <a:r>
-              <a:rPr lang="fr-FR" sz="3000" dirty="0" smtClean="0"/>
-              <a:t>début</a:t>
-            </a:r>
-            <a:endParaRPr lang="fr-FR" sz="3000" dirty="0"/>
-          </a:p>
-          <a:p>
-            <a:pPr marL="457200" lvl="0" indent="-457200" algn="r" rtl="1">
-              <a:buFont typeface="Arial" panose="020B0604020202020204" pitchFamily="34" charset="0"/>
-              <a:buChar char="•"/>
-            </a:pPr>
-            <a:r>
-              <a:rPr lang="ar-DZ" sz="3000" dirty="0"/>
-              <a:t>للخروج من الوضع "العرض الكامل" نضغط على المفتاح </a:t>
-            </a:r>
-            <a:r>
-              <a:rPr lang="fr-FR" sz="3000" dirty="0" err="1"/>
-              <a:t>Echap</a:t>
-            </a:r>
-            <a:endParaRPr lang="fr-FR" sz="3000" dirty="0"/>
+              <a:rPr lang="ar-DZ" sz="3600" dirty="0"/>
+              <a:t>- رسم مسار حركة كائن أثناء تنقله </a:t>
+            </a:r>
+          </a:p>
+          <a:p>
+            <a:pPr lvl="1" algn="r" rtl="1"/>
+            <a:r>
+              <a:rPr lang="ar-DZ" sz="3600" dirty="0"/>
+              <a:t>- إنشاء أشكال هندسية </a:t>
+            </a:r>
+          </a:p>
+          <a:p>
+            <a:pPr lvl="1" algn="r" rtl="1"/>
+            <a:r>
+              <a:rPr lang="ar-DZ" sz="3600" dirty="0"/>
+              <a:t>- إزالة الرسومات السابقة </a:t>
+            </a:r>
+          </a:p>
+          <a:p>
+            <a:pPr lvl="1" algn="r" rtl="1"/>
+            <a:r>
+              <a:rPr lang="ar-DZ" sz="3600" dirty="0"/>
+              <a:t>- التلوين و المسح</a:t>
+            </a:r>
           </a:p>
         </p:txBody>
       </p:sp>
@@ -5263,7 +8224,29 @@
                 <a:ea typeface="Calibri" panose="020F0502020204030204" pitchFamily="34" charset="0"/>
                 <a:cs typeface="Times New Roman" panose="02020603050405020304" pitchFamily="18" charset="0"/>
               </a:rPr>
-              <a:t>التدريب</a:t>
+              <a:t>تدريب</a:t>
+            </a:r>
+            <a:r>
+              <a:rPr lang="ar-DZ" sz="4800" b="1" u="sng" dirty="0">
+                <a:solidFill>
+                  <a:srgbClr val="FF0000"/>
+                </a:solidFill>
+                <a:latin typeface="Times New Roman" panose="02020603050405020304" pitchFamily="18" charset="0"/>
+                <a:ea typeface="Calibri" panose="020F0502020204030204" pitchFamily="34" charset="0"/>
+                <a:cs typeface="Times New Roman" panose="02020603050405020304" pitchFamily="18" charset="0"/>
+              </a:rPr>
+              <a:t> </a:t>
+            </a:r>
+            <a:r>
+              <a:rPr lang="ar-DZ" sz="4800" b="1" u="sng" dirty="0" smtClean="0">
+                <a:solidFill>
+                  <a:srgbClr val="FF0000"/>
+                </a:solidFill>
+                <a:latin typeface="Times New Roman" panose="02020603050405020304" pitchFamily="18" charset="0"/>
+                <a:ea typeface="Calibri" panose="020F0502020204030204" pitchFamily="34" charset="0"/>
+                <a:cs typeface="Times New Roman" panose="02020603050405020304" pitchFamily="18" charset="0"/>
+              </a:rPr>
+              <a:t>01</a:t>
             </a:r>
             <a:r>
               <a:rPr kumimoji="0" lang="ar-DZ" sz="4800" b="1" i="0" u="sng" strike="noStrike" cap="none" normalizeH="0" baseline="0" dirty="0" smtClean="0">
@@ -5278,7 +8261,22 @@
                 <a:ea typeface="Calibri" panose="020F0502020204030204" pitchFamily="34" charset="0"/>
                 <a:cs typeface="Times New Roman" panose="02020603050405020304" pitchFamily="18" charset="0"/>
               </a:rPr>
-              <a:t> :</a:t>
+              <a:t> </a:t>
+            </a:r>
+            <a:r>
+              <a:rPr kumimoji="0" lang="ar-DZ" sz="4800" b="1" i="0" u="sng" strike="noStrike" cap="none" normalizeH="0" baseline="0" dirty="0" smtClean="0">
+                <a:ln>
+                  <a:noFill/>
+                </a:ln>
+                <a:solidFill>
+                  <a:srgbClr val="FF0000"/>
+                </a:solidFill>
+                <a:effectLst/>
+                <a:latin typeface="Times New Roman" panose="02020603050405020304" pitchFamily="18" charset="0"/>
+                <a:ea typeface="Calibri" panose="020F0502020204030204" pitchFamily="34" charset="0"/>
+                <a:cs typeface="Times New Roman" panose="02020603050405020304" pitchFamily="18" charset="0"/>
+              </a:rPr>
+              <a:t>:</a:t>
             </a:r>
             <a:r>
               <a:rPr kumimoji="0" lang="ar-DZ" sz="4800" b="1" i="0" strike="noStrike" cap="none" normalizeH="0" dirty="0" smtClean="0">
@@ -5316,7 +8314,7 @@
         <p:spPr>
           <a:xfrm>
             <a:off x="188686" y="918711"/>
-            <a:ext cx="11698515" cy="4652236"/>
+            <a:ext cx="11698515" cy="646331"/>
           </a:xfrm>
           <a:prstGeom prst="rect">
             <a:avLst/>
@@ -5329,256 +8327,324 @@
           </a:bodyPr>
           <a:lstStyle/>
           <a:p>
-            <a:pPr lvl="0" algn="r" rtl="1">
-              <a:lnSpc>
-                <a:spcPct val="107000"/>
-              </a:lnSpc>
-              <a:spcAft>
-                <a:spcPts val="800"/>
-              </a:spcAft>
-            </a:pPr>
-            <a:r>
-              <a:rPr lang="ar-DZ" sz="3600" dirty="0">
-                <a:latin typeface="Calibri" panose="020F0502020204030204" pitchFamily="34" charset="0"/>
-                <a:ea typeface="Calibri" panose="020F0502020204030204" pitchFamily="34" charset="0"/>
+            <a:pPr algn="r" rtl="1"/>
+            <a:r>
+              <a:rPr lang="ar-DZ" sz="3600" dirty="0" smtClean="0"/>
+              <a:t>عرض </a:t>
+            </a:r>
+            <a:r>
+              <a:rPr lang="ar-DZ" sz="3600" dirty="0"/>
+              <a:t>المقاطع البرمجية الخاصة بالأشكال أدناه :</a:t>
+            </a:r>
+          </a:p>
+        </p:txBody>
+      </p:sp>
+      <p:pic>
+        <p:nvPicPr>
+          <p:cNvPr id="4102" name="Image 8"/>
+          <p:cNvPicPr>
+            <a:picLocks noChangeAspect="1" noChangeArrowheads="1"/>
+          </p:cNvPicPr>
+          <p:nvPr/>
+        </p:nvPicPr>
+        <p:blipFill>
+          <a:blip r:embed="rId2">
+            <a:extLst>
+              <a:ext uri="{28A0092B-C50C-407E-A947-70E740481C1C}">
+                <a14:useLocalDpi xmlns:a14="http://schemas.microsoft.com/office/drawing/2010/main" val="0"/>
+              </a:ext>
+            </a:extLst>
+          </a:blip>
+          <a:srcRect/>
+          <a:stretch>
+            <a:fillRect/>
+          </a:stretch>
+        </p:blipFill>
+        <p:spPr bwMode="auto">
+          <a:xfrm>
+            <a:off x="10316328" y="1700082"/>
+            <a:ext cx="1570873" cy="1391913"/>
+          </a:xfrm>
+          <a:prstGeom prst="rect">
+            <a:avLst/>
+          </a:prstGeom>
+          <a:noFill/>
+          <a:extLst>
+            <a:ext uri="{909E8E84-426E-40DD-AFC4-6F175D3DCCD1}">
+              <a14:hiddenFill xmlns:a14="http://schemas.microsoft.com/office/drawing/2010/main">
+                <a:solidFill>
+                  <a:srgbClr val="FFFFFF"/>
+                </a:solidFill>
+              </a14:hiddenFill>
+            </a:ext>
+          </a:extLst>
+        </p:spPr>
+      </p:pic>
+      <p:pic>
+        <p:nvPicPr>
+          <p:cNvPr id="4101" name="Image 7"/>
+          <p:cNvPicPr>
+            <a:picLocks noChangeAspect="1" noChangeArrowheads="1"/>
+          </p:cNvPicPr>
+          <p:nvPr/>
+        </p:nvPicPr>
+        <p:blipFill>
+          <a:blip r:embed="rId3">
+            <a:extLst>
+              <a:ext uri="{28A0092B-C50C-407E-A947-70E740481C1C}">
+                <a14:useLocalDpi xmlns:a14="http://schemas.microsoft.com/office/drawing/2010/main" val="0"/>
+              </a:ext>
+            </a:extLst>
+          </a:blip>
+          <a:srcRect/>
+          <a:stretch>
+            <a:fillRect/>
+          </a:stretch>
+        </p:blipFill>
+        <p:spPr bwMode="auto">
+          <a:xfrm>
+            <a:off x="8482379" y="1703647"/>
+            <a:ext cx="1369819" cy="1391913"/>
+          </a:xfrm>
+          <a:prstGeom prst="rect">
+            <a:avLst/>
+          </a:prstGeom>
+          <a:noFill/>
+          <a:extLst>
+            <a:ext uri="{909E8E84-426E-40DD-AFC4-6F175D3DCCD1}">
+              <a14:hiddenFill xmlns:a14="http://schemas.microsoft.com/office/drawing/2010/main">
+                <a:solidFill>
+                  <a:srgbClr val="FFFFFF"/>
+                </a:solidFill>
+              </a14:hiddenFill>
+            </a:ext>
+          </a:extLst>
+        </p:spPr>
+      </p:pic>
+      <p:pic>
+        <p:nvPicPr>
+          <p:cNvPr id="4100" name="Image 11"/>
+          <p:cNvPicPr>
+            <a:picLocks noChangeAspect="1" noChangeArrowheads="1"/>
+          </p:cNvPicPr>
+          <p:nvPr/>
+        </p:nvPicPr>
+        <p:blipFill>
+          <a:blip r:embed="rId4">
+            <a:extLst>
+              <a:ext uri="{28A0092B-C50C-407E-A947-70E740481C1C}">
+                <a14:useLocalDpi xmlns:a14="http://schemas.microsoft.com/office/drawing/2010/main" val="0"/>
+              </a:ext>
+            </a:extLst>
+          </a:blip>
+          <a:srcRect/>
+          <a:stretch>
+            <a:fillRect/>
+          </a:stretch>
+        </p:blipFill>
+        <p:spPr bwMode="auto">
+          <a:xfrm>
+            <a:off x="6641541" y="1565042"/>
+            <a:ext cx="1677665" cy="1523214"/>
+          </a:xfrm>
+          <a:prstGeom prst="rect">
+            <a:avLst/>
+          </a:prstGeom>
+          <a:noFill/>
+          <a:extLst>
+            <a:ext uri="{909E8E84-426E-40DD-AFC4-6F175D3DCCD1}">
+              <a14:hiddenFill xmlns:a14="http://schemas.microsoft.com/office/drawing/2010/main">
+                <a:solidFill>
+                  <a:srgbClr val="FFFFFF"/>
+                </a:solidFill>
+              </a14:hiddenFill>
+            </a:ext>
+          </a:extLst>
+        </p:spPr>
+      </p:pic>
+      <p:pic>
+        <p:nvPicPr>
+          <p:cNvPr id="4099" name="Image 14"/>
+          <p:cNvPicPr>
+            <a:picLocks noChangeAspect="1" noChangeArrowheads="1"/>
+          </p:cNvPicPr>
+          <p:nvPr/>
+        </p:nvPicPr>
+        <p:blipFill>
+          <a:blip r:embed="rId5">
+            <a:extLst>
+              <a:ext uri="{28A0092B-C50C-407E-A947-70E740481C1C}">
+                <a14:useLocalDpi xmlns:a14="http://schemas.microsoft.com/office/drawing/2010/main" val="0"/>
+              </a:ext>
+            </a:extLst>
+          </a:blip>
+          <a:srcRect t="3847" r="2769"/>
+          <a:stretch>
+            <a:fillRect/>
+          </a:stretch>
+        </p:blipFill>
+        <p:spPr bwMode="auto">
+          <a:xfrm flipH="1">
+            <a:off x="4622652" y="1681620"/>
+            <a:ext cx="1685524" cy="1468422"/>
+          </a:xfrm>
+          <a:prstGeom prst="rect">
+            <a:avLst/>
+          </a:prstGeom>
+          <a:noFill/>
+          <a:extLst>
+            <a:ext uri="{909E8E84-426E-40DD-AFC4-6F175D3DCCD1}">
+              <a14:hiddenFill xmlns:a14="http://schemas.microsoft.com/office/drawing/2010/main">
+                <a:solidFill>
+                  <a:srgbClr val="FFFFFF"/>
+                </a:solidFill>
+              </a14:hiddenFill>
+            </a:ext>
+          </a:extLst>
+        </p:spPr>
+      </p:pic>
+      <p:pic>
+        <p:nvPicPr>
+          <p:cNvPr id="4098" name="Image 17"/>
+          <p:cNvPicPr>
+            <a:picLocks noChangeAspect="1" noChangeArrowheads="1"/>
+          </p:cNvPicPr>
+          <p:nvPr/>
+        </p:nvPicPr>
+        <p:blipFill>
+          <a:blip r:embed="rId6">
+            <a:extLst>
+              <a:ext uri="{28A0092B-C50C-407E-A947-70E740481C1C}">
+                <a14:useLocalDpi xmlns:a14="http://schemas.microsoft.com/office/drawing/2010/main" val="0"/>
+              </a:ext>
+            </a:extLst>
+          </a:blip>
+          <a:srcRect/>
+          <a:stretch>
+            <a:fillRect/>
+          </a:stretch>
+        </p:blipFill>
+        <p:spPr bwMode="auto">
+          <a:xfrm flipH="1">
+            <a:off x="2615511" y="1565042"/>
+            <a:ext cx="1673776" cy="1523565"/>
+          </a:xfrm>
+          <a:prstGeom prst="rect">
+            <a:avLst/>
+          </a:prstGeom>
+          <a:noFill/>
+          <a:extLst>
+            <a:ext uri="{909E8E84-426E-40DD-AFC4-6F175D3DCCD1}">
+              <a14:hiddenFill xmlns:a14="http://schemas.microsoft.com/office/drawing/2010/main">
+                <a:solidFill>
+                  <a:srgbClr val="FFFFFF"/>
+                </a:solidFill>
+              </a14:hiddenFill>
+            </a:ext>
+          </a:extLst>
+        </p:spPr>
+      </p:pic>
+      <p:pic>
+        <p:nvPicPr>
+          <p:cNvPr id="4097" name="Image 20"/>
+          <p:cNvPicPr>
+            <a:picLocks noChangeAspect="1" noChangeArrowheads="1"/>
+          </p:cNvPicPr>
+          <p:nvPr/>
+        </p:nvPicPr>
+        <p:blipFill>
+          <a:blip r:embed="rId7">
+            <a:extLst>
+              <a:ext uri="{28A0092B-C50C-407E-A947-70E740481C1C}">
+                <a14:useLocalDpi xmlns:a14="http://schemas.microsoft.com/office/drawing/2010/main" val="0"/>
+              </a:ext>
+            </a:extLst>
+          </a:blip>
+          <a:srcRect/>
+          <a:stretch>
+            <a:fillRect/>
+          </a:stretch>
+        </p:blipFill>
+        <p:spPr bwMode="auto">
+          <a:xfrm>
+            <a:off x="301107" y="1565042"/>
+            <a:ext cx="1819182" cy="1523565"/>
+          </a:xfrm>
+          <a:prstGeom prst="rect">
+            <a:avLst/>
+          </a:prstGeom>
+          <a:noFill/>
+          <a:extLst>
+            <a:ext uri="{909E8E84-426E-40DD-AFC4-6F175D3DCCD1}">
+              <a14:hiddenFill xmlns:a14="http://schemas.microsoft.com/office/drawing/2010/main">
+                <a:solidFill>
+                  <a:srgbClr val="FFFFFF"/>
+                </a:solidFill>
+              </a14:hiddenFill>
+            </a:ext>
+          </a:extLst>
+        </p:spPr>
+      </p:pic>
+      <p:sp>
+        <p:nvSpPr>
+          <p:cNvPr id="4" name="Rectangle 3"/>
+          <p:cNvSpPr/>
+          <p:nvPr/>
+        </p:nvSpPr>
+        <p:spPr>
+          <a:xfrm>
+            <a:off x="6894597" y="3617021"/>
+            <a:ext cx="5102679" cy="584775"/>
+          </a:xfrm>
+          <a:prstGeom prst="rect">
+            <a:avLst/>
+          </a:prstGeom>
+        </p:spPr>
+        <p:txBody>
+          <a:bodyPr wrap="none">
+            <a:spAutoFit/>
+          </a:bodyPr>
+          <a:lstStyle/>
+          <a:p>
+            <a:r>
+              <a:rPr lang="ar-DZ" sz="3200" dirty="0">
                 <a:cs typeface="+mj-cs"/>
               </a:rPr>
-              <a:t>1.	افتح ملف </a:t>
-            </a:r>
-            <a:r>
-              <a:rPr lang="fr-FR" sz="3600" b="1" dirty="0" smtClean="0">
-                <a:latin typeface="Calibri" panose="020F0502020204030204" pitchFamily="34" charset="0"/>
-                <a:ea typeface="Calibri" panose="020F0502020204030204" pitchFamily="34" charset="0"/>
+              <a:t>1- ما الذي يميز كل شكل عن الآخر ؟ </a:t>
+            </a:r>
+          </a:p>
+        </p:txBody>
+      </p:sp>
+      <p:sp>
+        <p:nvSpPr>
+          <p:cNvPr id="5" name="Rectangle 4"/>
+          <p:cNvSpPr/>
+          <p:nvPr/>
+        </p:nvSpPr>
+        <p:spPr>
+          <a:xfrm>
+            <a:off x="2863334" y="3572829"/>
+            <a:ext cx="3932487" cy="584775"/>
+          </a:xfrm>
+          <a:prstGeom prst="rect">
+            <a:avLst/>
+          </a:prstGeom>
+        </p:spPr>
+        <p:txBody>
+          <a:bodyPr wrap="none">
+            <a:spAutoFit/>
+          </a:bodyPr>
+          <a:lstStyle/>
+          <a:p>
+            <a:r>
+              <a:rPr lang="ar-DZ" sz="3200" dirty="0">
+                <a:solidFill>
+                  <a:srgbClr val="FF0000"/>
+                </a:solidFill>
                 <a:cs typeface="+mj-cs"/>
               </a:rPr>
-              <a:t>.</a:t>
-            </a:r>
-            <a:r>
-              <a:rPr lang="fr-FR" sz="3600" b="1" dirty="0" err="1" smtClean="0">
-                <a:latin typeface="Calibri" panose="020F0502020204030204" pitchFamily="34" charset="0"/>
-                <a:ea typeface="Calibri" panose="020F0502020204030204" pitchFamily="34" charset="0"/>
-                <a:cs typeface="+mj-cs"/>
-              </a:rPr>
-              <a:t>pptx</a:t>
-            </a:r>
-            <a:r>
-              <a:rPr lang="ar-DZ" sz="3600" b="1" dirty="0">
-                <a:latin typeface="Calibri" panose="020F0502020204030204" pitchFamily="34" charset="0"/>
-                <a:ea typeface="Calibri" panose="020F0502020204030204" pitchFamily="34" charset="0"/>
-                <a:cs typeface="+mj-cs"/>
-              </a:rPr>
-              <a:t>حيوانات الغابة </a:t>
-            </a:r>
-            <a:r>
-              <a:rPr lang="ar-DZ" sz="3600" dirty="0">
-                <a:latin typeface="Calibri" panose="020F0502020204030204" pitchFamily="34" charset="0"/>
-                <a:ea typeface="Calibri" panose="020F0502020204030204" pitchFamily="34" charset="0"/>
-                <a:cs typeface="+mj-cs"/>
-              </a:rPr>
-              <a:t>المتواجد على سطح المكتب</a:t>
-            </a:r>
-          </a:p>
-          <a:p>
-            <a:pPr lvl="0" algn="r" rtl="1">
-              <a:lnSpc>
-                <a:spcPct val="107000"/>
-              </a:lnSpc>
-              <a:spcAft>
-                <a:spcPts val="800"/>
-              </a:spcAft>
-            </a:pPr>
-            <a:r>
-              <a:rPr lang="ar-DZ" sz="3600" dirty="0">
-                <a:latin typeface="Calibri" panose="020F0502020204030204" pitchFamily="34" charset="0"/>
-                <a:ea typeface="Calibri" panose="020F0502020204030204" pitchFamily="34" charset="0"/>
-                <a:cs typeface="+mj-cs"/>
-              </a:rPr>
-              <a:t>2.	قم بإضافة تأثيرات </a:t>
-            </a:r>
-            <a:r>
-              <a:rPr lang="ar-DZ" sz="3600" dirty="0" err="1">
-                <a:latin typeface="Calibri" panose="020F0502020204030204" pitchFamily="34" charset="0"/>
-                <a:ea typeface="Calibri" panose="020F0502020204030204" pitchFamily="34" charset="0"/>
-                <a:cs typeface="+mj-cs"/>
-              </a:rPr>
-              <a:t>الإنتقال</a:t>
-            </a:r>
-            <a:r>
-              <a:rPr lang="ar-DZ" sz="3600" dirty="0">
-                <a:latin typeface="Calibri" panose="020F0502020204030204" pitchFamily="34" charset="0"/>
-                <a:ea typeface="Calibri" panose="020F0502020204030204" pitchFamily="34" charset="0"/>
-                <a:cs typeface="+mj-cs"/>
-              </a:rPr>
-              <a:t> من شريحة لأخرى من اختيارك لجميع الشرائح</a:t>
-            </a:r>
-          </a:p>
-          <a:p>
-            <a:pPr lvl="0" algn="r" rtl="1">
-              <a:lnSpc>
-                <a:spcPct val="107000"/>
-              </a:lnSpc>
-              <a:spcAft>
-                <a:spcPts val="800"/>
-              </a:spcAft>
-            </a:pPr>
-            <a:r>
-              <a:rPr lang="ar-DZ" sz="3600" dirty="0">
-                <a:latin typeface="Calibri" panose="020F0502020204030204" pitchFamily="34" charset="0"/>
-                <a:ea typeface="Calibri" panose="020F0502020204030204" pitchFamily="34" charset="0"/>
-                <a:cs typeface="+mj-cs"/>
-              </a:rPr>
-              <a:t>3.	قم بعملية الحفظ من نوع </a:t>
-            </a:r>
-            <a:r>
-              <a:rPr lang="fr-FR" sz="3600" dirty="0">
-                <a:latin typeface="Calibri" panose="020F0502020204030204" pitchFamily="34" charset="0"/>
-                <a:ea typeface="Calibri" panose="020F0502020204030204" pitchFamily="34" charset="0"/>
-                <a:cs typeface="+mj-cs"/>
-              </a:rPr>
-              <a:t>Diaporama </a:t>
-            </a:r>
-            <a:r>
-              <a:rPr lang="fr-FR" sz="3600" dirty="0" smtClean="0">
-                <a:latin typeface="Calibri" panose="020F0502020204030204" pitchFamily="34" charset="0"/>
-                <a:ea typeface="Calibri" panose="020F0502020204030204" pitchFamily="34" charset="0"/>
-                <a:cs typeface="+mj-cs"/>
-              </a:rPr>
-              <a:t>PowerPoint </a:t>
-            </a:r>
-            <a:r>
-              <a:rPr lang="ar-DZ" sz="3600" dirty="0" smtClean="0">
-                <a:latin typeface="Calibri" panose="020F0502020204030204" pitchFamily="34" charset="0"/>
-                <a:ea typeface="Calibri" panose="020F0502020204030204" pitchFamily="34" charset="0"/>
-                <a:cs typeface="+mj-cs"/>
-              </a:rPr>
-              <a:t> تحت </a:t>
-            </a:r>
-            <a:r>
-              <a:rPr lang="ar-DZ" sz="3600" dirty="0">
-                <a:latin typeface="Calibri" panose="020F0502020204030204" pitchFamily="34" charset="0"/>
-                <a:ea typeface="Calibri" panose="020F0502020204030204" pitchFamily="34" charset="0"/>
-                <a:cs typeface="+mj-cs"/>
-              </a:rPr>
-              <a:t>أسمك ثم أعد فتح </a:t>
-            </a:r>
-            <a:r>
-              <a:rPr lang="ar-DZ" sz="3600" dirty="0" smtClean="0">
-                <a:latin typeface="Calibri" panose="020F0502020204030204" pitchFamily="34" charset="0"/>
-                <a:ea typeface="Calibri" panose="020F0502020204030204" pitchFamily="34" charset="0"/>
-                <a:cs typeface="+mj-cs"/>
-              </a:rPr>
-              <a:t>الملف ؟ </a:t>
-            </a:r>
-            <a:endParaRPr lang="ar-DZ" sz="3600" dirty="0">
-              <a:latin typeface="Calibri" panose="020F0502020204030204" pitchFamily="34" charset="0"/>
-              <a:ea typeface="Calibri" panose="020F0502020204030204" pitchFamily="34" charset="0"/>
-              <a:cs typeface="+mj-cs"/>
-            </a:endParaRPr>
-          </a:p>
-          <a:p>
-            <a:pPr lvl="0" algn="r" rtl="1">
-              <a:lnSpc>
-                <a:spcPct val="107000"/>
-              </a:lnSpc>
-              <a:spcAft>
-                <a:spcPts val="800"/>
-              </a:spcAft>
-            </a:pPr>
-            <a:r>
-              <a:rPr lang="ar-DZ" sz="3600" dirty="0">
-                <a:latin typeface="Calibri" panose="020F0502020204030204" pitchFamily="34" charset="0"/>
-                <a:ea typeface="Calibri" panose="020F0502020204030204" pitchFamily="34" charset="0"/>
-                <a:cs typeface="+mj-cs"/>
-              </a:rPr>
-              <a:t>4.	ماذا تلاحظ ؟</a:t>
-            </a:r>
-          </a:p>
-          <a:p>
-            <a:pPr lvl="0" algn="r" rtl="1">
-              <a:lnSpc>
-                <a:spcPct val="107000"/>
-              </a:lnSpc>
-              <a:spcAft>
-                <a:spcPts val="800"/>
-              </a:spcAft>
-            </a:pPr>
-            <a:r>
-              <a:rPr lang="ar-DZ" sz="3600" dirty="0">
-                <a:latin typeface="Calibri" panose="020F0502020204030204" pitchFamily="34" charset="0"/>
-                <a:ea typeface="Calibri" panose="020F0502020204030204" pitchFamily="34" charset="0"/>
-                <a:cs typeface="+mj-cs"/>
-              </a:rPr>
-              <a:t>5.	ما دور </a:t>
-            </a:r>
-            <a:r>
-              <a:rPr lang="ar-DZ" sz="3600" dirty="0" smtClean="0">
-                <a:latin typeface="Calibri" panose="020F0502020204030204" pitchFamily="34" charset="0"/>
-                <a:ea typeface="Calibri" panose="020F0502020204030204" pitchFamily="34" charset="0"/>
-                <a:cs typeface="+mj-cs"/>
-              </a:rPr>
-              <a:t>التعليمة</a:t>
-            </a:r>
-            <a:r>
-              <a:rPr lang="fr-FR" sz="3600" dirty="0" smtClean="0">
-                <a:latin typeface="Calibri" panose="020F0502020204030204" pitchFamily="34" charset="0"/>
-                <a:ea typeface="Calibri" panose="020F0502020204030204" pitchFamily="34" charset="0"/>
-                <a:cs typeface="+mj-cs"/>
-              </a:rPr>
-              <a:t>Appliquer </a:t>
-            </a:r>
-            <a:r>
-              <a:rPr lang="fr-FR" sz="3600" dirty="0">
-                <a:latin typeface="Calibri" panose="020F0502020204030204" pitchFamily="34" charset="0"/>
-                <a:ea typeface="Calibri" panose="020F0502020204030204" pitchFamily="34" charset="0"/>
-                <a:cs typeface="+mj-cs"/>
-              </a:rPr>
-              <a:t>partout </a:t>
-            </a:r>
-            <a:r>
-              <a:rPr lang="ar-DZ" sz="3600" dirty="0" smtClean="0">
-                <a:latin typeface="Calibri" panose="020F0502020204030204" pitchFamily="34" charset="0"/>
-                <a:ea typeface="Calibri" panose="020F0502020204030204" pitchFamily="34" charset="0"/>
-                <a:cs typeface="+mj-cs"/>
-              </a:rPr>
-              <a:t> الموجودة </a:t>
-            </a:r>
-            <a:r>
-              <a:rPr lang="ar-DZ" sz="3600" dirty="0">
-                <a:latin typeface="Calibri" panose="020F0502020204030204" pitchFamily="34" charset="0"/>
-                <a:ea typeface="Calibri" panose="020F0502020204030204" pitchFamily="34" charset="0"/>
-                <a:cs typeface="+mj-cs"/>
-              </a:rPr>
-              <a:t>في المجموعة </a:t>
-            </a:r>
-            <a:r>
-              <a:rPr lang="fr-FR" sz="3600" dirty="0">
-                <a:latin typeface="Calibri" panose="020F0502020204030204" pitchFamily="34" charset="0"/>
-                <a:ea typeface="Calibri" panose="020F0502020204030204" pitchFamily="34" charset="0"/>
-                <a:cs typeface="+mj-cs"/>
-              </a:rPr>
-              <a:t>Minutage </a:t>
-            </a:r>
-            <a:r>
-              <a:rPr lang="ar-DZ" sz="3600" dirty="0" smtClean="0">
-                <a:latin typeface="Calibri" panose="020F0502020204030204" pitchFamily="34" charset="0"/>
-                <a:ea typeface="Calibri" panose="020F0502020204030204" pitchFamily="34" charset="0"/>
-                <a:cs typeface="+mj-cs"/>
-              </a:rPr>
-              <a:t> </a:t>
-            </a:r>
-            <a:r>
-              <a:rPr lang="fr-FR" sz="3600" dirty="0" smtClean="0">
-                <a:latin typeface="Calibri" panose="020F0502020204030204" pitchFamily="34" charset="0"/>
-                <a:ea typeface="Calibri" panose="020F0502020204030204" pitchFamily="34" charset="0"/>
-                <a:cs typeface="+mj-cs"/>
-              </a:rPr>
-              <a:t>؟</a:t>
-            </a:r>
-            <a:endParaRPr lang="fr-FR" sz="3600" dirty="0">
-              <a:latin typeface="Calibri" panose="020F0502020204030204" pitchFamily="34" charset="0"/>
-              <a:ea typeface="Calibri" panose="020F0502020204030204" pitchFamily="34" charset="0"/>
-              <a:cs typeface="+mj-cs"/>
-            </a:endParaRPr>
+              <a:t>(الاختلاف في عدد الأضلاع)</a:t>
+            </a:r>
           </a:p>
         </p:txBody>
       </p:sp>
@@ -5586,6 +8652,1263 @@
     <p:extLst>
       <p:ext uri="{BB962C8B-B14F-4D97-AF65-F5344CB8AC3E}">
         <p14:creationId xmlns:p14="http://schemas.microsoft.com/office/powerpoint/2010/main" val="1886755948"/>
+      </p:ext>
+    </p:extLst>
+  </p:cSld>
+  <p:clrMapOvr>
+    <a:masterClrMapping/>
+  </p:clrMapOvr>
+  <p:transition spd="slow">
+    <p:push dir="u"/>
+  </p:transition>
+  <p:timing>
+    <p:tnLst>
+      <p:par>
+        <p:cTn id="1" dur="indefinite" restart="never" nodeType="tmRoot">
+          <p:childTnLst>
+            <p:seq concurrent="1" nextAc="seek">
+              <p:cTn id="2" dur="indefinite" nodeType="mainSeq">
+                <p:childTnLst>
+                  <p:par>
+                    <p:cTn id="3" fill="hold">
+                      <p:stCondLst>
+                        <p:cond delay="indefinite"/>
+                      </p:stCondLst>
+                      <p:childTnLst>
+                        <p:par>
+                          <p:cTn id="4" fill="hold">
+                            <p:stCondLst>
+                              <p:cond delay="0"/>
+                            </p:stCondLst>
+                            <p:childTnLst>
+                              <p:par>
+                                <p:cTn id="5" presetID="42" presetClass="entr" presetSubtype="0" fill="hold" grpId="0" nodeType="clickEffect">
+                                  <p:stCondLst>
+                                    <p:cond delay="0"/>
+                                  </p:stCondLst>
+                                  <p:childTnLst>
+                                    <p:set>
+                                      <p:cBhvr>
+                                        <p:cTn id="6" dur="1" fill="hold">
+                                          <p:stCondLst>
+                                            <p:cond delay="0"/>
+                                          </p:stCondLst>
+                                        </p:cTn>
+                                        <p:tgtEl>
+                                          <p:spTgt spid="5"/>
+                                        </p:tgtEl>
+                                        <p:attrNameLst>
+                                          <p:attrName>style.visibility</p:attrName>
+                                        </p:attrNameLst>
+                                      </p:cBhvr>
+                                      <p:to>
+                                        <p:strVal val="visible"/>
+                                      </p:to>
+                                    </p:set>
+                                    <p:animEffect transition="in" filter="fade">
+                                      <p:cBhvr>
+                                        <p:cTn id="7" dur="1000"/>
+                                        <p:tgtEl>
+                                          <p:spTgt spid="5"/>
+                                        </p:tgtEl>
+                                      </p:cBhvr>
+                                    </p:animEffect>
+                                    <p:anim calcmode="lin" valueType="num">
+                                      <p:cBhvr>
+                                        <p:cTn id="8" dur="1000" fill="hold"/>
+                                        <p:tgtEl>
+                                          <p:spTgt spid="5"/>
+                                        </p:tgtEl>
+                                        <p:attrNameLst>
+                                          <p:attrName>ppt_x</p:attrName>
+                                        </p:attrNameLst>
+                                      </p:cBhvr>
+                                      <p:tavLst>
+                                        <p:tav tm="0">
+                                          <p:val>
+                                            <p:strVal val="#ppt_x"/>
+                                          </p:val>
+                                        </p:tav>
+                                        <p:tav tm="100000">
+                                          <p:val>
+                                            <p:strVal val="#ppt_x"/>
+                                          </p:val>
+                                        </p:tav>
+                                      </p:tavLst>
+                                    </p:anim>
+                                    <p:anim calcmode="lin" valueType="num">
+                                      <p:cBhvr>
+                                        <p:cTn id="9" dur="1000" fill="hold"/>
+                                        <p:tgtEl>
+                                          <p:spTgt spid="5"/>
+                                        </p:tgtEl>
+                                        <p:attrNameLst>
+                                          <p:attrName>ppt_y</p:attrName>
+                                        </p:attrNameLst>
+                                      </p:cBhvr>
+                                      <p:tavLst>
+                                        <p:tav tm="0">
+                                          <p:val>
+                                            <p:strVal val="#ppt_y+.1"/>
+                                          </p:val>
+                                        </p:tav>
+                                        <p:tav tm="100000">
+                                          <p:val>
+                                            <p:strVal val="#ppt_y"/>
+                                          </p:val>
+                                        </p:tav>
+                                      </p:tavLst>
+                                    </p:anim>
+                                  </p:childTnLst>
+                                </p:cTn>
+                              </p:par>
+                            </p:childTnLst>
+                          </p:cTn>
+                        </p:par>
+                      </p:childTnLst>
+                    </p:cTn>
+                  </p:par>
+                </p:childTnLst>
+              </p:cTn>
+              <p:prevCondLst>
+                <p:cond evt="onPrev" delay="0">
+                  <p:tgtEl>
+                    <p:sldTgt/>
+                  </p:tgtEl>
+                </p:cond>
+              </p:prevCondLst>
+              <p:nextCondLst>
+                <p:cond evt="onNext" delay="0">
+                  <p:tgtEl>
+                    <p:sldTgt/>
+                  </p:tgtEl>
+                </p:cond>
+              </p:nextCondLst>
+            </p:seq>
+          </p:childTnLst>
+        </p:cTn>
+      </p:par>
+    </p:tnLst>
+    <p:bldLst>
+      <p:bldP spid="5" grpId="0"/>
+    </p:bldLst>
+  </p:timing>
+</p:sld>
+</file>
+
+<file path=ppt/slides/slide7.xml><?xml version="1.0" encoding="utf-8"?>
+<p:sld xmlns:a="http://schemas.openxmlformats.org/drawingml/2006/main" xmlns:r="http://schemas.openxmlformats.org/officeDocument/2006/relationships" xmlns:p="http://schemas.openxmlformats.org/presentationml/2006/main">
+  <p:cSld>
+    <p:spTree>
+      <p:nvGrpSpPr>
+        <p:cNvPr id="1" name=""/>
+        <p:cNvGrpSpPr/>
+        <p:nvPr/>
+      </p:nvGrpSpPr>
+      <p:grpSpPr>
+        <a:xfrm>
+          <a:off x="0" y="0"/>
+          <a:ext cx="0" cy="0"/>
+          <a:chOff x="0" y="0"/>
+          <a:chExt cx="0" cy="0"/>
+        </a:xfrm>
+      </p:grpSpPr>
+      <p:sp>
+        <p:nvSpPr>
+          <p:cNvPr id="5" name="Rectangle 4"/>
+          <p:cNvSpPr/>
+          <p:nvPr/>
+        </p:nvSpPr>
+        <p:spPr>
+          <a:xfrm>
+            <a:off x="0" y="3654518"/>
+            <a:ext cx="3866606" cy="1077218"/>
+          </a:xfrm>
+          <a:prstGeom prst="rect">
+            <a:avLst/>
+          </a:prstGeom>
+        </p:spPr>
+        <p:txBody>
+          <a:bodyPr wrap="square">
+            <a:spAutoFit/>
+          </a:bodyPr>
+          <a:lstStyle/>
+          <a:p>
+            <a:pPr algn="ctr" rtl="1"/>
+            <a:r>
+              <a:rPr lang="ar-DZ" sz="3200" dirty="0">
+                <a:solidFill>
+                  <a:srgbClr val="FF0000"/>
+                </a:solidFill>
+              </a:rPr>
+              <a:t>(الأول كل شكل </a:t>
+            </a:r>
+            <a:r>
+              <a:rPr lang="ar-DZ" sz="3200" dirty="0" smtClean="0">
+                <a:solidFill>
+                  <a:srgbClr val="FF0000"/>
+                </a:solidFill>
+              </a:rPr>
+              <a:t>أضلاعه </a:t>
+            </a:r>
+            <a:r>
+              <a:rPr lang="ar-DZ" sz="3200" dirty="0" err="1">
+                <a:solidFill>
+                  <a:srgbClr val="FF0000"/>
+                </a:solidFill>
+              </a:rPr>
+              <a:t>متقايسة</a:t>
+            </a:r>
+            <a:r>
+              <a:rPr lang="ar-DZ" sz="3200" dirty="0">
+                <a:solidFill>
+                  <a:srgbClr val="FF0000"/>
+                </a:solidFill>
+              </a:rPr>
+              <a:t> عكس الثاني)</a:t>
+            </a:r>
+            <a:endParaRPr lang="ar-DZ" sz="3200" dirty="0">
+              <a:solidFill>
+                <a:srgbClr val="FF0000"/>
+              </a:solidFill>
+              <a:cs typeface="+mj-cs"/>
+            </a:endParaRPr>
+          </a:p>
+        </p:txBody>
+      </p:sp>
+      <p:sp>
+        <p:nvSpPr>
+          <p:cNvPr id="6" name="Rectangle 5"/>
+          <p:cNvSpPr>
+            <a:spLocks noChangeArrowheads="1"/>
+          </p:cNvSpPr>
+          <p:nvPr/>
+        </p:nvSpPr>
+        <p:spPr bwMode="auto">
+          <a:xfrm>
+            <a:off x="4829578" y="687878"/>
+            <a:ext cx="184731" cy="369332"/>
+          </a:xfrm>
+          <a:prstGeom prst="rect">
+            <a:avLst/>
+          </a:prstGeom>
+          <a:noFill/>
+          <a:ln>
+            <a:noFill/>
+          </a:ln>
+          <a:effectLst/>
+          <a:extLst>
+            <a:ext uri="{909E8E84-426E-40DD-AFC4-6F175D3DCCD1}">
+              <a14:hiddenFill xmlns:a14="http://schemas.microsoft.com/office/drawing/2010/main">
+                <a:solidFill>
+                  <a:schemeClr val="accent1"/>
+                </a:solidFill>
+              </a14:hiddenFill>
+            </a:ext>
+            <a:ext uri="{91240B29-F687-4F45-9708-019B960494DF}">
+              <a14:hiddenLine xmlns:a14="http://schemas.microsoft.com/office/drawing/2010/main" w="9525">
+                <a:solidFill>
+                  <a:schemeClr val="tx1"/>
+                </a:solidFill>
+                <a:miter lim="800000"/>
+                <a:headEnd/>
+                <a:tailEnd/>
+              </a14:hiddenLine>
+            </a:ext>
+            <a:ext uri="{AF507438-7753-43E0-B8FC-AC1667EBCBE1}">
+              <a14:hiddenEffects xmlns:a14="http://schemas.microsoft.com/office/drawing/2010/main">
+                <a:effectLst>
+                  <a:outerShdw dist="35921" dir="2700000" algn="ctr" rotWithShape="0">
+                    <a:schemeClr val="bg2"/>
+                  </a:outerShdw>
+                </a:effectLst>
+              </a14:hiddenEffects>
+            </a:ext>
+          </a:extLst>
+        </p:spPr>
+        <p:txBody>
+          <a:bodyPr vert="horz" wrap="none" lIns="91440" tIns="45720" rIns="91440" bIns="45720" numCol="1" anchor="ctr" anchorCtr="0" compatLnSpc="1">
+            <a:prstTxWarp prst="textNoShape">
+              <a:avLst/>
+            </a:prstTxWarp>
+            <a:spAutoFit/>
+          </a:bodyPr>
+          <a:lstStyle/>
+          <a:p>
+            <a:pPr marL="0" marR="0" lvl="0" indent="0" algn="l" defTabSz="914400" rtl="0" eaLnBrk="0" fontAlgn="base" latinLnBrk="0" hangingPunct="0">
+              <a:lnSpc>
+                <a:spcPct val="100000"/>
+              </a:lnSpc>
+              <a:spcBef>
+                <a:spcPct val="0"/>
+              </a:spcBef>
+              <a:spcAft>
+                <a:spcPct val="0"/>
+              </a:spcAft>
+              <a:buClrTx/>
+              <a:buSzTx/>
+              <a:buFontTx/>
+              <a:buNone/>
+              <a:tabLst/>
+            </a:pPr>
+            <a:endParaRPr kumimoji="0" lang="fr-FR" sz="1800" b="1" i="0" u="none" strike="noStrike" cap="none" normalizeH="0" baseline="0" dirty="0" smtClean="0">
+              <a:ln>
+                <a:noFill/>
+              </a:ln>
+              <a:solidFill>
+                <a:schemeClr val="tx1"/>
+              </a:solidFill>
+              <a:effectLst/>
+              <a:latin typeface="Arial" panose="020B0604020202020204" pitchFamily="34" charset="0"/>
+              <a:cs typeface="Arial" panose="020B0604020202020204" pitchFamily="34" charset="0"/>
+            </a:endParaRPr>
+          </a:p>
+        </p:txBody>
+      </p:sp>
+      <p:sp>
+        <p:nvSpPr>
+          <p:cNvPr id="8" name="Rectangle 2"/>
+          <p:cNvSpPr>
+            <a:spLocks noChangeArrowheads="1"/>
+          </p:cNvSpPr>
+          <p:nvPr/>
+        </p:nvSpPr>
+        <p:spPr bwMode="auto">
+          <a:xfrm>
+            <a:off x="350729" y="87714"/>
+            <a:ext cx="11536472" cy="830997"/>
+          </a:xfrm>
+          <a:prstGeom prst="rect">
+            <a:avLst/>
+          </a:prstGeom>
+          <a:noFill/>
+          <a:ln>
+            <a:noFill/>
+          </a:ln>
+          <a:effectLst/>
+          <a:extLst>
+            <a:ext uri="{909E8E84-426E-40DD-AFC4-6F175D3DCCD1}">
+              <a14:hiddenFill xmlns:a14="http://schemas.microsoft.com/office/drawing/2010/main">
+                <a:solidFill>
+                  <a:schemeClr val="accent1"/>
+                </a:solidFill>
+              </a14:hiddenFill>
+            </a:ext>
+            <a:ext uri="{91240B29-F687-4F45-9708-019B960494DF}">
+              <a14:hiddenLine xmlns:a14="http://schemas.microsoft.com/office/drawing/2010/main" w="9525">
+                <a:solidFill>
+                  <a:schemeClr val="tx1"/>
+                </a:solidFill>
+                <a:miter lim="800000"/>
+                <a:headEnd/>
+                <a:tailEnd/>
+              </a14:hiddenLine>
+            </a:ext>
+            <a:ext uri="{AF507438-7753-43E0-B8FC-AC1667EBCBE1}">
+              <a14:hiddenEffects xmlns:a14="http://schemas.microsoft.com/office/drawing/2010/main">
+                <a:effectLst>
+                  <a:outerShdw dist="35921" dir="2700000" algn="ctr" rotWithShape="0">
+                    <a:schemeClr val="bg2"/>
+                  </a:outerShdw>
+                </a:effectLst>
+              </a14:hiddenEffects>
+            </a:ext>
+          </a:extLst>
+        </p:spPr>
+        <p:txBody>
+          <a:bodyPr vert="horz" wrap="square" lIns="91440" tIns="45720" rIns="91440" bIns="45720" numCol="1" anchor="ctr" anchorCtr="0" compatLnSpc="1">
+            <a:prstTxWarp prst="textNoShape">
+              <a:avLst/>
+            </a:prstTxWarp>
+            <a:spAutoFit/>
+          </a:bodyPr>
+          <a:lstStyle/>
+          <a:p>
+            <a:pPr marL="0" marR="0" lvl="0" indent="0" algn="r" defTabSz="914400" rtl="1" eaLnBrk="0" fontAlgn="base" latinLnBrk="0" hangingPunct="0">
+              <a:lnSpc>
+                <a:spcPct val="100000"/>
+              </a:lnSpc>
+              <a:spcBef>
+                <a:spcPct val="0"/>
+              </a:spcBef>
+              <a:spcAft>
+                <a:spcPct val="0"/>
+              </a:spcAft>
+              <a:buClrTx/>
+              <a:buSzTx/>
+              <a:tabLst/>
+            </a:pPr>
+            <a:r>
+              <a:rPr lang="ar-DZ" sz="4800" b="1" u="sng" dirty="0" smtClean="0">
+                <a:solidFill>
+                  <a:srgbClr val="FF0000"/>
+                </a:solidFill>
+                <a:latin typeface="Times New Roman" panose="02020603050405020304" pitchFamily="18" charset="0"/>
+                <a:ea typeface="Calibri" panose="020F0502020204030204" pitchFamily="34" charset="0"/>
+                <a:cs typeface="Times New Roman" panose="02020603050405020304" pitchFamily="18" charset="0"/>
+              </a:rPr>
+              <a:t>تدريب</a:t>
+            </a:r>
+            <a:r>
+              <a:rPr lang="ar-DZ" sz="4800" b="1" u="sng" dirty="0">
+                <a:solidFill>
+                  <a:srgbClr val="FF0000"/>
+                </a:solidFill>
+                <a:latin typeface="Times New Roman" panose="02020603050405020304" pitchFamily="18" charset="0"/>
+                <a:ea typeface="Calibri" panose="020F0502020204030204" pitchFamily="34" charset="0"/>
+                <a:cs typeface="Times New Roman" panose="02020603050405020304" pitchFamily="18" charset="0"/>
+              </a:rPr>
+              <a:t> </a:t>
+            </a:r>
+            <a:r>
+              <a:rPr lang="ar-DZ" sz="4800" b="1" u="sng" dirty="0" smtClean="0">
+                <a:solidFill>
+                  <a:srgbClr val="FF0000"/>
+                </a:solidFill>
+                <a:latin typeface="Times New Roman" panose="02020603050405020304" pitchFamily="18" charset="0"/>
+                <a:ea typeface="Calibri" panose="020F0502020204030204" pitchFamily="34" charset="0"/>
+                <a:cs typeface="Times New Roman" panose="02020603050405020304" pitchFamily="18" charset="0"/>
+              </a:rPr>
+              <a:t>01</a:t>
+            </a:r>
+            <a:r>
+              <a:rPr kumimoji="0" lang="ar-DZ" sz="4800" b="1" i="0" u="sng" strike="noStrike" cap="none" normalizeH="0" baseline="0" dirty="0" smtClean="0">
+                <a:ln>
+                  <a:noFill/>
+                </a:ln>
+                <a:solidFill>
+                  <a:srgbClr val="FF0000"/>
+                </a:solidFill>
+                <a:effectLst/>
+                <a:latin typeface="Times New Roman" panose="02020603050405020304" pitchFamily="18" charset="0"/>
+                <a:ea typeface="Calibri" panose="020F0502020204030204" pitchFamily="34" charset="0"/>
+                <a:cs typeface="Times New Roman" panose="02020603050405020304" pitchFamily="18" charset="0"/>
+              </a:rPr>
+              <a:t> </a:t>
+            </a:r>
+            <a:r>
+              <a:rPr kumimoji="0" lang="ar-DZ" sz="4800" b="1" i="0" u="sng" strike="noStrike" cap="none" normalizeH="0" baseline="0" dirty="0" smtClean="0">
+                <a:ln>
+                  <a:noFill/>
+                </a:ln>
+                <a:solidFill>
+                  <a:srgbClr val="FF0000"/>
+                </a:solidFill>
+                <a:effectLst/>
+                <a:latin typeface="Times New Roman" panose="02020603050405020304" pitchFamily="18" charset="0"/>
+                <a:ea typeface="Calibri" panose="020F0502020204030204" pitchFamily="34" charset="0"/>
+                <a:cs typeface="Times New Roman" panose="02020603050405020304" pitchFamily="18" charset="0"/>
+              </a:rPr>
+              <a:t>:</a:t>
+            </a:r>
+            <a:r>
+              <a:rPr kumimoji="0" lang="ar-DZ" sz="4800" b="1" i="0" strike="noStrike" cap="none" normalizeH="0" dirty="0" smtClean="0">
+                <a:ln>
+                  <a:noFill/>
+                </a:ln>
+                <a:solidFill>
+                  <a:srgbClr val="FF0000"/>
+                </a:solidFill>
+                <a:effectLst/>
+                <a:latin typeface="Times New Roman" panose="02020603050405020304" pitchFamily="18" charset="0"/>
+                <a:ea typeface="Calibri" panose="020F0502020204030204" pitchFamily="34" charset="0"/>
+                <a:cs typeface="Times New Roman" panose="02020603050405020304" pitchFamily="18" charset="0"/>
+              </a:rPr>
+              <a:t>   </a:t>
+            </a:r>
+            <a:endParaRPr kumimoji="0" lang="en-US" sz="4000" b="0" i="0" u="none" strike="noStrike" cap="none" normalizeH="0" baseline="0" dirty="0" smtClean="0">
+              <a:ln>
+                <a:noFill/>
+              </a:ln>
+              <a:solidFill>
+                <a:schemeClr val="tx1"/>
+              </a:solidFill>
+              <a:effectLst/>
+            </a:endParaRPr>
+          </a:p>
+        </p:txBody>
+      </p:sp>
+      <p:sp>
+        <p:nvSpPr>
+          <p:cNvPr id="2" name="ZoneTexte 1"/>
+          <p:cNvSpPr txBox="1"/>
+          <p:nvPr/>
+        </p:nvSpPr>
+        <p:spPr>
+          <a:xfrm>
+            <a:off x="188686" y="918711"/>
+            <a:ext cx="11698515" cy="646331"/>
+          </a:xfrm>
+          <a:prstGeom prst="rect">
+            <a:avLst/>
+          </a:prstGeom>
+          <a:noFill/>
+        </p:spPr>
+        <p:txBody>
+          <a:bodyPr wrap="square" rtlCol="1">
+            <a:spAutoFit/>
+          </a:bodyPr>
+          <a:lstStyle/>
+          <a:p>
+            <a:pPr algn="r" rtl="1"/>
+            <a:r>
+              <a:rPr lang="ar-DZ" sz="3600" dirty="0" smtClean="0"/>
+              <a:t>إليك هذين الشكلين :</a:t>
+            </a:r>
+            <a:endParaRPr lang="ar-DZ" sz="3600" dirty="0"/>
+          </a:p>
+        </p:txBody>
+      </p:sp>
+      <p:sp>
+        <p:nvSpPr>
+          <p:cNvPr id="7" name="Rectangle 6"/>
+          <p:cNvSpPr/>
+          <p:nvPr/>
+        </p:nvSpPr>
+        <p:spPr>
+          <a:xfrm>
+            <a:off x="350730" y="3654518"/>
+            <a:ext cx="11536472" cy="2554545"/>
+          </a:xfrm>
+          <a:prstGeom prst="rect">
+            <a:avLst/>
+          </a:prstGeom>
+        </p:spPr>
+        <p:txBody>
+          <a:bodyPr wrap="square">
+            <a:spAutoFit/>
+          </a:bodyPr>
+          <a:lstStyle/>
+          <a:p>
+            <a:pPr algn="r" rtl="1"/>
+            <a:r>
+              <a:rPr lang="ar-DZ" sz="3200" dirty="0">
+                <a:cs typeface="+mj-cs"/>
+              </a:rPr>
+              <a:t>3- ما الذي يميّز أشكال السؤال الأول عن شكلي السؤال الثاني ؟ </a:t>
+            </a:r>
+            <a:endParaRPr lang="fr-FR" sz="3200" dirty="0" smtClean="0">
+              <a:cs typeface="+mj-cs"/>
+            </a:endParaRPr>
+          </a:p>
+          <a:p>
+            <a:pPr algn="r" rtl="1"/>
+            <a:endParaRPr lang="fr-FR" sz="3200" dirty="0" smtClean="0">
+              <a:cs typeface="+mj-cs"/>
+            </a:endParaRPr>
+          </a:p>
+          <a:p>
+            <a:pPr algn="r" rtl="1"/>
+            <a:endParaRPr lang="ar-DZ" sz="3200" dirty="0">
+              <a:cs typeface="+mj-cs"/>
+            </a:endParaRPr>
+          </a:p>
+          <a:p>
+            <a:pPr algn="r" rtl="1"/>
+            <a:r>
+              <a:rPr lang="ar-DZ" sz="3200" dirty="0">
+                <a:cs typeface="+mj-cs"/>
+              </a:rPr>
+              <a:t>4- اعتمادا على أجوبتك السابقة، ما هي اللبنات التي درستها سابقا الممكن استعمالها لرسم مختلف الأشكال الهندسية </a:t>
+            </a:r>
+            <a:r>
+              <a:rPr lang="ar-DZ" sz="3200" dirty="0" smtClean="0">
+                <a:cs typeface="+mj-cs"/>
+              </a:rPr>
+              <a:t>؟ </a:t>
+            </a:r>
+            <a:endParaRPr lang="ar-DZ" sz="3200" dirty="0">
+              <a:cs typeface="+mj-cs"/>
+            </a:endParaRPr>
+          </a:p>
+        </p:txBody>
+      </p:sp>
+      <p:pic>
+        <p:nvPicPr>
+          <p:cNvPr id="5122" name="Image 23"/>
+          <p:cNvPicPr>
+            <a:picLocks noChangeAspect="1" noChangeArrowheads="1"/>
+          </p:cNvPicPr>
+          <p:nvPr/>
+        </p:nvPicPr>
+        <p:blipFill>
+          <a:blip r:embed="rId2">
+            <a:extLst>
+              <a:ext uri="{28A0092B-C50C-407E-A947-70E740481C1C}">
+                <a14:useLocalDpi xmlns:a14="http://schemas.microsoft.com/office/drawing/2010/main" val="0"/>
+              </a:ext>
+            </a:extLst>
+          </a:blip>
+          <a:srcRect/>
+          <a:stretch>
+            <a:fillRect/>
+          </a:stretch>
+        </p:blipFill>
+        <p:spPr bwMode="auto">
+          <a:xfrm>
+            <a:off x="3722915" y="1556034"/>
+            <a:ext cx="3612930" cy="1384174"/>
+          </a:xfrm>
+          <a:prstGeom prst="rect">
+            <a:avLst/>
+          </a:prstGeom>
+          <a:noFill/>
+          <a:extLst>
+            <a:ext uri="{909E8E84-426E-40DD-AFC4-6F175D3DCCD1}">
+              <a14:hiddenFill xmlns:a14="http://schemas.microsoft.com/office/drawing/2010/main">
+                <a:solidFill>
+                  <a:srgbClr val="FFFFFF"/>
+                </a:solidFill>
+              </a14:hiddenFill>
+            </a:ext>
+          </a:extLst>
+        </p:spPr>
+      </p:pic>
+      <p:pic>
+        <p:nvPicPr>
+          <p:cNvPr id="5121" name="Image 26"/>
+          <p:cNvPicPr>
+            <a:picLocks noChangeAspect="1" noChangeArrowheads="1"/>
+          </p:cNvPicPr>
+          <p:nvPr/>
+        </p:nvPicPr>
+        <p:blipFill>
+          <a:blip r:embed="rId3">
+            <a:extLst>
+              <a:ext uri="{28A0092B-C50C-407E-A947-70E740481C1C}">
+                <a14:useLocalDpi xmlns:a14="http://schemas.microsoft.com/office/drawing/2010/main" val="0"/>
+              </a:ext>
+            </a:extLst>
+          </a:blip>
+          <a:srcRect/>
+          <a:stretch>
+            <a:fillRect/>
+          </a:stretch>
+        </p:blipFill>
+        <p:spPr bwMode="auto">
+          <a:xfrm>
+            <a:off x="7760800" y="1595223"/>
+            <a:ext cx="4126401" cy="1375467"/>
+          </a:xfrm>
+          <a:prstGeom prst="rect">
+            <a:avLst/>
+          </a:prstGeom>
+          <a:noFill/>
+          <a:extLst>
+            <a:ext uri="{909E8E84-426E-40DD-AFC4-6F175D3DCCD1}">
+              <a14:hiddenFill xmlns:a14="http://schemas.microsoft.com/office/drawing/2010/main">
+                <a:solidFill>
+                  <a:srgbClr val="FFFFFF"/>
+                </a:solidFill>
+              </a14:hiddenFill>
+            </a:ext>
+          </a:extLst>
+        </p:spPr>
+      </p:pic>
+      <p:sp>
+        <p:nvSpPr>
+          <p:cNvPr id="17" name="Rectangle 16"/>
+          <p:cNvSpPr/>
+          <p:nvPr/>
+        </p:nvSpPr>
+        <p:spPr>
+          <a:xfrm>
+            <a:off x="6425799" y="5624288"/>
+            <a:ext cx="1820091" cy="584775"/>
+          </a:xfrm>
+          <a:prstGeom prst="rect">
+            <a:avLst/>
+          </a:prstGeom>
+        </p:spPr>
+        <p:txBody>
+          <a:bodyPr wrap="square">
+            <a:spAutoFit/>
+          </a:bodyPr>
+          <a:lstStyle/>
+          <a:p>
+            <a:pPr algn="ctr" rtl="1"/>
+            <a:r>
+              <a:rPr lang="ar-DZ" sz="3200" dirty="0" smtClean="0">
+                <a:solidFill>
+                  <a:srgbClr val="FF0000"/>
+                </a:solidFill>
+              </a:rPr>
+              <a:t>(لبنات القلم)</a:t>
+            </a:r>
+            <a:endParaRPr lang="ar-DZ" sz="3200" dirty="0">
+              <a:solidFill>
+                <a:srgbClr val="FF0000"/>
+              </a:solidFill>
+              <a:cs typeface="+mj-cs"/>
+            </a:endParaRPr>
+          </a:p>
+        </p:txBody>
+      </p:sp>
+    </p:spTree>
+    <p:extLst>
+      <p:ext uri="{BB962C8B-B14F-4D97-AF65-F5344CB8AC3E}">
+        <p14:creationId xmlns:p14="http://schemas.microsoft.com/office/powerpoint/2010/main" val="3002050568"/>
+      </p:ext>
+    </p:extLst>
+  </p:cSld>
+  <p:clrMapOvr>
+    <a:masterClrMapping/>
+  </p:clrMapOvr>
+  <p:transition spd="slow">
+    <p:push dir="u"/>
+  </p:transition>
+  <p:timing>
+    <p:tnLst>
+      <p:par>
+        <p:cTn id="1" dur="indefinite" restart="never" nodeType="tmRoot">
+          <p:childTnLst>
+            <p:seq concurrent="1" nextAc="seek">
+              <p:cTn id="2" dur="indefinite" nodeType="mainSeq">
+                <p:childTnLst>
+                  <p:par>
+                    <p:cTn id="3" fill="hold">
+                      <p:stCondLst>
+                        <p:cond delay="indefinite"/>
+                      </p:stCondLst>
+                      <p:childTnLst>
+                        <p:par>
+                          <p:cTn id="4" fill="hold">
+                            <p:stCondLst>
+                              <p:cond delay="0"/>
+                            </p:stCondLst>
+                            <p:childTnLst>
+                              <p:par>
+                                <p:cTn id="5" presetID="42" presetClass="entr" presetSubtype="0" fill="hold" grpId="0" nodeType="clickEffect">
+                                  <p:stCondLst>
+                                    <p:cond delay="0"/>
+                                  </p:stCondLst>
+                                  <p:childTnLst>
+                                    <p:set>
+                                      <p:cBhvr>
+                                        <p:cTn id="6" dur="1" fill="hold">
+                                          <p:stCondLst>
+                                            <p:cond delay="0"/>
+                                          </p:stCondLst>
+                                        </p:cTn>
+                                        <p:tgtEl>
+                                          <p:spTgt spid="5"/>
+                                        </p:tgtEl>
+                                        <p:attrNameLst>
+                                          <p:attrName>style.visibility</p:attrName>
+                                        </p:attrNameLst>
+                                      </p:cBhvr>
+                                      <p:to>
+                                        <p:strVal val="visible"/>
+                                      </p:to>
+                                    </p:set>
+                                    <p:animEffect transition="in" filter="fade">
+                                      <p:cBhvr>
+                                        <p:cTn id="7" dur="1000"/>
+                                        <p:tgtEl>
+                                          <p:spTgt spid="5"/>
+                                        </p:tgtEl>
+                                      </p:cBhvr>
+                                    </p:animEffect>
+                                    <p:anim calcmode="lin" valueType="num">
+                                      <p:cBhvr>
+                                        <p:cTn id="8" dur="1000" fill="hold"/>
+                                        <p:tgtEl>
+                                          <p:spTgt spid="5"/>
+                                        </p:tgtEl>
+                                        <p:attrNameLst>
+                                          <p:attrName>ppt_x</p:attrName>
+                                        </p:attrNameLst>
+                                      </p:cBhvr>
+                                      <p:tavLst>
+                                        <p:tav tm="0">
+                                          <p:val>
+                                            <p:strVal val="#ppt_x"/>
+                                          </p:val>
+                                        </p:tav>
+                                        <p:tav tm="100000">
+                                          <p:val>
+                                            <p:strVal val="#ppt_x"/>
+                                          </p:val>
+                                        </p:tav>
+                                      </p:tavLst>
+                                    </p:anim>
+                                    <p:anim calcmode="lin" valueType="num">
+                                      <p:cBhvr>
+                                        <p:cTn id="9" dur="1000" fill="hold"/>
+                                        <p:tgtEl>
+                                          <p:spTgt spid="5"/>
+                                        </p:tgtEl>
+                                        <p:attrNameLst>
+                                          <p:attrName>ppt_y</p:attrName>
+                                        </p:attrNameLst>
+                                      </p:cBhvr>
+                                      <p:tavLst>
+                                        <p:tav tm="0">
+                                          <p:val>
+                                            <p:strVal val="#ppt_y+.1"/>
+                                          </p:val>
+                                        </p:tav>
+                                        <p:tav tm="100000">
+                                          <p:val>
+                                            <p:strVal val="#ppt_y"/>
+                                          </p:val>
+                                        </p:tav>
+                                      </p:tavLst>
+                                    </p:anim>
+                                  </p:childTnLst>
+                                </p:cTn>
+                              </p:par>
+                            </p:childTnLst>
+                          </p:cTn>
+                        </p:par>
+                      </p:childTnLst>
+                    </p:cTn>
+                  </p:par>
+                  <p:par>
+                    <p:cTn id="10" fill="hold">
+                      <p:stCondLst>
+                        <p:cond delay="indefinite"/>
+                      </p:stCondLst>
+                      <p:childTnLst>
+                        <p:par>
+                          <p:cTn id="11" fill="hold">
+                            <p:stCondLst>
+                              <p:cond delay="0"/>
+                            </p:stCondLst>
+                            <p:childTnLst>
+                              <p:par>
+                                <p:cTn id="12" presetID="42" presetClass="entr" presetSubtype="0" fill="hold" grpId="0" nodeType="clickEffect">
+                                  <p:stCondLst>
+                                    <p:cond delay="0"/>
+                                  </p:stCondLst>
+                                  <p:childTnLst>
+                                    <p:set>
+                                      <p:cBhvr>
+                                        <p:cTn id="13" dur="1" fill="hold">
+                                          <p:stCondLst>
+                                            <p:cond delay="0"/>
+                                          </p:stCondLst>
+                                        </p:cTn>
+                                        <p:tgtEl>
+                                          <p:spTgt spid="17"/>
+                                        </p:tgtEl>
+                                        <p:attrNameLst>
+                                          <p:attrName>style.visibility</p:attrName>
+                                        </p:attrNameLst>
+                                      </p:cBhvr>
+                                      <p:to>
+                                        <p:strVal val="visible"/>
+                                      </p:to>
+                                    </p:set>
+                                    <p:animEffect transition="in" filter="fade">
+                                      <p:cBhvr>
+                                        <p:cTn id="14" dur="1000"/>
+                                        <p:tgtEl>
+                                          <p:spTgt spid="17"/>
+                                        </p:tgtEl>
+                                      </p:cBhvr>
+                                    </p:animEffect>
+                                    <p:anim calcmode="lin" valueType="num">
+                                      <p:cBhvr>
+                                        <p:cTn id="15" dur="1000" fill="hold"/>
+                                        <p:tgtEl>
+                                          <p:spTgt spid="17"/>
+                                        </p:tgtEl>
+                                        <p:attrNameLst>
+                                          <p:attrName>ppt_x</p:attrName>
+                                        </p:attrNameLst>
+                                      </p:cBhvr>
+                                      <p:tavLst>
+                                        <p:tav tm="0">
+                                          <p:val>
+                                            <p:strVal val="#ppt_x"/>
+                                          </p:val>
+                                        </p:tav>
+                                        <p:tav tm="100000">
+                                          <p:val>
+                                            <p:strVal val="#ppt_x"/>
+                                          </p:val>
+                                        </p:tav>
+                                      </p:tavLst>
+                                    </p:anim>
+                                    <p:anim calcmode="lin" valueType="num">
+                                      <p:cBhvr>
+                                        <p:cTn id="16" dur="1000" fill="hold"/>
+                                        <p:tgtEl>
+                                          <p:spTgt spid="17"/>
+                                        </p:tgtEl>
+                                        <p:attrNameLst>
+                                          <p:attrName>ppt_y</p:attrName>
+                                        </p:attrNameLst>
+                                      </p:cBhvr>
+                                      <p:tavLst>
+                                        <p:tav tm="0">
+                                          <p:val>
+                                            <p:strVal val="#ppt_y+.1"/>
+                                          </p:val>
+                                        </p:tav>
+                                        <p:tav tm="100000">
+                                          <p:val>
+                                            <p:strVal val="#ppt_y"/>
+                                          </p:val>
+                                        </p:tav>
+                                      </p:tavLst>
+                                    </p:anim>
+                                  </p:childTnLst>
+                                </p:cTn>
+                              </p:par>
+                            </p:childTnLst>
+                          </p:cTn>
+                        </p:par>
+                      </p:childTnLst>
+                    </p:cTn>
+                  </p:par>
+                </p:childTnLst>
+              </p:cTn>
+              <p:prevCondLst>
+                <p:cond evt="onPrev" delay="0">
+                  <p:tgtEl>
+                    <p:sldTgt/>
+                  </p:tgtEl>
+                </p:cond>
+              </p:prevCondLst>
+              <p:nextCondLst>
+                <p:cond evt="onNext" delay="0">
+                  <p:tgtEl>
+                    <p:sldTgt/>
+                  </p:tgtEl>
+                </p:cond>
+              </p:nextCondLst>
+            </p:seq>
+          </p:childTnLst>
+        </p:cTn>
+      </p:par>
+    </p:tnLst>
+    <p:bldLst>
+      <p:bldP spid="5" grpId="0"/>
+      <p:bldP spid="17" grpId="0"/>
+    </p:bldLst>
+  </p:timing>
+</p:sld>
+</file>
+
+<file path=ppt/slides/slide8.xml><?xml version="1.0" encoding="utf-8"?>
+<p:sld xmlns:a="http://schemas.openxmlformats.org/drawingml/2006/main" xmlns:r="http://schemas.openxmlformats.org/officeDocument/2006/relationships" xmlns:p="http://schemas.openxmlformats.org/presentationml/2006/main">
+  <p:cSld>
+    <p:spTree>
+      <p:nvGrpSpPr>
+        <p:cNvPr id="1" name=""/>
+        <p:cNvGrpSpPr/>
+        <p:nvPr/>
+      </p:nvGrpSpPr>
+      <p:grpSpPr>
+        <a:xfrm>
+          <a:off x="0" y="0"/>
+          <a:ext cx="0" cy="0"/>
+          <a:chOff x="0" y="0"/>
+          <a:chExt cx="0" cy="0"/>
+        </a:xfrm>
+      </p:grpSpPr>
+      <p:sp>
+        <p:nvSpPr>
+          <p:cNvPr id="6" name="Rectangle 5"/>
+          <p:cNvSpPr>
+            <a:spLocks noChangeArrowheads="1"/>
+          </p:cNvSpPr>
+          <p:nvPr/>
+        </p:nvSpPr>
+        <p:spPr bwMode="auto">
+          <a:xfrm>
+            <a:off x="4829578" y="687878"/>
+            <a:ext cx="184731" cy="369332"/>
+          </a:xfrm>
+          <a:prstGeom prst="rect">
+            <a:avLst/>
+          </a:prstGeom>
+          <a:noFill/>
+          <a:ln>
+            <a:noFill/>
+          </a:ln>
+          <a:effectLst/>
+          <a:extLst>
+            <a:ext uri="{909E8E84-426E-40DD-AFC4-6F175D3DCCD1}">
+              <a14:hiddenFill xmlns:a14="http://schemas.microsoft.com/office/drawing/2010/main">
+                <a:solidFill>
+                  <a:schemeClr val="accent1"/>
+                </a:solidFill>
+              </a14:hiddenFill>
+            </a:ext>
+            <a:ext uri="{91240B29-F687-4F45-9708-019B960494DF}">
+              <a14:hiddenLine xmlns:a14="http://schemas.microsoft.com/office/drawing/2010/main" w="9525">
+                <a:solidFill>
+                  <a:schemeClr val="tx1"/>
+                </a:solidFill>
+                <a:miter lim="800000"/>
+                <a:headEnd/>
+                <a:tailEnd/>
+              </a14:hiddenLine>
+            </a:ext>
+            <a:ext uri="{AF507438-7753-43E0-B8FC-AC1667EBCBE1}">
+              <a14:hiddenEffects xmlns:a14="http://schemas.microsoft.com/office/drawing/2010/main">
+                <a:effectLst>
+                  <a:outerShdw dist="35921" dir="2700000" algn="ctr" rotWithShape="0">
+                    <a:schemeClr val="bg2"/>
+                  </a:outerShdw>
+                </a:effectLst>
+              </a14:hiddenEffects>
+            </a:ext>
+          </a:extLst>
+        </p:spPr>
+        <p:txBody>
+          <a:bodyPr vert="horz" wrap="none" lIns="91440" tIns="45720" rIns="91440" bIns="45720" numCol="1" anchor="ctr" anchorCtr="0" compatLnSpc="1">
+            <a:prstTxWarp prst="textNoShape">
+              <a:avLst/>
+            </a:prstTxWarp>
+            <a:spAutoFit/>
+          </a:bodyPr>
+          <a:lstStyle/>
+          <a:p>
+            <a:pPr marL="0" marR="0" lvl="0" indent="0" algn="l" defTabSz="914400" rtl="0" eaLnBrk="0" fontAlgn="base" latinLnBrk="0" hangingPunct="0">
+              <a:lnSpc>
+                <a:spcPct val="100000"/>
+              </a:lnSpc>
+              <a:spcBef>
+                <a:spcPct val="0"/>
+              </a:spcBef>
+              <a:spcAft>
+                <a:spcPct val="0"/>
+              </a:spcAft>
+              <a:buClrTx/>
+              <a:buSzTx/>
+              <a:buFontTx/>
+              <a:buNone/>
+              <a:tabLst/>
+            </a:pPr>
+            <a:endParaRPr kumimoji="0" lang="fr-FR" sz="1800" b="1" i="0" u="none" strike="noStrike" cap="none" normalizeH="0" baseline="0" dirty="0" smtClean="0">
+              <a:ln>
+                <a:noFill/>
+              </a:ln>
+              <a:solidFill>
+                <a:schemeClr val="tx1"/>
+              </a:solidFill>
+              <a:effectLst/>
+              <a:latin typeface="Arial" panose="020B0604020202020204" pitchFamily="34" charset="0"/>
+              <a:cs typeface="Arial" panose="020B0604020202020204" pitchFamily="34" charset="0"/>
+            </a:endParaRPr>
+          </a:p>
+        </p:txBody>
+      </p:sp>
+      <p:sp>
+        <p:nvSpPr>
+          <p:cNvPr id="8" name="Rectangle 2"/>
+          <p:cNvSpPr>
+            <a:spLocks noChangeArrowheads="1"/>
+          </p:cNvSpPr>
+          <p:nvPr/>
+        </p:nvSpPr>
+        <p:spPr bwMode="auto">
+          <a:xfrm>
+            <a:off x="350729" y="87714"/>
+            <a:ext cx="11536472" cy="830997"/>
+          </a:xfrm>
+          <a:prstGeom prst="rect">
+            <a:avLst/>
+          </a:prstGeom>
+          <a:noFill/>
+          <a:ln>
+            <a:noFill/>
+          </a:ln>
+          <a:effectLst/>
+          <a:extLst>
+            <a:ext uri="{909E8E84-426E-40DD-AFC4-6F175D3DCCD1}">
+              <a14:hiddenFill xmlns:a14="http://schemas.microsoft.com/office/drawing/2010/main">
+                <a:solidFill>
+                  <a:schemeClr val="accent1"/>
+                </a:solidFill>
+              </a14:hiddenFill>
+            </a:ext>
+            <a:ext uri="{91240B29-F687-4F45-9708-019B960494DF}">
+              <a14:hiddenLine xmlns:a14="http://schemas.microsoft.com/office/drawing/2010/main" w="9525">
+                <a:solidFill>
+                  <a:schemeClr val="tx1"/>
+                </a:solidFill>
+                <a:miter lim="800000"/>
+                <a:headEnd/>
+                <a:tailEnd/>
+              </a14:hiddenLine>
+            </a:ext>
+            <a:ext uri="{AF507438-7753-43E0-B8FC-AC1667EBCBE1}">
+              <a14:hiddenEffects xmlns:a14="http://schemas.microsoft.com/office/drawing/2010/main">
+                <a:effectLst>
+                  <a:outerShdw dist="35921" dir="2700000" algn="ctr" rotWithShape="0">
+                    <a:schemeClr val="bg2"/>
+                  </a:outerShdw>
+                </a:effectLst>
+              </a14:hiddenEffects>
+            </a:ext>
+          </a:extLst>
+        </p:spPr>
+        <p:txBody>
+          <a:bodyPr vert="horz" wrap="square" lIns="91440" tIns="45720" rIns="91440" bIns="45720" numCol="1" anchor="ctr" anchorCtr="0" compatLnSpc="1">
+            <a:prstTxWarp prst="textNoShape">
+              <a:avLst/>
+            </a:prstTxWarp>
+            <a:spAutoFit/>
+          </a:bodyPr>
+          <a:lstStyle/>
+          <a:p>
+            <a:pPr marL="0" marR="0" lvl="0" indent="0" algn="r" defTabSz="914400" rtl="1" eaLnBrk="0" fontAlgn="base" latinLnBrk="0" hangingPunct="0">
+              <a:lnSpc>
+                <a:spcPct val="100000"/>
+              </a:lnSpc>
+              <a:spcBef>
+                <a:spcPct val="0"/>
+              </a:spcBef>
+              <a:spcAft>
+                <a:spcPct val="0"/>
+              </a:spcAft>
+              <a:buClrTx/>
+              <a:buSzTx/>
+              <a:tabLst/>
+            </a:pPr>
+            <a:r>
+              <a:rPr lang="ar-DZ" sz="4800" b="1" u="sng" dirty="0" smtClean="0">
+                <a:solidFill>
+                  <a:srgbClr val="FF0000"/>
+                </a:solidFill>
+                <a:latin typeface="Times New Roman" panose="02020603050405020304" pitchFamily="18" charset="0"/>
+                <a:ea typeface="Calibri" panose="020F0502020204030204" pitchFamily="34" charset="0"/>
+                <a:cs typeface="Times New Roman" panose="02020603050405020304" pitchFamily="18" charset="0"/>
+              </a:rPr>
+              <a:t>تدريب</a:t>
+            </a:r>
+            <a:r>
+              <a:rPr lang="ar-DZ" sz="4800" b="1" u="sng" dirty="0">
+                <a:solidFill>
+                  <a:srgbClr val="FF0000"/>
+                </a:solidFill>
+                <a:latin typeface="Times New Roman" panose="02020603050405020304" pitchFamily="18" charset="0"/>
+                <a:ea typeface="Calibri" panose="020F0502020204030204" pitchFamily="34" charset="0"/>
+                <a:cs typeface="Times New Roman" panose="02020603050405020304" pitchFamily="18" charset="0"/>
+              </a:rPr>
+              <a:t> </a:t>
+            </a:r>
+            <a:r>
+              <a:rPr lang="ar-DZ" sz="4800" b="1" u="sng" dirty="0" smtClean="0">
+                <a:solidFill>
+                  <a:srgbClr val="FF0000"/>
+                </a:solidFill>
+                <a:latin typeface="Times New Roman" panose="02020603050405020304" pitchFamily="18" charset="0"/>
+                <a:ea typeface="Calibri" panose="020F0502020204030204" pitchFamily="34" charset="0"/>
+                <a:cs typeface="Times New Roman" panose="02020603050405020304" pitchFamily="18" charset="0"/>
+              </a:rPr>
+              <a:t>02</a:t>
+            </a:r>
+            <a:r>
+              <a:rPr kumimoji="0" lang="ar-DZ" sz="4800" b="1" i="0" u="sng" strike="noStrike" cap="none" normalizeH="0" baseline="0" dirty="0" smtClean="0">
+                <a:ln>
+                  <a:noFill/>
+                </a:ln>
+                <a:solidFill>
+                  <a:srgbClr val="FF0000"/>
+                </a:solidFill>
+                <a:effectLst/>
+                <a:latin typeface="Times New Roman" panose="02020603050405020304" pitchFamily="18" charset="0"/>
+                <a:ea typeface="Calibri" panose="020F0502020204030204" pitchFamily="34" charset="0"/>
+                <a:cs typeface="Times New Roman" panose="02020603050405020304" pitchFamily="18" charset="0"/>
+              </a:rPr>
+              <a:t> </a:t>
+            </a:r>
+            <a:r>
+              <a:rPr kumimoji="0" lang="ar-DZ" sz="4800" b="1" i="0" u="sng" strike="noStrike" cap="none" normalizeH="0" baseline="0" dirty="0" smtClean="0">
+                <a:ln>
+                  <a:noFill/>
+                </a:ln>
+                <a:solidFill>
+                  <a:srgbClr val="FF0000"/>
+                </a:solidFill>
+                <a:effectLst/>
+                <a:latin typeface="Times New Roman" panose="02020603050405020304" pitchFamily="18" charset="0"/>
+                <a:ea typeface="Calibri" panose="020F0502020204030204" pitchFamily="34" charset="0"/>
+                <a:cs typeface="Times New Roman" panose="02020603050405020304" pitchFamily="18" charset="0"/>
+              </a:rPr>
+              <a:t>:</a:t>
+            </a:r>
+            <a:r>
+              <a:rPr kumimoji="0" lang="ar-DZ" sz="4800" b="1" i="0" strike="noStrike" cap="none" normalizeH="0" dirty="0" smtClean="0">
+                <a:ln>
+                  <a:noFill/>
+                </a:ln>
+                <a:solidFill>
+                  <a:srgbClr val="FF0000"/>
+                </a:solidFill>
+                <a:effectLst/>
+                <a:latin typeface="Times New Roman" panose="02020603050405020304" pitchFamily="18" charset="0"/>
+                <a:ea typeface="Calibri" panose="020F0502020204030204" pitchFamily="34" charset="0"/>
+                <a:cs typeface="Times New Roman" panose="02020603050405020304" pitchFamily="18" charset="0"/>
+              </a:rPr>
+              <a:t>   </a:t>
+            </a:r>
+            <a:endParaRPr kumimoji="0" lang="en-US" sz="4000" b="0" i="0" u="none" strike="noStrike" cap="none" normalizeH="0" baseline="0" dirty="0" smtClean="0">
+              <a:ln>
+                <a:noFill/>
+              </a:ln>
+              <a:solidFill>
+                <a:schemeClr val="tx1"/>
+              </a:solidFill>
+              <a:effectLst/>
+            </a:endParaRPr>
+          </a:p>
+        </p:txBody>
+      </p:sp>
+      <p:sp>
+        <p:nvSpPr>
+          <p:cNvPr id="7" name="Rectangle 6"/>
+          <p:cNvSpPr/>
+          <p:nvPr/>
+        </p:nvSpPr>
+        <p:spPr>
+          <a:xfrm>
+            <a:off x="350729" y="1057210"/>
+            <a:ext cx="11536472" cy="646331"/>
+          </a:xfrm>
+          <a:prstGeom prst="rect">
+            <a:avLst/>
+          </a:prstGeom>
+        </p:spPr>
+        <p:txBody>
+          <a:bodyPr wrap="square">
+            <a:spAutoFit/>
+          </a:bodyPr>
+          <a:lstStyle/>
+          <a:p>
+            <a:pPr algn="r" rtl="1"/>
+            <a:r>
+              <a:rPr lang="ar-DZ" sz="3600" dirty="0" smtClean="0"/>
+              <a:t>قم </a:t>
+            </a:r>
+            <a:r>
+              <a:rPr lang="ar-DZ" sz="3600" dirty="0"/>
+              <a:t>بتشغيل برنامج </a:t>
+            </a:r>
+            <a:r>
+              <a:rPr lang="ar-DZ" sz="3600" dirty="0" err="1"/>
+              <a:t>سكراتش</a:t>
+            </a:r>
+            <a:r>
+              <a:rPr lang="ar-DZ" sz="3600" dirty="0"/>
+              <a:t> و حاول إلقاء نظرة على مختلف لبنات القلم.</a:t>
+            </a:r>
+            <a:endParaRPr lang="ar-DZ" sz="3600" dirty="0">
+              <a:cs typeface="+mj-cs"/>
+            </a:endParaRPr>
+          </a:p>
+        </p:txBody>
+      </p:sp>
+    </p:spTree>
+    <p:extLst>
+      <p:ext uri="{BB962C8B-B14F-4D97-AF65-F5344CB8AC3E}">
+        <p14:creationId xmlns:p14="http://schemas.microsoft.com/office/powerpoint/2010/main" val="2746006361"/>
       </p:ext>
     </p:extLst>
   </p:cSld>
